--- a/Bank_Marketing.pptx
+++ b/Bank_Marketing.pptx
@@ -5,34 +5,26 @@
     <p:sldMasterId id="2147483648" r:id="rId1"/>
   </p:sldMasterIdLst>
   <p:notesMasterIdLst>
-    <p:notesMasterId r:id="rId27"/>
+    <p:notesMasterId r:id="rId19"/>
   </p:notesMasterIdLst>
   <p:sldIdLst>
     <p:sldId id="256" r:id="rId2"/>
-    <p:sldId id="331" r:id="rId3"/>
-    <p:sldId id="343" r:id="rId4"/>
-    <p:sldId id="328" r:id="rId5"/>
-    <p:sldId id="329" r:id="rId6"/>
-    <p:sldId id="330" r:id="rId7"/>
-    <p:sldId id="327" r:id="rId8"/>
-    <p:sldId id="344" r:id="rId9"/>
-    <p:sldId id="346" r:id="rId10"/>
-    <p:sldId id="348" r:id="rId11"/>
-    <p:sldId id="347" r:id="rId12"/>
-    <p:sldId id="349" r:id="rId13"/>
-    <p:sldId id="350" r:id="rId14"/>
-    <p:sldId id="351" r:id="rId15"/>
-    <p:sldId id="352" r:id="rId16"/>
-    <p:sldId id="333" r:id="rId17"/>
-    <p:sldId id="334" r:id="rId18"/>
-    <p:sldId id="335" r:id="rId19"/>
-    <p:sldId id="336" r:id="rId20"/>
-    <p:sldId id="337" r:id="rId21"/>
-    <p:sldId id="338" r:id="rId22"/>
-    <p:sldId id="339" r:id="rId23"/>
-    <p:sldId id="340" r:id="rId24"/>
-    <p:sldId id="341" r:id="rId25"/>
-    <p:sldId id="342" r:id="rId26"/>
+    <p:sldId id="327" r:id="rId3"/>
+    <p:sldId id="328" r:id="rId4"/>
+    <p:sldId id="329" r:id="rId5"/>
+    <p:sldId id="330" r:id="rId6"/>
+    <p:sldId id="331" r:id="rId7"/>
+    <p:sldId id="332" r:id="rId8"/>
+    <p:sldId id="333" r:id="rId9"/>
+    <p:sldId id="334" r:id="rId10"/>
+    <p:sldId id="335" r:id="rId11"/>
+    <p:sldId id="336" r:id="rId12"/>
+    <p:sldId id="337" r:id="rId13"/>
+    <p:sldId id="338" r:id="rId14"/>
+    <p:sldId id="339" r:id="rId15"/>
+    <p:sldId id="340" r:id="rId16"/>
+    <p:sldId id="341" r:id="rId17"/>
+    <p:sldId id="342" r:id="rId18"/>
   </p:sldIdLst>
   <p:sldSz cx="12192000" cy="6858000"/>
   <p:notesSz cx="6858000" cy="9144000"/>
@@ -221,7 +213,7 @@
           <a:p>
             <a:fld id="{948C63AC-AF03-455B-8A47-F7F7A56720B9}" type="datetimeFigureOut">
               <a:rPr lang="fr-FR" smtClean="0"/>
-              <a:t>06/07/2025</a:t>
+              <a:t>05/07/2025</a:t>
             </a:fld>
             <a:endParaRPr lang="fr-FR"/>
           </a:p>
@@ -638,7 +630,7 @@
           <a:p>
             <a:fld id="{7653EF1A-81A3-4B5B-9DFD-45F57CF2C6FC}" type="datetimeFigureOut">
               <a:rPr lang="fr-FR" smtClean="0"/>
-              <a:t>06/07/2025</a:t>
+              <a:t>05/07/2025</a:t>
             </a:fld>
             <a:endParaRPr lang="fr-FR"/>
           </a:p>
@@ -838,7 +830,7 @@
           <a:p>
             <a:fld id="{7653EF1A-81A3-4B5B-9DFD-45F57CF2C6FC}" type="datetimeFigureOut">
               <a:rPr lang="fr-FR" smtClean="0"/>
-              <a:t>06/07/2025</a:t>
+              <a:t>05/07/2025</a:t>
             </a:fld>
             <a:endParaRPr lang="fr-FR"/>
           </a:p>
@@ -1048,7 +1040,7 @@
           <a:p>
             <a:fld id="{7653EF1A-81A3-4B5B-9DFD-45F57CF2C6FC}" type="datetimeFigureOut">
               <a:rPr lang="fr-FR" smtClean="0"/>
-              <a:t>06/07/2025</a:t>
+              <a:t>05/07/2025</a:t>
             </a:fld>
             <a:endParaRPr lang="fr-FR"/>
           </a:p>
@@ -1248,7 +1240,7 @@
           <a:p>
             <a:fld id="{7653EF1A-81A3-4B5B-9DFD-45F57CF2C6FC}" type="datetimeFigureOut">
               <a:rPr lang="fr-FR" smtClean="0"/>
-              <a:t>06/07/2025</a:t>
+              <a:t>05/07/2025</a:t>
             </a:fld>
             <a:endParaRPr lang="fr-FR"/>
           </a:p>
@@ -1524,7 +1516,7 @@
           <a:p>
             <a:fld id="{7653EF1A-81A3-4B5B-9DFD-45F57CF2C6FC}" type="datetimeFigureOut">
               <a:rPr lang="fr-FR" smtClean="0"/>
-              <a:t>06/07/2025</a:t>
+              <a:t>05/07/2025</a:t>
             </a:fld>
             <a:endParaRPr lang="fr-FR"/>
           </a:p>
@@ -1792,7 +1784,7 @@
           <a:p>
             <a:fld id="{7653EF1A-81A3-4B5B-9DFD-45F57CF2C6FC}" type="datetimeFigureOut">
               <a:rPr lang="fr-FR" smtClean="0"/>
-              <a:t>06/07/2025</a:t>
+              <a:t>05/07/2025</a:t>
             </a:fld>
             <a:endParaRPr lang="fr-FR"/>
           </a:p>
@@ -2207,7 +2199,7 @@
           <a:p>
             <a:fld id="{7653EF1A-81A3-4B5B-9DFD-45F57CF2C6FC}" type="datetimeFigureOut">
               <a:rPr lang="fr-FR" smtClean="0"/>
-              <a:t>06/07/2025</a:t>
+              <a:t>05/07/2025</a:t>
             </a:fld>
             <a:endParaRPr lang="fr-FR"/>
           </a:p>
@@ -2349,7 +2341,7 @@
           <a:p>
             <a:fld id="{7653EF1A-81A3-4B5B-9DFD-45F57CF2C6FC}" type="datetimeFigureOut">
               <a:rPr lang="fr-FR" smtClean="0"/>
-              <a:t>06/07/2025</a:t>
+              <a:t>05/07/2025</a:t>
             </a:fld>
             <a:endParaRPr lang="fr-FR"/>
           </a:p>
@@ -2462,7 +2454,7 @@
           <a:p>
             <a:fld id="{7653EF1A-81A3-4B5B-9DFD-45F57CF2C6FC}" type="datetimeFigureOut">
               <a:rPr lang="fr-FR" smtClean="0"/>
-              <a:t>06/07/2025</a:t>
+              <a:t>05/07/2025</a:t>
             </a:fld>
             <a:endParaRPr lang="fr-FR"/>
           </a:p>
@@ -2775,7 +2767,7 @@
           <a:p>
             <a:fld id="{7653EF1A-81A3-4B5B-9DFD-45F57CF2C6FC}" type="datetimeFigureOut">
               <a:rPr lang="fr-FR" smtClean="0"/>
-              <a:t>06/07/2025</a:t>
+              <a:t>05/07/2025</a:t>
             </a:fld>
             <a:endParaRPr lang="fr-FR"/>
           </a:p>
@@ -3064,7 +3056,7 @@
           <a:p>
             <a:fld id="{7653EF1A-81A3-4B5B-9DFD-45F57CF2C6FC}" type="datetimeFigureOut">
               <a:rPr lang="fr-FR" smtClean="0"/>
-              <a:t>06/07/2025</a:t>
+              <a:t>05/07/2025</a:t>
             </a:fld>
             <a:endParaRPr lang="fr-FR"/>
           </a:p>
@@ -3307,7 +3299,7 @@
           <a:p>
             <a:fld id="{7653EF1A-81A3-4B5B-9DFD-45F57CF2C6FC}" type="datetimeFigureOut">
               <a:rPr lang="fr-FR" smtClean="0"/>
-              <a:t>06/07/2025</a:t>
+              <a:t>05/07/2025</a:t>
             </a:fld>
             <a:endParaRPr lang="fr-FR"/>
           </a:p>
@@ -3786,8 +3778,8 @@
         </p:nvSpPr>
         <p:spPr>
           <a:xfrm>
-            <a:off x="7444509" y="6138827"/>
-            <a:ext cx="3380994" cy="415498"/>
+            <a:off x="6788658" y="6089189"/>
+            <a:ext cx="2688336" cy="415498"/>
           </a:xfrm>
           <a:prstGeom prst="rect">
             <a:avLst/>
@@ -3810,7 +3802,7 @@
                   <a:srgbClr val="0070C0"/>
                 </a:solidFill>
               </a:rPr>
-              <a:t>Dr. TRISTAN</a:t>
+              <a:t>TRISTAN</a:t>
             </a:r>
             <a:endParaRPr lang="fr-FR" sz="2100" b="1" dirty="0">
               <a:solidFill>
@@ -3855,7 +3847,7 @@
                 </a:solidFill>
                 <a:latin typeface="Google Sans Text"/>
               </a:rPr>
-              <a:t>07/07/2025</a:t>
+              <a:t>03/07/2025</a:t>
             </a:r>
             <a:endParaRPr lang="fr-FR" dirty="0"/>
           </a:p>
@@ -3905,2948 +3897,6 @@
 </file>
 
 <file path=ppt/slides/slide10.xml><?xml version="1.0" encoding="utf-8"?>
-<p:sld xmlns:a="http://schemas.openxmlformats.org/drawingml/2006/main" xmlns:r="http://schemas.openxmlformats.org/officeDocument/2006/relationships" xmlns:p="http://schemas.openxmlformats.org/presentationml/2006/main">
-  <p:cSld>
-    <p:spTree>
-      <p:nvGrpSpPr>
-        <p:cNvPr id="1" name="">
-          <a:extLst>
-            <a:ext uri="{FF2B5EF4-FFF2-40B4-BE49-F238E27FC236}">
-              <a16:creationId xmlns:a16="http://schemas.microsoft.com/office/drawing/2014/main" id="{BF0829A5-D4C1-EB91-4100-B7EC532870BB}"/>
-            </a:ext>
-          </a:extLst>
-        </p:cNvPr>
-        <p:cNvGrpSpPr/>
-        <p:nvPr/>
-      </p:nvGrpSpPr>
-      <p:grpSpPr>
-        <a:xfrm>
-          <a:off x="0" y="0"/>
-          <a:ext cx="0" cy="0"/>
-          <a:chOff x="0" y="0"/>
-          <a:chExt cx="0" cy="0"/>
-        </a:xfrm>
-      </p:grpSpPr>
-      <p:pic>
-        <p:nvPicPr>
-          <p:cNvPr id="7" name="Picture 6">
-            <a:extLst>
-              <a:ext uri="{FF2B5EF4-FFF2-40B4-BE49-F238E27FC236}">
-                <a16:creationId xmlns:a16="http://schemas.microsoft.com/office/drawing/2014/main" id="{D36EF0B0-87CE-25D2-B6EC-BCE1571156A6}"/>
-              </a:ext>
-            </a:extLst>
-          </p:cNvPr>
-          <p:cNvPicPr>
-            <a:picLocks noChangeAspect="1"/>
-          </p:cNvPicPr>
-          <p:nvPr/>
-        </p:nvPicPr>
-        <p:blipFill>
-          <a:blip r:embed="rId2">
-            <a:extLst>
-              <a:ext uri="{BEBA8EAE-BF5A-486C-A8C5-ECC9F3942E4B}">
-                <a14:imgProps xmlns:a14="http://schemas.microsoft.com/office/drawing/2010/main">
-                  <a14:imgLayer r:embed="rId3">
-                    <a14:imgEffect>
-                      <a14:saturation sat="0"/>
-                    </a14:imgEffect>
-                  </a14:imgLayer>
-                </a14:imgProps>
-              </a:ext>
-            </a:extLst>
-          </a:blip>
-          <a:srcRect l="65947" r="3227" b="69068"/>
-          <a:stretch/>
-        </p:blipFill>
-        <p:spPr>
-          <a:xfrm>
-            <a:off x="10291479" y="111053"/>
-            <a:ext cx="1730697" cy="543598"/>
-          </a:xfrm>
-          <a:prstGeom prst="rect">
-            <a:avLst/>
-          </a:prstGeom>
-        </p:spPr>
-      </p:pic>
-      <p:sp>
-        <p:nvSpPr>
-          <p:cNvPr id="2" name="TextBox 1">
-            <a:extLst>
-              <a:ext uri="{FF2B5EF4-FFF2-40B4-BE49-F238E27FC236}">
-                <a16:creationId xmlns:a16="http://schemas.microsoft.com/office/drawing/2014/main" id="{85FA5CFA-D0EE-02B4-0795-E7EB2E3D93ED}"/>
-              </a:ext>
-            </a:extLst>
-          </p:cNvPr>
-          <p:cNvSpPr txBox="1"/>
-          <p:nvPr/>
-        </p:nvSpPr>
-        <p:spPr>
-          <a:xfrm>
-            <a:off x="177755" y="6532994"/>
-            <a:ext cx="2667762" cy="230832"/>
-          </a:xfrm>
-          <a:prstGeom prst="rect">
-            <a:avLst/>
-          </a:prstGeom>
-          <a:noFill/>
-        </p:spPr>
-        <p:txBody>
-          <a:bodyPr wrap="square" rtlCol="0">
-            <a:spAutoFit/>
-          </a:bodyPr>
-          <a:lstStyle/>
-          <a:p>
-            <a:r>
-              <a:rPr lang="en-US" sz="900" dirty="0">
-                <a:solidFill>
-                  <a:schemeClr val="bg1">
-                    <a:lumMod val="65000"/>
-                  </a:schemeClr>
-                </a:solidFill>
-              </a:rPr>
-              <a:t>Presented by: Redha &amp; Rooney</a:t>
-            </a:r>
-            <a:endParaRPr lang="fr-FR" sz="900" dirty="0">
-              <a:solidFill>
-                <a:schemeClr val="bg1">
-                  <a:lumMod val="65000"/>
-                </a:schemeClr>
-              </a:solidFill>
-            </a:endParaRPr>
-          </a:p>
-        </p:txBody>
-      </p:sp>
-      <p:sp>
-        <p:nvSpPr>
-          <p:cNvPr id="3" name="TextBox 2">
-            <a:extLst>
-              <a:ext uri="{FF2B5EF4-FFF2-40B4-BE49-F238E27FC236}">
-                <a16:creationId xmlns:a16="http://schemas.microsoft.com/office/drawing/2014/main" id="{69D4CE68-01ED-5AFC-9385-65D15B74BA53}"/>
-              </a:ext>
-            </a:extLst>
-          </p:cNvPr>
-          <p:cNvSpPr txBox="1"/>
-          <p:nvPr/>
-        </p:nvSpPr>
-        <p:spPr>
-          <a:xfrm>
-            <a:off x="11244406" y="6582892"/>
-            <a:ext cx="777770" cy="230832"/>
-          </a:xfrm>
-          <a:prstGeom prst="rect">
-            <a:avLst/>
-          </a:prstGeom>
-          <a:noFill/>
-        </p:spPr>
-        <p:txBody>
-          <a:bodyPr wrap="square" rtlCol="0">
-            <a:spAutoFit/>
-          </a:bodyPr>
-          <a:lstStyle/>
-          <a:p>
-            <a:r>
-              <a:rPr lang="en-US" sz="900" dirty="0">
-                <a:solidFill>
-                  <a:schemeClr val="bg1">
-                    <a:lumMod val="65000"/>
-                  </a:schemeClr>
-                </a:solidFill>
-              </a:rPr>
-              <a:t>07/07/2025</a:t>
-            </a:r>
-            <a:endParaRPr lang="fr-FR" sz="900" dirty="0">
-              <a:solidFill>
-                <a:schemeClr val="bg1">
-                  <a:lumMod val="65000"/>
-                </a:schemeClr>
-              </a:solidFill>
-            </a:endParaRPr>
-          </a:p>
-        </p:txBody>
-      </p:sp>
-      <p:pic>
-        <p:nvPicPr>
-          <p:cNvPr id="4" name="Picture 3">
-            <a:extLst>
-              <a:ext uri="{FF2B5EF4-FFF2-40B4-BE49-F238E27FC236}">
-                <a16:creationId xmlns:a16="http://schemas.microsoft.com/office/drawing/2014/main" id="{AE21C3BA-3E99-1526-9B73-FCE88EACF202}"/>
-              </a:ext>
-            </a:extLst>
-          </p:cNvPr>
-          <p:cNvPicPr>
-            <a:picLocks noChangeAspect="1"/>
-          </p:cNvPicPr>
-          <p:nvPr/>
-        </p:nvPicPr>
-        <p:blipFill>
-          <a:blip r:embed="rId4">
-            <a:extLst>
-              <a:ext uri="{BEBA8EAE-BF5A-486C-A8C5-ECC9F3942E4B}">
-                <a14:imgProps xmlns:a14="http://schemas.microsoft.com/office/drawing/2010/main">
-                  <a14:imgLayer r:embed="rId5">
-                    <a14:imgEffect>
-                      <a14:saturation sat="0"/>
-                    </a14:imgEffect>
-                  </a14:imgLayer>
-                </a14:imgProps>
-              </a:ext>
-            </a:extLst>
-          </a:blip>
-          <a:srcRect t="-28943" r="42651" b="28943"/>
-          <a:stretch>
-            <a:fillRect/>
-          </a:stretch>
-        </p:blipFill>
-        <p:spPr>
-          <a:xfrm>
-            <a:off x="86697" y="-146164"/>
-            <a:ext cx="1730697" cy="908398"/>
-          </a:xfrm>
-          <a:prstGeom prst="rect">
-            <a:avLst/>
-          </a:prstGeom>
-        </p:spPr>
-      </p:pic>
-      <p:sp>
-        <p:nvSpPr>
-          <p:cNvPr id="6" name="TextBox 5">
-            <a:extLst>
-              <a:ext uri="{FF2B5EF4-FFF2-40B4-BE49-F238E27FC236}">
-                <a16:creationId xmlns:a16="http://schemas.microsoft.com/office/drawing/2014/main" id="{FEED8388-E839-E311-8F7A-51852D887EBC}"/>
-              </a:ext>
-            </a:extLst>
-          </p:cNvPr>
-          <p:cNvSpPr txBox="1"/>
-          <p:nvPr/>
-        </p:nvSpPr>
-        <p:spPr>
-          <a:xfrm>
-            <a:off x="142832" y="1019451"/>
-            <a:ext cx="8179132" cy="760016"/>
-          </a:xfrm>
-          <a:prstGeom prst="rect">
-            <a:avLst/>
-          </a:prstGeom>
-          <a:noFill/>
-        </p:spPr>
-        <p:txBody>
-          <a:bodyPr wrap="square">
-            <a:spAutoFit/>
-          </a:bodyPr>
-          <a:lstStyle/>
-          <a:p>
-            <a:pPr algn="ctr">
-              <a:lnSpc>
-                <a:spcPct val="150000"/>
-              </a:lnSpc>
-              <a:buNone/>
-            </a:pPr>
-            <a:r>
-              <a:rPr lang="fr-FR" sz="3200" b="1" dirty="0"/>
-              <a:t>B.2. DESCRIPTIVE STATISTICS </a:t>
-            </a:r>
-            <a:r>
-              <a:rPr lang="en-US" dirty="0"/>
-              <a:t> </a:t>
-            </a:r>
-            <a:endParaRPr lang="fr-FR" sz="3200" b="1" dirty="0"/>
-          </a:p>
-        </p:txBody>
-      </p:sp>
-      <p:sp>
-        <p:nvSpPr>
-          <p:cNvPr id="9" name="TextBox 8">
-            <a:extLst>
-              <a:ext uri="{FF2B5EF4-FFF2-40B4-BE49-F238E27FC236}">
-                <a16:creationId xmlns:a16="http://schemas.microsoft.com/office/drawing/2014/main" id="{92A8D148-FB4C-DF87-23B1-B35D7CCE2F10}"/>
-              </a:ext>
-            </a:extLst>
-          </p:cNvPr>
-          <p:cNvSpPr txBox="1"/>
-          <p:nvPr/>
-        </p:nvSpPr>
-        <p:spPr>
-          <a:xfrm>
-            <a:off x="734291" y="111053"/>
-            <a:ext cx="11037455" cy="760016"/>
-          </a:xfrm>
-          <a:prstGeom prst="rect">
-            <a:avLst/>
-          </a:prstGeom>
-          <a:noFill/>
-        </p:spPr>
-        <p:txBody>
-          <a:bodyPr wrap="square">
-            <a:spAutoFit/>
-          </a:bodyPr>
-          <a:lstStyle/>
-          <a:p>
-            <a:pPr algn="ctr">
-              <a:lnSpc>
-                <a:spcPct val="150000"/>
-              </a:lnSpc>
-              <a:buNone/>
-            </a:pPr>
-            <a:r>
-              <a:rPr lang="fr-FR" sz="3200" b="1" dirty="0"/>
-              <a:t>B- Customer </a:t>
-            </a:r>
-            <a:r>
-              <a:rPr lang="fr-FR" sz="3200" b="1" dirty="0" err="1"/>
-              <a:t>Behaviour</a:t>
-            </a:r>
-            <a:r>
-              <a:rPr lang="fr-FR" sz="3200" b="1" dirty="0"/>
-              <a:t> Modeling</a:t>
-            </a:r>
-          </a:p>
-        </p:txBody>
-      </p:sp>
-      <p:pic>
-        <p:nvPicPr>
-          <p:cNvPr id="10" name="Picture 9">
-            <a:extLst>
-              <a:ext uri="{FF2B5EF4-FFF2-40B4-BE49-F238E27FC236}">
-                <a16:creationId xmlns:a16="http://schemas.microsoft.com/office/drawing/2014/main" id="{70163F5C-4A14-34C3-6FD8-9F47868FBF4D}"/>
-              </a:ext>
-            </a:extLst>
-          </p:cNvPr>
-          <p:cNvPicPr>
-            <a:picLocks noChangeAspect="1"/>
-          </p:cNvPicPr>
-          <p:nvPr/>
-        </p:nvPicPr>
-        <p:blipFill>
-          <a:blip r:embed="rId6"/>
-          <a:stretch>
-            <a:fillRect/>
-          </a:stretch>
-        </p:blipFill>
-        <p:spPr>
-          <a:xfrm>
-            <a:off x="345680" y="2171169"/>
-            <a:ext cx="11500640" cy="2153326"/>
-          </a:xfrm>
-          <a:prstGeom prst="rect">
-            <a:avLst/>
-          </a:prstGeom>
-        </p:spPr>
-      </p:pic>
-    </p:spTree>
-    <p:extLst>
-      <p:ext uri="{BB962C8B-B14F-4D97-AF65-F5344CB8AC3E}">
-        <p14:creationId xmlns:p14="http://schemas.microsoft.com/office/powerpoint/2010/main" val="3618908572"/>
-      </p:ext>
-    </p:extLst>
-  </p:cSld>
-  <p:clrMapOvr>
-    <a:masterClrMapping/>
-  </p:clrMapOvr>
-</p:sld>
-</file>
-
-<file path=ppt/slides/slide11.xml><?xml version="1.0" encoding="utf-8"?>
-<p:sld xmlns:a="http://schemas.openxmlformats.org/drawingml/2006/main" xmlns:r="http://schemas.openxmlformats.org/officeDocument/2006/relationships" xmlns:p="http://schemas.openxmlformats.org/presentationml/2006/main">
-  <p:cSld>
-    <p:spTree>
-      <p:nvGrpSpPr>
-        <p:cNvPr id="1" name="">
-          <a:extLst>
-            <a:ext uri="{FF2B5EF4-FFF2-40B4-BE49-F238E27FC236}">
-              <a16:creationId xmlns:a16="http://schemas.microsoft.com/office/drawing/2014/main" id="{F9675230-490F-E113-2797-DE11D2039FB4}"/>
-            </a:ext>
-          </a:extLst>
-        </p:cNvPr>
-        <p:cNvGrpSpPr/>
-        <p:nvPr/>
-      </p:nvGrpSpPr>
-      <p:grpSpPr>
-        <a:xfrm>
-          <a:off x="0" y="0"/>
-          <a:ext cx="0" cy="0"/>
-          <a:chOff x="0" y="0"/>
-          <a:chExt cx="0" cy="0"/>
-        </a:xfrm>
-      </p:grpSpPr>
-      <p:pic>
-        <p:nvPicPr>
-          <p:cNvPr id="7" name="Picture 6">
-            <a:extLst>
-              <a:ext uri="{FF2B5EF4-FFF2-40B4-BE49-F238E27FC236}">
-                <a16:creationId xmlns:a16="http://schemas.microsoft.com/office/drawing/2014/main" id="{B609A30F-CA3C-61A6-EC17-CFF4E7DFD021}"/>
-              </a:ext>
-            </a:extLst>
-          </p:cNvPr>
-          <p:cNvPicPr>
-            <a:picLocks noChangeAspect="1"/>
-          </p:cNvPicPr>
-          <p:nvPr/>
-        </p:nvPicPr>
-        <p:blipFill>
-          <a:blip r:embed="rId2">
-            <a:extLst>
-              <a:ext uri="{BEBA8EAE-BF5A-486C-A8C5-ECC9F3942E4B}">
-                <a14:imgProps xmlns:a14="http://schemas.microsoft.com/office/drawing/2010/main">
-                  <a14:imgLayer r:embed="rId3">
-                    <a14:imgEffect>
-                      <a14:saturation sat="0"/>
-                    </a14:imgEffect>
-                  </a14:imgLayer>
-                </a14:imgProps>
-              </a:ext>
-            </a:extLst>
-          </a:blip>
-          <a:srcRect l="65947" r="3227" b="69068"/>
-          <a:stretch/>
-        </p:blipFill>
-        <p:spPr>
-          <a:xfrm>
-            <a:off x="10291479" y="111053"/>
-            <a:ext cx="1730697" cy="543598"/>
-          </a:xfrm>
-          <a:prstGeom prst="rect">
-            <a:avLst/>
-          </a:prstGeom>
-        </p:spPr>
-      </p:pic>
-      <p:sp>
-        <p:nvSpPr>
-          <p:cNvPr id="2" name="TextBox 1">
-            <a:extLst>
-              <a:ext uri="{FF2B5EF4-FFF2-40B4-BE49-F238E27FC236}">
-                <a16:creationId xmlns:a16="http://schemas.microsoft.com/office/drawing/2014/main" id="{BDAA8363-36F8-01F4-3A89-FCBA4898A605}"/>
-              </a:ext>
-            </a:extLst>
-          </p:cNvPr>
-          <p:cNvSpPr txBox="1"/>
-          <p:nvPr/>
-        </p:nvSpPr>
-        <p:spPr>
-          <a:xfrm>
-            <a:off x="177755" y="6532994"/>
-            <a:ext cx="2667762" cy="230832"/>
-          </a:xfrm>
-          <a:prstGeom prst="rect">
-            <a:avLst/>
-          </a:prstGeom>
-          <a:noFill/>
-        </p:spPr>
-        <p:txBody>
-          <a:bodyPr wrap="square" rtlCol="0">
-            <a:spAutoFit/>
-          </a:bodyPr>
-          <a:lstStyle/>
-          <a:p>
-            <a:r>
-              <a:rPr lang="en-US" sz="900" dirty="0">
-                <a:solidFill>
-                  <a:schemeClr val="bg1">
-                    <a:lumMod val="65000"/>
-                  </a:schemeClr>
-                </a:solidFill>
-              </a:rPr>
-              <a:t>Presented by: Redha &amp; Rooney</a:t>
-            </a:r>
-            <a:endParaRPr lang="fr-FR" sz="900" dirty="0">
-              <a:solidFill>
-                <a:schemeClr val="bg1">
-                  <a:lumMod val="65000"/>
-                </a:schemeClr>
-              </a:solidFill>
-            </a:endParaRPr>
-          </a:p>
-        </p:txBody>
-      </p:sp>
-      <p:sp>
-        <p:nvSpPr>
-          <p:cNvPr id="3" name="TextBox 2">
-            <a:extLst>
-              <a:ext uri="{FF2B5EF4-FFF2-40B4-BE49-F238E27FC236}">
-                <a16:creationId xmlns:a16="http://schemas.microsoft.com/office/drawing/2014/main" id="{684723E7-D886-6E7E-7A1A-8A62B7BFD1E4}"/>
-              </a:ext>
-            </a:extLst>
-          </p:cNvPr>
-          <p:cNvSpPr txBox="1"/>
-          <p:nvPr/>
-        </p:nvSpPr>
-        <p:spPr>
-          <a:xfrm>
-            <a:off x="11244406" y="6582892"/>
-            <a:ext cx="777770" cy="230832"/>
-          </a:xfrm>
-          <a:prstGeom prst="rect">
-            <a:avLst/>
-          </a:prstGeom>
-          <a:noFill/>
-        </p:spPr>
-        <p:txBody>
-          <a:bodyPr wrap="square" rtlCol="0">
-            <a:spAutoFit/>
-          </a:bodyPr>
-          <a:lstStyle/>
-          <a:p>
-            <a:r>
-              <a:rPr lang="en-US" sz="900" dirty="0">
-                <a:solidFill>
-                  <a:schemeClr val="bg1">
-                    <a:lumMod val="65000"/>
-                  </a:schemeClr>
-                </a:solidFill>
-              </a:rPr>
-              <a:t>07/07/2025</a:t>
-            </a:r>
-            <a:endParaRPr lang="fr-FR" sz="900" dirty="0">
-              <a:solidFill>
-                <a:schemeClr val="bg1">
-                  <a:lumMod val="65000"/>
-                </a:schemeClr>
-              </a:solidFill>
-            </a:endParaRPr>
-          </a:p>
-        </p:txBody>
-      </p:sp>
-      <p:pic>
-        <p:nvPicPr>
-          <p:cNvPr id="4" name="Picture 3">
-            <a:extLst>
-              <a:ext uri="{FF2B5EF4-FFF2-40B4-BE49-F238E27FC236}">
-                <a16:creationId xmlns:a16="http://schemas.microsoft.com/office/drawing/2014/main" id="{3904C9A6-2332-FCFE-CD02-E3B11218C512}"/>
-              </a:ext>
-            </a:extLst>
-          </p:cNvPr>
-          <p:cNvPicPr>
-            <a:picLocks noChangeAspect="1"/>
-          </p:cNvPicPr>
-          <p:nvPr/>
-        </p:nvPicPr>
-        <p:blipFill>
-          <a:blip r:embed="rId4">
-            <a:extLst>
-              <a:ext uri="{BEBA8EAE-BF5A-486C-A8C5-ECC9F3942E4B}">
-                <a14:imgProps xmlns:a14="http://schemas.microsoft.com/office/drawing/2010/main">
-                  <a14:imgLayer r:embed="rId5">
-                    <a14:imgEffect>
-                      <a14:saturation sat="0"/>
-                    </a14:imgEffect>
-                  </a14:imgLayer>
-                </a14:imgProps>
-              </a:ext>
-            </a:extLst>
-          </a:blip>
-          <a:srcRect t="-28943" r="42651" b="28943"/>
-          <a:stretch>
-            <a:fillRect/>
-          </a:stretch>
-        </p:blipFill>
-        <p:spPr>
-          <a:xfrm>
-            <a:off x="86697" y="-146164"/>
-            <a:ext cx="1730697" cy="908398"/>
-          </a:xfrm>
-          <a:prstGeom prst="rect">
-            <a:avLst/>
-          </a:prstGeom>
-        </p:spPr>
-      </p:pic>
-      <p:sp>
-        <p:nvSpPr>
-          <p:cNvPr id="6" name="TextBox 5">
-            <a:extLst>
-              <a:ext uri="{FF2B5EF4-FFF2-40B4-BE49-F238E27FC236}">
-                <a16:creationId xmlns:a16="http://schemas.microsoft.com/office/drawing/2014/main" id="{C924FFD8-08B4-D76A-8406-1D9749373C27}"/>
-              </a:ext>
-            </a:extLst>
-          </p:cNvPr>
-          <p:cNvSpPr txBox="1"/>
-          <p:nvPr/>
-        </p:nvSpPr>
-        <p:spPr>
-          <a:xfrm>
-            <a:off x="142832" y="1019451"/>
-            <a:ext cx="8179132" cy="760016"/>
-          </a:xfrm>
-          <a:prstGeom prst="rect">
-            <a:avLst/>
-          </a:prstGeom>
-          <a:noFill/>
-        </p:spPr>
-        <p:txBody>
-          <a:bodyPr wrap="square">
-            <a:spAutoFit/>
-          </a:bodyPr>
-          <a:lstStyle/>
-          <a:p>
-            <a:pPr algn="ctr">
-              <a:lnSpc>
-                <a:spcPct val="150000"/>
-              </a:lnSpc>
-              <a:buNone/>
-            </a:pPr>
-            <a:r>
-              <a:rPr lang="fr-FR" sz="3200" b="1" dirty="0"/>
-              <a:t>B.2. DESCRIPTIVE STATISTICS </a:t>
-            </a:r>
-            <a:r>
-              <a:rPr lang="en-US" dirty="0"/>
-              <a:t> </a:t>
-            </a:r>
-            <a:endParaRPr lang="fr-FR" sz="3200" b="1" dirty="0"/>
-          </a:p>
-        </p:txBody>
-      </p:sp>
-      <p:sp>
-        <p:nvSpPr>
-          <p:cNvPr id="9" name="TextBox 8">
-            <a:extLst>
-              <a:ext uri="{FF2B5EF4-FFF2-40B4-BE49-F238E27FC236}">
-                <a16:creationId xmlns:a16="http://schemas.microsoft.com/office/drawing/2014/main" id="{567B12B5-42DD-BF3C-F9FB-83343B77BD95}"/>
-              </a:ext>
-            </a:extLst>
-          </p:cNvPr>
-          <p:cNvSpPr txBox="1"/>
-          <p:nvPr/>
-        </p:nvSpPr>
-        <p:spPr>
-          <a:xfrm>
-            <a:off x="734291" y="111053"/>
-            <a:ext cx="11037455" cy="760016"/>
-          </a:xfrm>
-          <a:prstGeom prst="rect">
-            <a:avLst/>
-          </a:prstGeom>
-          <a:noFill/>
-        </p:spPr>
-        <p:txBody>
-          <a:bodyPr wrap="square">
-            <a:spAutoFit/>
-          </a:bodyPr>
-          <a:lstStyle/>
-          <a:p>
-            <a:pPr algn="ctr">
-              <a:lnSpc>
-                <a:spcPct val="150000"/>
-              </a:lnSpc>
-              <a:buNone/>
-            </a:pPr>
-            <a:r>
-              <a:rPr lang="fr-FR" sz="3200" b="1" dirty="0"/>
-              <a:t>B- Customer </a:t>
-            </a:r>
-            <a:r>
-              <a:rPr lang="fr-FR" sz="3200" b="1" dirty="0" err="1"/>
-              <a:t>Behaviour</a:t>
-            </a:r>
-            <a:r>
-              <a:rPr lang="fr-FR" sz="3200" b="1" dirty="0"/>
-              <a:t> Modeling</a:t>
-            </a:r>
-          </a:p>
-        </p:txBody>
-      </p:sp>
-      <p:pic>
-        <p:nvPicPr>
-          <p:cNvPr id="8" name="Picture 7">
-            <a:extLst>
-              <a:ext uri="{FF2B5EF4-FFF2-40B4-BE49-F238E27FC236}">
-                <a16:creationId xmlns:a16="http://schemas.microsoft.com/office/drawing/2014/main" id="{14530A55-4B0A-CABC-0AA7-FC5DA9B1C08B}"/>
-              </a:ext>
-            </a:extLst>
-          </p:cNvPr>
-          <p:cNvPicPr>
-            <a:picLocks noChangeAspect="1"/>
-          </p:cNvPicPr>
-          <p:nvPr/>
-        </p:nvPicPr>
-        <p:blipFill>
-          <a:blip r:embed="rId6"/>
-          <a:stretch>
-            <a:fillRect/>
-          </a:stretch>
-        </p:blipFill>
-        <p:spPr>
-          <a:xfrm>
-            <a:off x="1373091" y="1886971"/>
-            <a:ext cx="7667303" cy="3737625"/>
-          </a:xfrm>
-          <a:prstGeom prst="rect">
-            <a:avLst/>
-          </a:prstGeom>
-        </p:spPr>
-      </p:pic>
-    </p:spTree>
-    <p:extLst>
-      <p:ext uri="{BB962C8B-B14F-4D97-AF65-F5344CB8AC3E}">
-        <p14:creationId xmlns:p14="http://schemas.microsoft.com/office/powerpoint/2010/main" val="1145690521"/>
-      </p:ext>
-    </p:extLst>
-  </p:cSld>
-  <p:clrMapOvr>
-    <a:masterClrMapping/>
-  </p:clrMapOvr>
-</p:sld>
-</file>
-
-<file path=ppt/slides/slide12.xml><?xml version="1.0" encoding="utf-8"?>
-<p:sld xmlns:a="http://schemas.openxmlformats.org/drawingml/2006/main" xmlns:r="http://schemas.openxmlformats.org/officeDocument/2006/relationships" xmlns:p="http://schemas.openxmlformats.org/presentationml/2006/main">
-  <p:cSld>
-    <p:spTree>
-      <p:nvGrpSpPr>
-        <p:cNvPr id="1" name="">
-          <a:extLst>
-            <a:ext uri="{FF2B5EF4-FFF2-40B4-BE49-F238E27FC236}">
-              <a16:creationId xmlns:a16="http://schemas.microsoft.com/office/drawing/2014/main" id="{0E315367-7571-FC00-C740-A94DED9691F9}"/>
-            </a:ext>
-          </a:extLst>
-        </p:cNvPr>
-        <p:cNvGrpSpPr/>
-        <p:nvPr/>
-      </p:nvGrpSpPr>
-      <p:grpSpPr>
-        <a:xfrm>
-          <a:off x="0" y="0"/>
-          <a:ext cx="0" cy="0"/>
-          <a:chOff x="0" y="0"/>
-          <a:chExt cx="0" cy="0"/>
-        </a:xfrm>
-      </p:grpSpPr>
-      <p:pic>
-        <p:nvPicPr>
-          <p:cNvPr id="7" name="Picture 6">
-            <a:extLst>
-              <a:ext uri="{FF2B5EF4-FFF2-40B4-BE49-F238E27FC236}">
-                <a16:creationId xmlns:a16="http://schemas.microsoft.com/office/drawing/2014/main" id="{DAF1A2C7-DE20-B724-FC82-5CB5F4A15D2F}"/>
-              </a:ext>
-            </a:extLst>
-          </p:cNvPr>
-          <p:cNvPicPr>
-            <a:picLocks noChangeAspect="1"/>
-          </p:cNvPicPr>
-          <p:nvPr/>
-        </p:nvPicPr>
-        <p:blipFill>
-          <a:blip r:embed="rId2">
-            <a:extLst>
-              <a:ext uri="{BEBA8EAE-BF5A-486C-A8C5-ECC9F3942E4B}">
-                <a14:imgProps xmlns:a14="http://schemas.microsoft.com/office/drawing/2010/main">
-                  <a14:imgLayer r:embed="rId3">
-                    <a14:imgEffect>
-                      <a14:saturation sat="0"/>
-                    </a14:imgEffect>
-                  </a14:imgLayer>
-                </a14:imgProps>
-              </a:ext>
-            </a:extLst>
-          </a:blip>
-          <a:srcRect l="65947" r="3227" b="69068"/>
-          <a:stretch/>
-        </p:blipFill>
-        <p:spPr>
-          <a:xfrm>
-            <a:off x="10291479" y="111053"/>
-            <a:ext cx="1730697" cy="543598"/>
-          </a:xfrm>
-          <a:prstGeom prst="rect">
-            <a:avLst/>
-          </a:prstGeom>
-        </p:spPr>
-      </p:pic>
-      <p:sp>
-        <p:nvSpPr>
-          <p:cNvPr id="2" name="TextBox 1">
-            <a:extLst>
-              <a:ext uri="{FF2B5EF4-FFF2-40B4-BE49-F238E27FC236}">
-                <a16:creationId xmlns:a16="http://schemas.microsoft.com/office/drawing/2014/main" id="{B2216310-A5AF-CF02-89B4-887E15F674D2}"/>
-              </a:ext>
-            </a:extLst>
-          </p:cNvPr>
-          <p:cNvSpPr txBox="1"/>
-          <p:nvPr/>
-        </p:nvSpPr>
-        <p:spPr>
-          <a:xfrm>
-            <a:off x="177755" y="6532994"/>
-            <a:ext cx="2667762" cy="230832"/>
-          </a:xfrm>
-          <a:prstGeom prst="rect">
-            <a:avLst/>
-          </a:prstGeom>
-          <a:noFill/>
-        </p:spPr>
-        <p:txBody>
-          <a:bodyPr wrap="square" rtlCol="0">
-            <a:spAutoFit/>
-          </a:bodyPr>
-          <a:lstStyle/>
-          <a:p>
-            <a:r>
-              <a:rPr lang="en-US" sz="900" dirty="0">
-                <a:solidFill>
-                  <a:schemeClr val="bg1">
-                    <a:lumMod val="65000"/>
-                  </a:schemeClr>
-                </a:solidFill>
-              </a:rPr>
-              <a:t>Presented by: Redha &amp; Rooney</a:t>
-            </a:r>
-            <a:endParaRPr lang="fr-FR" sz="900" dirty="0">
-              <a:solidFill>
-                <a:schemeClr val="bg1">
-                  <a:lumMod val="65000"/>
-                </a:schemeClr>
-              </a:solidFill>
-            </a:endParaRPr>
-          </a:p>
-        </p:txBody>
-      </p:sp>
-      <p:sp>
-        <p:nvSpPr>
-          <p:cNvPr id="3" name="TextBox 2">
-            <a:extLst>
-              <a:ext uri="{FF2B5EF4-FFF2-40B4-BE49-F238E27FC236}">
-                <a16:creationId xmlns:a16="http://schemas.microsoft.com/office/drawing/2014/main" id="{7B6C19CB-5A80-574C-6A97-FBE5CCDAB76A}"/>
-              </a:ext>
-            </a:extLst>
-          </p:cNvPr>
-          <p:cNvSpPr txBox="1"/>
-          <p:nvPr/>
-        </p:nvSpPr>
-        <p:spPr>
-          <a:xfrm>
-            <a:off x="11244406" y="6582892"/>
-            <a:ext cx="777770" cy="230832"/>
-          </a:xfrm>
-          <a:prstGeom prst="rect">
-            <a:avLst/>
-          </a:prstGeom>
-          <a:noFill/>
-        </p:spPr>
-        <p:txBody>
-          <a:bodyPr wrap="square" rtlCol="0">
-            <a:spAutoFit/>
-          </a:bodyPr>
-          <a:lstStyle/>
-          <a:p>
-            <a:r>
-              <a:rPr lang="en-US" sz="900" dirty="0">
-                <a:solidFill>
-                  <a:schemeClr val="bg1">
-                    <a:lumMod val="65000"/>
-                  </a:schemeClr>
-                </a:solidFill>
-              </a:rPr>
-              <a:t>07/07/2025</a:t>
-            </a:r>
-            <a:endParaRPr lang="fr-FR" sz="900" dirty="0">
-              <a:solidFill>
-                <a:schemeClr val="bg1">
-                  <a:lumMod val="65000"/>
-                </a:schemeClr>
-              </a:solidFill>
-            </a:endParaRPr>
-          </a:p>
-        </p:txBody>
-      </p:sp>
-      <p:pic>
-        <p:nvPicPr>
-          <p:cNvPr id="4" name="Picture 3">
-            <a:extLst>
-              <a:ext uri="{FF2B5EF4-FFF2-40B4-BE49-F238E27FC236}">
-                <a16:creationId xmlns:a16="http://schemas.microsoft.com/office/drawing/2014/main" id="{77C9F98B-40C3-B696-474B-1CF8CEE2641A}"/>
-              </a:ext>
-            </a:extLst>
-          </p:cNvPr>
-          <p:cNvPicPr>
-            <a:picLocks noChangeAspect="1"/>
-          </p:cNvPicPr>
-          <p:nvPr/>
-        </p:nvPicPr>
-        <p:blipFill>
-          <a:blip r:embed="rId4">
-            <a:extLst>
-              <a:ext uri="{BEBA8EAE-BF5A-486C-A8C5-ECC9F3942E4B}">
-                <a14:imgProps xmlns:a14="http://schemas.microsoft.com/office/drawing/2010/main">
-                  <a14:imgLayer r:embed="rId5">
-                    <a14:imgEffect>
-                      <a14:saturation sat="0"/>
-                    </a14:imgEffect>
-                  </a14:imgLayer>
-                </a14:imgProps>
-              </a:ext>
-            </a:extLst>
-          </a:blip>
-          <a:srcRect t="-28943" r="42651" b="28943"/>
-          <a:stretch>
-            <a:fillRect/>
-          </a:stretch>
-        </p:blipFill>
-        <p:spPr>
-          <a:xfrm>
-            <a:off x="86697" y="-146164"/>
-            <a:ext cx="1730697" cy="908398"/>
-          </a:xfrm>
-          <a:prstGeom prst="rect">
-            <a:avLst/>
-          </a:prstGeom>
-        </p:spPr>
-      </p:pic>
-      <p:sp>
-        <p:nvSpPr>
-          <p:cNvPr id="6" name="TextBox 5">
-            <a:extLst>
-              <a:ext uri="{FF2B5EF4-FFF2-40B4-BE49-F238E27FC236}">
-                <a16:creationId xmlns:a16="http://schemas.microsoft.com/office/drawing/2014/main" id="{21E767E8-9511-512D-2EA9-751111F38961}"/>
-              </a:ext>
-            </a:extLst>
-          </p:cNvPr>
-          <p:cNvSpPr txBox="1"/>
-          <p:nvPr/>
-        </p:nvSpPr>
-        <p:spPr>
-          <a:xfrm>
-            <a:off x="142832" y="1019451"/>
-            <a:ext cx="8179132" cy="760016"/>
-          </a:xfrm>
-          <a:prstGeom prst="rect">
-            <a:avLst/>
-          </a:prstGeom>
-          <a:noFill/>
-        </p:spPr>
-        <p:txBody>
-          <a:bodyPr wrap="square">
-            <a:spAutoFit/>
-          </a:bodyPr>
-          <a:lstStyle/>
-          <a:p>
-            <a:pPr algn="ctr">
-              <a:lnSpc>
-                <a:spcPct val="150000"/>
-              </a:lnSpc>
-              <a:buNone/>
-            </a:pPr>
-            <a:r>
-              <a:rPr lang="fr-FR" sz="3200" b="1" dirty="0"/>
-              <a:t>B.2. DESCRIPTIVE STATISTICS </a:t>
-            </a:r>
-            <a:r>
-              <a:rPr lang="en-US" dirty="0"/>
-              <a:t> </a:t>
-            </a:r>
-            <a:endParaRPr lang="fr-FR" sz="3200" b="1" dirty="0"/>
-          </a:p>
-        </p:txBody>
-      </p:sp>
-      <p:sp>
-        <p:nvSpPr>
-          <p:cNvPr id="9" name="TextBox 8">
-            <a:extLst>
-              <a:ext uri="{FF2B5EF4-FFF2-40B4-BE49-F238E27FC236}">
-                <a16:creationId xmlns:a16="http://schemas.microsoft.com/office/drawing/2014/main" id="{BA70E9DB-D1D3-E7DB-1839-9B20A97BCFDA}"/>
-              </a:ext>
-            </a:extLst>
-          </p:cNvPr>
-          <p:cNvSpPr txBox="1"/>
-          <p:nvPr/>
-        </p:nvSpPr>
-        <p:spPr>
-          <a:xfrm>
-            <a:off x="734291" y="111053"/>
-            <a:ext cx="11037455" cy="760016"/>
-          </a:xfrm>
-          <a:prstGeom prst="rect">
-            <a:avLst/>
-          </a:prstGeom>
-          <a:noFill/>
-        </p:spPr>
-        <p:txBody>
-          <a:bodyPr wrap="square">
-            <a:spAutoFit/>
-          </a:bodyPr>
-          <a:lstStyle/>
-          <a:p>
-            <a:pPr algn="ctr">
-              <a:lnSpc>
-                <a:spcPct val="150000"/>
-              </a:lnSpc>
-              <a:buNone/>
-            </a:pPr>
-            <a:r>
-              <a:rPr lang="fr-FR" sz="3200" b="1" dirty="0"/>
-              <a:t>B- Customer </a:t>
-            </a:r>
-            <a:r>
-              <a:rPr lang="fr-FR" sz="3200" b="1" dirty="0" err="1"/>
-              <a:t>Behaviour</a:t>
-            </a:r>
-            <a:r>
-              <a:rPr lang="fr-FR" sz="3200" b="1" dirty="0"/>
-              <a:t> Modeling</a:t>
-            </a:r>
-          </a:p>
-        </p:txBody>
-      </p:sp>
-      <p:pic>
-        <p:nvPicPr>
-          <p:cNvPr id="8" name="Picture 7">
-            <a:extLst>
-              <a:ext uri="{FF2B5EF4-FFF2-40B4-BE49-F238E27FC236}">
-                <a16:creationId xmlns:a16="http://schemas.microsoft.com/office/drawing/2014/main" id="{159778B1-6A03-2B0C-0E7A-2AAB58E7BCAB}"/>
-              </a:ext>
-            </a:extLst>
-          </p:cNvPr>
-          <p:cNvPicPr>
-            <a:picLocks noChangeAspect="1"/>
-          </p:cNvPicPr>
-          <p:nvPr/>
-        </p:nvPicPr>
-        <p:blipFill>
-          <a:blip r:embed="rId6"/>
-          <a:stretch>
-            <a:fillRect/>
-          </a:stretch>
-        </p:blipFill>
-        <p:spPr>
-          <a:xfrm>
-            <a:off x="6374236" y="2288098"/>
-            <a:ext cx="5083473" cy="3640284"/>
-          </a:xfrm>
-          <a:prstGeom prst="rect">
-            <a:avLst/>
-          </a:prstGeom>
-        </p:spPr>
-      </p:pic>
-      <p:pic>
-        <p:nvPicPr>
-          <p:cNvPr id="12" name="Picture 11">
-            <a:extLst>
-              <a:ext uri="{FF2B5EF4-FFF2-40B4-BE49-F238E27FC236}">
-                <a16:creationId xmlns:a16="http://schemas.microsoft.com/office/drawing/2014/main" id="{14943021-53D7-896C-C71E-CE0672D1196B}"/>
-              </a:ext>
-            </a:extLst>
-          </p:cNvPr>
-          <p:cNvPicPr>
-            <a:picLocks noChangeAspect="1"/>
-          </p:cNvPicPr>
-          <p:nvPr/>
-        </p:nvPicPr>
-        <p:blipFill>
-          <a:blip r:embed="rId7"/>
-          <a:stretch>
-            <a:fillRect/>
-          </a:stretch>
-        </p:blipFill>
-        <p:spPr>
-          <a:xfrm>
-            <a:off x="734290" y="2336800"/>
-            <a:ext cx="5026033" cy="3640284"/>
-          </a:xfrm>
-          <a:prstGeom prst="rect">
-            <a:avLst/>
-          </a:prstGeom>
-        </p:spPr>
-      </p:pic>
-    </p:spTree>
-    <p:extLst>
-      <p:ext uri="{BB962C8B-B14F-4D97-AF65-F5344CB8AC3E}">
-        <p14:creationId xmlns:p14="http://schemas.microsoft.com/office/powerpoint/2010/main" val="1788674674"/>
-      </p:ext>
-    </p:extLst>
-  </p:cSld>
-  <p:clrMapOvr>
-    <a:masterClrMapping/>
-  </p:clrMapOvr>
-</p:sld>
-</file>
-
-<file path=ppt/slides/slide13.xml><?xml version="1.0" encoding="utf-8"?>
-<p:sld xmlns:a="http://schemas.openxmlformats.org/drawingml/2006/main" xmlns:r="http://schemas.openxmlformats.org/officeDocument/2006/relationships" xmlns:p="http://schemas.openxmlformats.org/presentationml/2006/main">
-  <p:cSld>
-    <p:spTree>
-      <p:nvGrpSpPr>
-        <p:cNvPr id="1" name="">
-          <a:extLst>
-            <a:ext uri="{FF2B5EF4-FFF2-40B4-BE49-F238E27FC236}">
-              <a16:creationId xmlns:a16="http://schemas.microsoft.com/office/drawing/2014/main" id="{036C0F39-6A80-A080-B82E-1190333693F7}"/>
-            </a:ext>
-          </a:extLst>
-        </p:cNvPr>
-        <p:cNvGrpSpPr/>
-        <p:nvPr/>
-      </p:nvGrpSpPr>
-      <p:grpSpPr>
-        <a:xfrm>
-          <a:off x="0" y="0"/>
-          <a:ext cx="0" cy="0"/>
-          <a:chOff x="0" y="0"/>
-          <a:chExt cx="0" cy="0"/>
-        </a:xfrm>
-      </p:grpSpPr>
-      <p:pic>
-        <p:nvPicPr>
-          <p:cNvPr id="7" name="Picture 6">
-            <a:extLst>
-              <a:ext uri="{FF2B5EF4-FFF2-40B4-BE49-F238E27FC236}">
-                <a16:creationId xmlns:a16="http://schemas.microsoft.com/office/drawing/2014/main" id="{210C9881-D57D-3182-201C-283099DB5695}"/>
-              </a:ext>
-            </a:extLst>
-          </p:cNvPr>
-          <p:cNvPicPr>
-            <a:picLocks noChangeAspect="1"/>
-          </p:cNvPicPr>
-          <p:nvPr/>
-        </p:nvPicPr>
-        <p:blipFill>
-          <a:blip r:embed="rId2">
-            <a:extLst>
-              <a:ext uri="{BEBA8EAE-BF5A-486C-A8C5-ECC9F3942E4B}">
-                <a14:imgProps xmlns:a14="http://schemas.microsoft.com/office/drawing/2010/main">
-                  <a14:imgLayer r:embed="rId3">
-                    <a14:imgEffect>
-                      <a14:saturation sat="0"/>
-                    </a14:imgEffect>
-                  </a14:imgLayer>
-                </a14:imgProps>
-              </a:ext>
-            </a:extLst>
-          </a:blip>
-          <a:srcRect l="65947" r="3227" b="69068"/>
-          <a:stretch/>
-        </p:blipFill>
-        <p:spPr>
-          <a:xfrm>
-            <a:off x="10291479" y="111053"/>
-            <a:ext cx="1730697" cy="543598"/>
-          </a:xfrm>
-          <a:prstGeom prst="rect">
-            <a:avLst/>
-          </a:prstGeom>
-        </p:spPr>
-      </p:pic>
-      <p:sp>
-        <p:nvSpPr>
-          <p:cNvPr id="2" name="TextBox 1">
-            <a:extLst>
-              <a:ext uri="{FF2B5EF4-FFF2-40B4-BE49-F238E27FC236}">
-                <a16:creationId xmlns:a16="http://schemas.microsoft.com/office/drawing/2014/main" id="{144E0AC0-E899-7C62-BFB3-267BCFB2387A}"/>
-              </a:ext>
-            </a:extLst>
-          </p:cNvPr>
-          <p:cNvSpPr txBox="1"/>
-          <p:nvPr/>
-        </p:nvSpPr>
-        <p:spPr>
-          <a:xfrm>
-            <a:off x="177755" y="6532994"/>
-            <a:ext cx="2667762" cy="230832"/>
-          </a:xfrm>
-          <a:prstGeom prst="rect">
-            <a:avLst/>
-          </a:prstGeom>
-          <a:noFill/>
-        </p:spPr>
-        <p:txBody>
-          <a:bodyPr wrap="square" rtlCol="0">
-            <a:spAutoFit/>
-          </a:bodyPr>
-          <a:lstStyle/>
-          <a:p>
-            <a:r>
-              <a:rPr lang="en-US" sz="900" dirty="0">
-                <a:solidFill>
-                  <a:schemeClr val="bg1">
-                    <a:lumMod val="65000"/>
-                  </a:schemeClr>
-                </a:solidFill>
-              </a:rPr>
-              <a:t>Presented by: Redha &amp; Rooney</a:t>
-            </a:r>
-            <a:endParaRPr lang="fr-FR" sz="900" dirty="0">
-              <a:solidFill>
-                <a:schemeClr val="bg1">
-                  <a:lumMod val="65000"/>
-                </a:schemeClr>
-              </a:solidFill>
-            </a:endParaRPr>
-          </a:p>
-        </p:txBody>
-      </p:sp>
-      <p:sp>
-        <p:nvSpPr>
-          <p:cNvPr id="3" name="TextBox 2">
-            <a:extLst>
-              <a:ext uri="{FF2B5EF4-FFF2-40B4-BE49-F238E27FC236}">
-                <a16:creationId xmlns:a16="http://schemas.microsoft.com/office/drawing/2014/main" id="{87A22333-91A2-9EF9-5920-FB56C9E8032A}"/>
-              </a:ext>
-            </a:extLst>
-          </p:cNvPr>
-          <p:cNvSpPr txBox="1"/>
-          <p:nvPr/>
-        </p:nvSpPr>
-        <p:spPr>
-          <a:xfrm>
-            <a:off x="11244406" y="6582892"/>
-            <a:ext cx="777770" cy="230832"/>
-          </a:xfrm>
-          <a:prstGeom prst="rect">
-            <a:avLst/>
-          </a:prstGeom>
-          <a:noFill/>
-        </p:spPr>
-        <p:txBody>
-          <a:bodyPr wrap="square" rtlCol="0">
-            <a:spAutoFit/>
-          </a:bodyPr>
-          <a:lstStyle/>
-          <a:p>
-            <a:r>
-              <a:rPr lang="en-US" sz="900" dirty="0">
-                <a:solidFill>
-                  <a:schemeClr val="bg1">
-                    <a:lumMod val="65000"/>
-                  </a:schemeClr>
-                </a:solidFill>
-              </a:rPr>
-              <a:t>07/07/2025</a:t>
-            </a:r>
-            <a:endParaRPr lang="fr-FR" sz="900" dirty="0">
-              <a:solidFill>
-                <a:schemeClr val="bg1">
-                  <a:lumMod val="65000"/>
-                </a:schemeClr>
-              </a:solidFill>
-            </a:endParaRPr>
-          </a:p>
-        </p:txBody>
-      </p:sp>
-      <p:pic>
-        <p:nvPicPr>
-          <p:cNvPr id="4" name="Picture 3">
-            <a:extLst>
-              <a:ext uri="{FF2B5EF4-FFF2-40B4-BE49-F238E27FC236}">
-                <a16:creationId xmlns:a16="http://schemas.microsoft.com/office/drawing/2014/main" id="{1703B8E6-EE16-4F34-50AC-CF897EEAA1A0}"/>
-              </a:ext>
-            </a:extLst>
-          </p:cNvPr>
-          <p:cNvPicPr>
-            <a:picLocks noChangeAspect="1"/>
-          </p:cNvPicPr>
-          <p:nvPr/>
-        </p:nvPicPr>
-        <p:blipFill>
-          <a:blip r:embed="rId4">
-            <a:extLst>
-              <a:ext uri="{BEBA8EAE-BF5A-486C-A8C5-ECC9F3942E4B}">
-                <a14:imgProps xmlns:a14="http://schemas.microsoft.com/office/drawing/2010/main">
-                  <a14:imgLayer r:embed="rId5">
-                    <a14:imgEffect>
-                      <a14:saturation sat="0"/>
-                    </a14:imgEffect>
-                  </a14:imgLayer>
-                </a14:imgProps>
-              </a:ext>
-            </a:extLst>
-          </a:blip>
-          <a:srcRect t="-28943" r="42651" b="28943"/>
-          <a:stretch>
-            <a:fillRect/>
-          </a:stretch>
-        </p:blipFill>
-        <p:spPr>
-          <a:xfrm>
-            <a:off x="86697" y="-146164"/>
-            <a:ext cx="1730697" cy="908398"/>
-          </a:xfrm>
-          <a:prstGeom prst="rect">
-            <a:avLst/>
-          </a:prstGeom>
-        </p:spPr>
-      </p:pic>
-      <p:sp>
-        <p:nvSpPr>
-          <p:cNvPr id="6" name="TextBox 5">
-            <a:extLst>
-              <a:ext uri="{FF2B5EF4-FFF2-40B4-BE49-F238E27FC236}">
-                <a16:creationId xmlns:a16="http://schemas.microsoft.com/office/drawing/2014/main" id="{59A5257C-B02D-5478-7D1A-0C52AAD9ABED}"/>
-              </a:ext>
-            </a:extLst>
-          </p:cNvPr>
-          <p:cNvSpPr txBox="1"/>
-          <p:nvPr/>
-        </p:nvSpPr>
-        <p:spPr>
-          <a:xfrm>
-            <a:off x="-371737" y="748278"/>
-            <a:ext cx="8179132" cy="760016"/>
-          </a:xfrm>
-          <a:prstGeom prst="rect">
-            <a:avLst/>
-          </a:prstGeom>
-          <a:noFill/>
-        </p:spPr>
-        <p:txBody>
-          <a:bodyPr wrap="square">
-            <a:spAutoFit/>
-          </a:bodyPr>
-          <a:lstStyle/>
-          <a:p>
-            <a:pPr algn="ctr">
-              <a:lnSpc>
-                <a:spcPct val="150000"/>
-              </a:lnSpc>
-              <a:buNone/>
-            </a:pPr>
-            <a:r>
-              <a:rPr lang="fr-FR" sz="3200" b="1" dirty="0"/>
-              <a:t>B.2. DESCRIPTIVE STATISTICS </a:t>
-            </a:r>
-            <a:r>
-              <a:rPr lang="en-US" dirty="0"/>
-              <a:t> </a:t>
-            </a:r>
-            <a:endParaRPr lang="fr-FR" sz="3200" b="1" dirty="0"/>
-          </a:p>
-        </p:txBody>
-      </p:sp>
-      <p:sp>
-        <p:nvSpPr>
-          <p:cNvPr id="9" name="TextBox 8">
-            <a:extLst>
-              <a:ext uri="{FF2B5EF4-FFF2-40B4-BE49-F238E27FC236}">
-                <a16:creationId xmlns:a16="http://schemas.microsoft.com/office/drawing/2014/main" id="{60C3C059-A2AF-CDDF-7266-BD1FF58AF36B}"/>
-              </a:ext>
-            </a:extLst>
-          </p:cNvPr>
-          <p:cNvSpPr txBox="1"/>
-          <p:nvPr/>
-        </p:nvSpPr>
-        <p:spPr>
-          <a:xfrm>
-            <a:off x="734291" y="111053"/>
-            <a:ext cx="11037455" cy="760016"/>
-          </a:xfrm>
-          <a:prstGeom prst="rect">
-            <a:avLst/>
-          </a:prstGeom>
-          <a:noFill/>
-        </p:spPr>
-        <p:txBody>
-          <a:bodyPr wrap="square">
-            <a:spAutoFit/>
-          </a:bodyPr>
-          <a:lstStyle/>
-          <a:p>
-            <a:pPr algn="ctr">
-              <a:lnSpc>
-                <a:spcPct val="150000"/>
-              </a:lnSpc>
-              <a:buNone/>
-            </a:pPr>
-            <a:r>
-              <a:rPr lang="fr-FR" sz="3200" b="1" dirty="0"/>
-              <a:t>B- Customer </a:t>
-            </a:r>
-            <a:r>
-              <a:rPr lang="fr-FR" sz="3200" b="1" dirty="0" err="1"/>
-              <a:t>Behaviour</a:t>
-            </a:r>
-            <a:r>
-              <a:rPr lang="fr-FR" sz="3200" b="1" dirty="0"/>
-              <a:t> Modeling</a:t>
-            </a:r>
-          </a:p>
-        </p:txBody>
-      </p:sp>
-      <p:pic>
-        <p:nvPicPr>
-          <p:cNvPr id="10" name="Picture 9">
-            <a:extLst>
-              <a:ext uri="{FF2B5EF4-FFF2-40B4-BE49-F238E27FC236}">
-                <a16:creationId xmlns:a16="http://schemas.microsoft.com/office/drawing/2014/main" id="{9B276280-01E7-FB9E-D7ED-CF8694F5B580}"/>
-              </a:ext>
-            </a:extLst>
-          </p:cNvPr>
-          <p:cNvPicPr>
-            <a:picLocks noChangeAspect="1"/>
-          </p:cNvPicPr>
-          <p:nvPr/>
-        </p:nvPicPr>
-        <p:blipFill>
-          <a:blip r:embed="rId6"/>
-          <a:stretch>
-            <a:fillRect/>
-          </a:stretch>
-        </p:blipFill>
-        <p:spPr>
-          <a:xfrm>
-            <a:off x="1906298" y="1508294"/>
-            <a:ext cx="7991475" cy="5000625"/>
-          </a:xfrm>
-          <a:prstGeom prst="rect">
-            <a:avLst/>
-          </a:prstGeom>
-        </p:spPr>
-      </p:pic>
-    </p:spTree>
-    <p:extLst>
-      <p:ext uri="{BB962C8B-B14F-4D97-AF65-F5344CB8AC3E}">
-        <p14:creationId xmlns:p14="http://schemas.microsoft.com/office/powerpoint/2010/main" val="2374586630"/>
-      </p:ext>
-    </p:extLst>
-  </p:cSld>
-  <p:clrMapOvr>
-    <a:masterClrMapping/>
-  </p:clrMapOvr>
-</p:sld>
-</file>
-
-<file path=ppt/slides/slide14.xml><?xml version="1.0" encoding="utf-8"?>
-<p:sld xmlns:a="http://schemas.openxmlformats.org/drawingml/2006/main" xmlns:r="http://schemas.openxmlformats.org/officeDocument/2006/relationships" xmlns:p="http://schemas.openxmlformats.org/presentationml/2006/main">
-  <p:cSld>
-    <p:spTree>
-      <p:nvGrpSpPr>
-        <p:cNvPr id="1" name="">
-          <a:extLst>
-            <a:ext uri="{FF2B5EF4-FFF2-40B4-BE49-F238E27FC236}">
-              <a16:creationId xmlns:a16="http://schemas.microsoft.com/office/drawing/2014/main" id="{AB39EC07-F192-BC15-A274-CF6FAADBE900}"/>
-            </a:ext>
-          </a:extLst>
-        </p:cNvPr>
-        <p:cNvGrpSpPr/>
-        <p:nvPr/>
-      </p:nvGrpSpPr>
-      <p:grpSpPr>
-        <a:xfrm>
-          <a:off x="0" y="0"/>
-          <a:ext cx="0" cy="0"/>
-          <a:chOff x="0" y="0"/>
-          <a:chExt cx="0" cy="0"/>
-        </a:xfrm>
-      </p:grpSpPr>
-      <p:pic>
-        <p:nvPicPr>
-          <p:cNvPr id="7" name="Picture 6">
-            <a:extLst>
-              <a:ext uri="{FF2B5EF4-FFF2-40B4-BE49-F238E27FC236}">
-                <a16:creationId xmlns:a16="http://schemas.microsoft.com/office/drawing/2014/main" id="{3EA84DED-0EBC-B0E9-7292-5116C26B8523}"/>
-              </a:ext>
-            </a:extLst>
-          </p:cNvPr>
-          <p:cNvPicPr>
-            <a:picLocks noChangeAspect="1"/>
-          </p:cNvPicPr>
-          <p:nvPr/>
-        </p:nvPicPr>
-        <p:blipFill>
-          <a:blip r:embed="rId2">
-            <a:extLst>
-              <a:ext uri="{BEBA8EAE-BF5A-486C-A8C5-ECC9F3942E4B}">
-                <a14:imgProps xmlns:a14="http://schemas.microsoft.com/office/drawing/2010/main">
-                  <a14:imgLayer r:embed="rId3">
-                    <a14:imgEffect>
-                      <a14:saturation sat="0"/>
-                    </a14:imgEffect>
-                  </a14:imgLayer>
-                </a14:imgProps>
-              </a:ext>
-            </a:extLst>
-          </a:blip>
-          <a:srcRect l="65947" r="3227" b="69068"/>
-          <a:stretch/>
-        </p:blipFill>
-        <p:spPr>
-          <a:xfrm>
-            <a:off x="10291479" y="111053"/>
-            <a:ext cx="1730697" cy="543598"/>
-          </a:xfrm>
-          <a:prstGeom prst="rect">
-            <a:avLst/>
-          </a:prstGeom>
-        </p:spPr>
-      </p:pic>
-      <p:sp>
-        <p:nvSpPr>
-          <p:cNvPr id="2" name="TextBox 1">
-            <a:extLst>
-              <a:ext uri="{FF2B5EF4-FFF2-40B4-BE49-F238E27FC236}">
-                <a16:creationId xmlns:a16="http://schemas.microsoft.com/office/drawing/2014/main" id="{B70613C0-3110-6059-FE50-1BDA17438829}"/>
-              </a:ext>
-            </a:extLst>
-          </p:cNvPr>
-          <p:cNvSpPr txBox="1"/>
-          <p:nvPr/>
-        </p:nvSpPr>
-        <p:spPr>
-          <a:xfrm>
-            <a:off x="177755" y="6532994"/>
-            <a:ext cx="2667762" cy="230832"/>
-          </a:xfrm>
-          <a:prstGeom prst="rect">
-            <a:avLst/>
-          </a:prstGeom>
-          <a:noFill/>
-        </p:spPr>
-        <p:txBody>
-          <a:bodyPr wrap="square" rtlCol="0">
-            <a:spAutoFit/>
-          </a:bodyPr>
-          <a:lstStyle/>
-          <a:p>
-            <a:r>
-              <a:rPr lang="en-US" sz="900" dirty="0">
-                <a:solidFill>
-                  <a:schemeClr val="bg1">
-                    <a:lumMod val="65000"/>
-                  </a:schemeClr>
-                </a:solidFill>
-              </a:rPr>
-              <a:t>Presented by: Redha &amp; Rooney</a:t>
-            </a:r>
-            <a:endParaRPr lang="fr-FR" sz="900" dirty="0">
-              <a:solidFill>
-                <a:schemeClr val="bg1">
-                  <a:lumMod val="65000"/>
-                </a:schemeClr>
-              </a:solidFill>
-            </a:endParaRPr>
-          </a:p>
-        </p:txBody>
-      </p:sp>
-      <p:sp>
-        <p:nvSpPr>
-          <p:cNvPr id="3" name="TextBox 2">
-            <a:extLst>
-              <a:ext uri="{FF2B5EF4-FFF2-40B4-BE49-F238E27FC236}">
-                <a16:creationId xmlns:a16="http://schemas.microsoft.com/office/drawing/2014/main" id="{C3079801-FB11-CF2F-F097-B74489E21867}"/>
-              </a:ext>
-            </a:extLst>
-          </p:cNvPr>
-          <p:cNvSpPr txBox="1"/>
-          <p:nvPr/>
-        </p:nvSpPr>
-        <p:spPr>
-          <a:xfrm>
-            <a:off x="11244406" y="6582892"/>
-            <a:ext cx="777770" cy="230832"/>
-          </a:xfrm>
-          <a:prstGeom prst="rect">
-            <a:avLst/>
-          </a:prstGeom>
-          <a:noFill/>
-        </p:spPr>
-        <p:txBody>
-          <a:bodyPr wrap="square" rtlCol="0">
-            <a:spAutoFit/>
-          </a:bodyPr>
-          <a:lstStyle/>
-          <a:p>
-            <a:r>
-              <a:rPr lang="en-US" sz="900" dirty="0">
-                <a:solidFill>
-                  <a:schemeClr val="bg1">
-                    <a:lumMod val="65000"/>
-                  </a:schemeClr>
-                </a:solidFill>
-              </a:rPr>
-              <a:t>07/07/2025</a:t>
-            </a:r>
-            <a:endParaRPr lang="fr-FR" sz="900" dirty="0">
-              <a:solidFill>
-                <a:schemeClr val="bg1">
-                  <a:lumMod val="65000"/>
-                </a:schemeClr>
-              </a:solidFill>
-            </a:endParaRPr>
-          </a:p>
-        </p:txBody>
-      </p:sp>
-      <p:pic>
-        <p:nvPicPr>
-          <p:cNvPr id="4" name="Picture 3">
-            <a:extLst>
-              <a:ext uri="{FF2B5EF4-FFF2-40B4-BE49-F238E27FC236}">
-                <a16:creationId xmlns:a16="http://schemas.microsoft.com/office/drawing/2014/main" id="{A74BCBCA-9897-95E7-CC1E-16B7602A1605}"/>
-              </a:ext>
-            </a:extLst>
-          </p:cNvPr>
-          <p:cNvPicPr>
-            <a:picLocks noChangeAspect="1"/>
-          </p:cNvPicPr>
-          <p:nvPr/>
-        </p:nvPicPr>
-        <p:blipFill>
-          <a:blip r:embed="rId4">
-            <a:extLst>
-              <a:ext uri="{BEBA8EAE-BF5A-486C-A8C5-ECC9F3942E4B}">
-                <a14:imgProps xmlns:a14="http://schemas.microsoft.com/office/drawing/2010/main">
-                  <a14:imgLayer r:embed="rId5">
-                    <a14:imgEffect>
-                      <a14:saturation sat="0"/>
-                    </a14:imgEffect>
-                  </a14:imgLayer>
-                </a14:imgProps>
-              </a:ext>
-            </a:extLst>
-          </a:blip>
-          <a:srcRect t="-28943" r="42651" b="28943"/>
-          <a:stretch>
-            <a:fillRect/>
-          </a:stretch>
-        </p:blipFill>
-        <p:spPr>
-          <a:xfrm>
-            <a:off x="86697" y="-146164"/>
-            <a:ext cx="1730697" cy="908398"/>
-          </a:xfrm>
-          <a:prstGeom prst="rect">
-            <a:avLst/>
-          </a:prstGeom>
-        </p:spPr>
-      </p:pic>
-      <p:sp>
-        <p:nvSpPr>
-          <p:cNvPr id="6" name="TextBox 5">
-            <a:extLst>
-              <a:ext uri="{FF2B5EF4-FFF2-40B4-BE49-F238E27FC236}">
-                <a16:creationId xmlns:a16="http://schemas.microsoft.com/office/drawing/2014/main" id="{E5E2F1EC-AC49-33B4-1ED7-ABF984EBC220}"/>
-              </a:ext>
-            </a:extLst>
-          </p:cNvPr>
-          <p:cNvSpPr txBox="1"/>
-          <p:nvPr/>
-        </p:nvSpPr>
-        <p:spPr>
-          <a:xfrm>
-            <a:off x="-371737" y="748278"/>
-            <a:ext cx="8179132" cy="760016"/>
-          </a:xfrm>
-          <a:prstGeom prst="rect">
-            <a:avLst/>
-          </a:prstGeom>
-          <a:noFill/>
-        </p:spPr>
-        <p:txBody>
-          <a:bodyPr wrap="square">
-            <a:spAutoFit/>
-          </a:bodyPr>
-          <a:lstStyle/>
-          <a:p>
-            <a:pPr algn="ctr">
-              <a:lnSpc>
-                <a:spcPct val="150000"/>
-              </a:lnSpc>
-              <a:buNone/>
-            </a:pPr>
-            <a:r>
-              <a:rPr lang="fr-FR" sz="3200" b="1" dirty="0"/>
-              <a:t>B.2. DESCRIPTIVE STATISTICS </a:t>
-            </a:r>
-            <a:r>
-              <a:rPr lang="en-US" dirty="0"/>
-              <a:t> </a:t>
-            </a:r>
-            <a:endParaRPr lang="fr-FR" sz="3200" b="1" dirty="0"/>
-          </a:p>
-        </p:txBody>
-      </p:sp>
-      <p:sp>
-        <p:nvSpPr>
-          <p:cNvPr id="9" name="TextBox 8">
-            <a:extLst>
-              <a:ext uri="{FF2B5EF4-FFF2-40B4-BE49-F238E27FC236}">
-                <a16:creationId xmlns:a16="http://schemas.microsoft.com/office/drawing/2014/main" id="{2C370DE8-9A46-4577-7B47-C2AED4029516}"/>
-              </a:ext>
-            </a:extLst>
-          </p:cNvPr>
-          <p:cNvSpPr txBox="1"/>
-          <p:nvPr/>
-        </p:nvSpPr>
-        <p:spPr>
-          <a:xfrm>
-            <a:off x="734291" y="111053"/>
-            <a:ext cx="11037455" cy="760016"/>
-          </a:xfrm>
-          <a:prstGeom prst="rect">
-            <a:avLst/>
-          </a:prstGeom>
-          <a:noFill/>
-        </p:spPr>
-        <p:txBody>
-          <a:bodyPr wrap="square">
-            <a:spAutoFit/>
-          </a:bodyPr>
-          <a:lstStyle/>
-          <a:p>
-            <a:pPr algn="ctr">
-              <a:lnSpc>
-                <a:spcPct val="150000"/>
-              </a:lnSpc>
-              <a:buNone/>
-            </a:pPr>
-            <a:r>
-              <a:rPr lang="fr-FR" sz="3200" b="1" dirty="0"/>
-              <a:t>B- Customer </a:t>
-            </a:r>
-            <a:r>
-              <a:rPr lang="fr-FR" sz="3200" b="1" dirty="0" err="1"/>
-              <a:t>Behaviour</a:t>
-            </a:r>
-            <a:r>
-              <a:rPr lang="fr-FR" sz="3200" b="1" dirty="0"/>
-              <a:t> Modeling</a:t>
-            </a:r>
-          </a:p>
-        </p:txBody>
-      </p:sp>
-      <p:pic>
-        <p:nvPicPr>
-          <p:cNvPr id="8" name="Picture 7">
-            <a:extLst>
-              <a:ext uri="{FF2B5EF4-FFF2-40B4-BE49-F238E27FC236}">
-                <a16:creationId xmlns:a16="http://schemas.microsoft.com/office/drawing/2014/main" id="{23BDE867-49D0-5800-C5CC-4F6D15D3DD27}"/>
-              </a:ext>
-            </a:extLst>
-          </p:cNvPr>
-          <p:cNvPicPr>
-            <a:picLocks noChangeAspect="1"/>
-          </p:cNvPicPr>
-          <p:nvPr/>
-        </p:nvPicPr>
-        <p:blipFill>
-          <a:blip r:embed="rId6"/>
-          <a:stretch>
-            <a:fillRect/>
-          </a:stretch>
-        </p:blipFill>
-        <p:spPr>
-          <a:xfrm>
-            <a:off x="177755" y="3635349"/>
-            <a:ext cx="3700212" cy="2742701"/>
-          </a:xfrm>
-          <a:prstGeom prst="rect">
-            <a:avLst/>
-          </a:prstGeom>
-        </p:spPr>
-      </p:pic>
-      <p:pic>
-        <p:nvPicPr>
-          <p:cNvPr id="12" name="Picture 11">
-            <a:extLst>
-              <a:ext uri="{FF2B5EF4-FFF2-40B4-BE49-F238E27FC236}">
-                <a16:creationId xmlns:a16="http://schemas.microsoft.com/office/drawing/2014/main" id="{FB18894D-A86A-86B6-9A30-22E5A84242E6}"/>
-              </a:ext>
-            </a:extLst>
-          </p:cNvPr>
-          <p:cNvPicPr>
-            <a:picLocks noChangeAspect="1"/>
-          </p:cNvPicPr>
-          <p:nvPr/>
-        </p:nvPicPr>
-        <p:blipFill>
-          <a:blip r:embed="rId7"/>
-          <a:stretch>
-            <a:fillRect/>
-          </a:stretch>
-        </p:blipFill>
-        <p:spPr>
-          <a:xfrm>
-            <a:off x="4114409" y="1765511"/>
-            <a:ext cx="3490297" cy="2587106"/>
-          </a:xfrm>
-          <a:prstGeom prst="rect">
-            <a:avLst/>
-          </a:prstGeom>
-        </p:spPr>
-      </p:pic>
-      <p:pic>
-        <p:nvPicPr>
-          <p:cNvPr id="17" name="Picture 16">
-            <a:extLst>
-              <a:ext uri="{FF2B5EF4-FFF2-40B4-BE49-F238E27FC236}">
-                <a16:creationId xmlns:a16="http://schemas.microsoft.com/office/drawing/2014/main" id="{3C93D238-6C70-C964-0ECF-23AED1B48137}"/>
-              </a:ext>
-            </a:extLst>
-          </p:cNvPr>
-          <p:cNvPicPr>
-            <a:picLocks noChangeAspect="1"/>
-          </p:cNvPicPr>
-          <p:nvPr/>
-        </p:nvPicPr>
-        <p:blipFill>
-          <a:blip r:embed="rId8"/>
-          <a:stretch>
-            <a:fillRect/>
-          </a:stretch>
-        </p:blipFill>
-        <p:spPr>
-          <a:xfrm>
-            <a:off x="7841148" y="3429000"/>
-            <a:ext cx="3978600" cy="2949050"/>
-          </a:xfrm>
-          <a:prstGeom prst="rect">
-            <a:avLst/>
-          </a:prstGeom>
-        </p:spPr>
-      </p:pic>
-    </p:spTree>
-    <p:extLst>
-      <p:ext uri="{BB962C8B-B14F-4D97-AF65-F5344CB8AC3E}">
-        <p14:creationId xmlns:p14="http://schemas.microsoft.com/office/powerpoint/2010/main" val="2299868235"/>
-      </p:ext>
-    </p:extLst>
-  </p:cSld>
-  <p:clrMapOvr>
-    <a:masterClrMapping/>
-  </p:clrMapOvr>
-</p:sld>
-</file>
-
-<file path=ppt/slides/slide15.xml><?xml version="1.0" encoding="utf-8"?>
-<p:sld xmlns:a="http://schemas.openxmlformats.org/drawingml/2006/main" xmlns:r="http://schemas.openxmlformats.org/officeDocument/2006/relationships" xmlns:p="http://schemas.openxmlformats.org/presentationml/2006/main">
-  <p:cSld>
-    <p:spTree>
-      <p:nvGrpSpPr>
-        <p:cNvPr id="1" name="">
-          <a:extLst>
-            <a:ext uri="{FF2B5EF4-FFF2-40B4-BE49-F238E27FC236}">
-              <a16:creationId xmlns:a16="http://schemas.microsoft.com/office/drawing/2014/main" id="{0B9C3BEC-F92E-48B6-F540-A04D1680041B}"/>
-            </a:ext>
-          </a:extLst>
-        </p:cNvPr>
-        <p:cNvGrpSpPr/>
-        <p:nvPr/>
-      </p:nvGrpSpPr>
-      <p:grpSpPr>
-        <a:xfrm>
-          <a:off x="0" y="0"/>
-          <a:ext cx="0" cy="0"/>
-          <a:chOff x="0" y="0"/>
-          <a:chExt cx="0" cy="0"/>
-        </a:xfrm>
-      </p:grpSpPr>
-      <p:pic>
-        <p:nvPicPr>
-          <p:cNvPr id="7" name="Picture 6">
-            <a:extLst>
-              <a:ext uri="{FF2B5EF4-FFF2-40B4-BE49-F238E27FC236}">
-                <a16:creationId xmlns:a16="http://schemas.microsoft.com/office/drawing/2014/main" id="{1EC90D53-62B4-1568-FEC4-46156ABD8032}"/>
-              </a:ext>
-            </a:extLst>
-          </p:cNvPr>
-          <p:cNvPicPr>
-            <a:picLocks noChangeAspect="1"/>
-          </p:cNvPicPr>
-          <p:nvPr/>
-        </p:nvPicPr>
-        <p:blipFill>
-          <a:blip r:embed="rId2">
-            <a:extLst>
-              <a:ext uri="{BEBA8EAE-BF5A-486C-A8C5-ECC9F3942E4B}">
-                <a14:imgProps xmlns:a14="http://schemas.microsoft.com/office/drawing/2010/main">
-                  <a14:imgLayer r:embed="rId3">
-                    <a14:imgEffect>
-                      <a14:saturation sat="0"/>
-                    </a14:imgEffect>
-                  </a14:imgLayer>
-                </a14:imgProps>
-              </a:ext>
-            </a:extLst>
-          </a:blip>
-          <a:srcRect l="65947" r="3227" b="69068"/>
-          <a:stretch/>
-        </p:blipFill>
-        <p:spPr>
-          <a:xfrm>
-            <a:off x="10291479" y="111053"/>
-            <a:ext cx="1730697" cy="543598"/>
-          </a:xfrm>
-          <a:prstGeom prst="rect">
-            <a:avLst/>
-          </a:prstGeom>
-        </p:spPr>
-      </p:pic>
-      <p:sp>
-        <p:nvSpPr>
-          <p:cNvPr id="2" name="TextBox 1">
-            <a:extLst>
-              <a:ext uri="{FF2B5EF4-FFF2-40B4-BE49-F238E27FC236}">
-                <a16:creationId xmlns:a16="http://schemas.microsoft.com/office/drawing/2014/main" id="{2168981C-5F95-DCA4-BFB3-E5094CC5A449}"/>
-              </a:ext>
-            </a:extLst>
-          </p:cNvPr>
-          <p:cNvSpPr txBox="1"/>
-          <p:nvPr/>
-        </p:nvSpPr>
-        <p:spPr>
-          <a:xfrm>
-            <a:off x="177755" y="6532994"/>
-            <a:ext cx="2667762" cy="230832"/>
-          </a:xfrm>
-          <a:prstGeom prst="rect">
-            <a:avLst/>
-          </a:prstGeom>
-          <a:noFill/>
-        </p:spPr>
-        <p:txBody>
-          <a:bodyPr wrap="square" rtlCol="0">
-            <a:spAutoFit/>
-          </a:bodyPr>
-          <a:lstStyle/>
-          <a:p>
-            <a:r>
-              <a:rPr lang="en-US" sz="900" dirty="0">
-                <a:solidFill>
-                  <a:schemeClr val="bg1">
-                    <a:lumMod val="65000"/>
-                  </a:schemeClr>
-                </a:solidFill>
-              </a:rPr>
-              <a:t>Presented by: Redha &amp; Rooney</a:t>
-            </a:r>
-            <a:endParaRPr lang="fr-FR" sz="900" dirty="0">
-              <a:solidFill>
-                <a:schemeClr val="bg1">
-                  <a:lumMod val="65000"/>
-                </a:schemeClr>
-              </a:solidFill>
-            </a:endParaRPr>
-          </a:p>
-        </p:txBody>
-      </p:sp>
-      <p:sp>
-        <p:nvSpPr>
-          <p:cNvPr id="3" name="TextBox 2">
-            <a:extLst>
-              <a:ext uri="{FF2B5EF4-FFF2-40B4-BE49-F238E27FC236}">
-                <a16:creationId xmlns:a16="http://schemas.microsoft.com/office/drawing/2014/main" id="{B419B5DD-6EA9-1F6C-2D02-5BE9A4C5916C}"/>
-              </a:ext>
-            </a:extLst>
-          </p:cNvPr>
-          <p:cNvSpPr txBox="1"/>
-          <p:nvPr/>
-        </p:nvSpPr>
-        <p:spPr>
-          <a:xfrm>
-            <a:off x="11244406" y="6582892"/>
-            <a:ext cx="777770" cy="230832"/>
-          </a:xfrm>
-          <a:prstGeom prst="rect">
-            <a:avLst/>
-          </a:prstGeom>
-          <a:noFill/>
-        </p:spPr>
-        <p:txBody>
-          <a:bodyPr wrap="square" rtlCol="0">
-            <a:spAutoFit/>
-          </a:bodyPr>
-          <a:lstStyle/>
-          <a:p>
-            <a:r>
-              <a:rPr lang="en-US" sz="900" dirty="0">
-                <a:solidFill>
-                  <a:schemeClr val="bg1">
-                    <a:lumMod val="65000"/>
-                  </a:schemeClr>
-                </a:solidFill>
-              </a:rPr>
-              <a:t>07/07/2025</a:t>
-            </a:r>
-            <a:endParaRPr lang="fr-FR" sz="900" dirty="0">
-              <a:solidFill>
-                <a:schemeClr val="bg1">
-                  <a:lumMod val="65000"/>
-                </a:schemeClr>
-              </a:solidFill>
-            </a:endParaRPr>
-          </a:p>
-        </p:txBody>
-      </p:sp>
-      <p:pic>
-        <p:nvPicPr>
-          <p:cNvPr id="4" name="Picture 3">
-            <a:extLst>
-              <a:ext uri="{FF2B5EF4-FFF2-40B4-BE49-F238E27FC236}">
-                <a16:creationId xmlns:a16="http://schemas.microsoft.com/office/drawing/2014/main" id="{4FC0B3F7-219F-AA49-94C3-91DF2371C035}"/>
-              </a:ext>
-            </a:extLst>
-          </p:cNvPr>
-          <p:cNvPicPr>
-            <a:picLocks noChangeAspect="1"/>
-          </p:cNvPicPr>
-          <p:nvPr/>
-        </p:nvPicPr>
-        <p:blipFill>
-          <a:blip r:embed="rId4">
-            <a:extLst>
-              <a:ext uri="{BEBA8EAE-BF5A-486C-A8C5-ECC9F3942E4B}">
-                <a14:imgProps xmlns:a14="http://schemas.microsoft.com/office/drawing/2010/main">
-                  <a14:imgLayer r:embed="rId5">
-                    <a14:imgEffect>
-                      <a14:saturation sat="0"/>
-                    </a14:imgEffect>
-                  </a14:imgLayer>
-                </a14:imgProps>
-              </a:ext>
-            </a:extLst>
-          </a:blip>
-          <a:srcRect t="-28943" r="42651" b="28943"/>
-          <a:stretch>
-            <a:fillRect/>
-          </a:stretch>
-        </p:blipFill>
-        <p:spPr>
-          <a:xfrm>
-            <a:off x="86697" y="-146164"/>
-            <a:ext cx="1730697" cy="908398"/>
-          </a:xfrm>
-          <a:prstGeom prst="rect">
-            <a:avLst/>
-          </a:prstGeom>
-        </p:spPr>
-      </p:pic>
-      <p:sp>
-        <p:nvSpPr>
-          <p:cNvPr id="6" name="TextBox 5">
-            <a:extLst>
-              <a:ext uri="{FF2B5EF4-FFF2-40B4-BE49-F238E27FC236}">
-                <a16:creationId xmlns:a16="http://schemas.microsoft.com/office/drawing/2014/main" id="{5FA0FF89-0C94-35E2-C3D8-4D7565D19222}"/>
-              </a:ext>
-            </a:extLst>
-          </p:cNvPr>
-          <p:cNvSpPr txBox="1"/>
-          <p:nvPr/>
-        </p:nvSpPr>
-        <p:spPr>
-          <a:xfrm>
-            <a:off x="-371737" y="748278"/>
-            <a:ext cx="8179132" cy="760016"/>
-          </a:xfrm>
-          <a:prstGeom prst="rect">
-            <a:avLst/>
-          </a:prstGeom>
-          <a:noFill/>
-        </p:spPr>
-        <p:txBody>
-          <a:bodyPr wrap="square">
-            <a:spAutoFit/>
-          </a:bodyPr>
-          <a:lstStyle/>
-          <a:p>
-            <a:pPr algn="ctr">
-              <a:lnSpc>
-                <a:spcPct val="150000"/>
-              </a:lnSpc>
-              <a:buNone/>
-            </a:pPr>
-            <a:r>
-              <a:rPr lang="fr-FR" sz="3200" b="1" dirty="0"/>
-              <a:t>B.2. DESCRIPTIVE STATISTICS </a:t>
-            </a:r>
-            <a:r>
-              <a:rPr lang="en-US" dirty="0"/>
-              <a:t> </a:t>
-            </a:r>
-            <a:endParaRPr lang="fr-FR" sz="3200" b="1" dirty="0"/>
-          </a:p>
-        </p:txBody>
-      </p:sp>
-      <p:sp>
-        <p:nvSpPr>
-          <p:cNvPr id="9" name="TextBox 8">
-            <a:extLst>
-              <a:ext uri="{FF2B5EF4-FFF2-40B4-BE49-F238E27FC236}">
-                <a16:creationId xmlns:a16="http://schemas.microsoft.com/office/drawing/2014/main" id="{DAD4EF0D-E226-141D-7259-4AA6659A841D}"/>
-              </a:ext>
-            </a:extLst>
-          </p:cNvPr>
-          <p:cNvSpPr txBox="1"/>
-          <p:nvPr/>
-        </p:nvSpPr>
-        <p:spPr>
-          <a:xfrm>
-            <a:off x="734291" y="111053"/>
-            <a:ext cx="11037455" cy="760016"/>
-          </a:xfrm>
-          <a:prstGeom prst="rect">
-            <a:avLst/>
-          </a:prstGeom>
-          <a:noFill/>
-        </p:spPr>
-        <p:txBody>
-          <a:bodyPr wrap="square">
-            <a:spAutoFit/>
-          </a:bodyPr>
-          <a:lstStyle/>
-          <a:p>
-            <a:pPr algn="ctr">
-              <a:lnSpc>
-                <a:spcPct val="150000"/>
-              </a:lnSpc>
-              <a:buNone/>
-            </a:pPr>
-            <a:r>
-              <a:rPr lang="fr-FR" sz="3200" b="1" dirty="0"/>
-              <a:t>B- Customer </a:t>
-            </a:r>
-            <a:r>
-              <a:rPr lang="fr-FR" sz="3200" b="1" dirty="0" err="1"/>
-              <a:t>Behaviour</a:t>
-            </a:r>
-            <a:r>
-              <a:rPr lang="fr-FR" sz="3200" b="1" dirty="0"/>
-              <a:t> Modeling</a:t>
-            </a:r>
-          </a:p>
-        </p:txBody>
-      </p:sp>
-    </p:spTree>
-    <p:extLst>
-      <p:ext uri="{BB962C8B-B14F-4D97-AF65-F5344CB8AC3E}">
-        <p14:creationId xmlns:p14="http://schemas.microsoft.com/office/powerpoint/2010/main" val="1582115208"/>
-      </p:ext>
-    </p:extLst>
-  </p:cSld>
-  <p:clrMapOvr>
-    <a:masterClrMapping/>
-  </p:clrMapOvr>
-</p:sld>
-</file>
-
-<file path=ppt/slides/slide16.xml><?xml version="1.0" encoding="utf-8"?>
-<p:sld xmlns:a="http://schemas.openxmlformats.org/drawingml/2006/main" xmlns:r="http://schemas.openxmlformats.org/officeDocument/2006/relationships" xmlns:p="http://schemas.openxmlformats.org/presentationml/2006/main">
-  <p:cSld>
-    <p:spTree>
-      <p:nvGrpSpPr>
-        <p:cNvPr id="1" name="">
-          <a:extLst>
-            <a:ext uri="{FF2B5EF4-FFF2-40B4-BE49-F238E27FC236}">
-              <a16:creationId xmlns:a16="http://schemas.microsoft.com/office/drawing/2014/main" id="{289389B0-AB36-EC62-A98B-BF7FF35AB8F1}"/>
-            </a:ext>
-          </a:extLst>
-        </p:cNvPr>
-        <p:cNvGrpSpPr/>
-        <p:nvPr/>
-      </p:nvGrpSpPr>
-      <p:grpSpPr>
-        <a:xfrm>
-          <a:off x="0" y="0"/>
-          <a:ext cx="0" cy="0"/>
-          <a:chOff x="0" y="0"/>
-          <a:chExt cx="0" cy="0"/>
-        </a:xfrm>
-      </p:grpSpPr>
-      <p:pic>
-        <p:nvPicPr>
-          <p:cNvPr id="7" name="Picture 6">
-            <a:extLst>
-              <a:ext uri="{FF2B5EF4-FFF2-40B4-BE49-F238E27FC236}">
-                <a16:creationId xmlns:a16="http://schemas.microsoft.com/office/drawing/2014/main" id="{BE669954-84BB-9FFB-76D8-BC0038A565ED}"/>
-              </a:ext>
-            </a:extLst>
-          </p:cNvPr>
-          <p:cNvPicPr>
-            <a:picLocks noChangeAspect="1"/>
-          </p:cNvPicPr>
-          <p:nvPr/>
-        </p:nvPicPr>
-        <p:blipFill>
-          <a:blip r:embed="rId2">
-            <a:extLst>
-              <a:ext uri="{BEBA8EAE-BF5A-486C-A8C5-ECC9F3942E4B}">
-                <a14:imgProps xmlns:a14="http://schemas.microsoft.com/office/drawing/2010/main">
-                  <a14:imgLayer r:embed="rId3">
-                    <a14:imgEffect>
-                      <a14:saturation sat="0"/>
-                    </a14:imgEffect>
-                  </a14:imgLayer>
-                </a14:imgProps>
-              </a:ext>
-            </a:extLst>
-          </a:blip>
-          <a:srcRect l="65947" r="3227" b="69068"/>
-          <a:stretch/>
-        </p:blipFill>
-        <p:spPr>
-          <a:xfrm>
-            <a:off x="10291479" y="111053"/>
-            <a:ext cx="1730697" cy="543598"/>
-          </a:xfrm>
-          <a:prstGeom prst="rect">
-            <a:avLst/>
-          </a:prstGeom>
-        </p:spPr>
-      </p:pic>
-      <p:sp>
-        <p:nvSpPr>
-          <p:cNvPr id="2" name="TextBox 1">
-            <a:extLst>
-              <a:ext uri="{FF2B5EF4-FFF2-40B4-BE49-F238E27FC236}">
-                <a16:creationId xmlns:a16="http://schemas.microsoft.com/office/drawing/2014/main" id="{257C98E6-32C9-EDA7-FAB2-3BCEF502D72E}"/>
-              </a:ext>
-            </a:extLst>
-          </p:cNvPr>
-          <p:cNvSpPr txBox="1"/>
-          <p:nvPr/>
-        </p:nvSpPr>
-        <p:spPr>
-          <a:xfrm>
-            <a:off x="177755" y="6532994"/>
-            <a:ext cx="2667762" cy="230832"/>
-          </a:xfrm>
-          <a:prstGeom prst="rect">
-            <a:avLst/>
-          </a:prstGeom>
-          <a:noFill/>
-        </p:spPr>
-        <p:txBody>
-          <a:bodyPr wrap="square" rtlCol="0">
-            <a:spAutoFit/>
-          </a:bodyPr>
-          <a:lstStyle/>
-          <a:p>
-            <a:r>
-              <a:rPr lang="en-US" sz="900" dirty="0">
-                <a:solidFill>
-                  <a:schemeClr val="bg1">
-                    <a:lumMod val="65000"/>
-                  </a:schemeClr>
-                </a:solidFill>
-              </a:rPr>
-              <a:t>Presented by: Redha &amp; Rooney</a:t>
-            </a:r>
-            <a:endParaRPr lang="fr-FR" sz="900" dirty="0">
-              <a:solidFill>
-                <a:schemeClr val="bg1">
-                  <a:lumMod val="65000"/>
-                </a:schemeClr>
-              </a:solidFill>
-            </a:endParaRPr>
-          </a:p>
-        </p:txBody>
-      </p:sp>
-      <p:sp>
-        <p:nvSpPr>
-          <p:cNvPr id="3" name="TextBox 2">
-            <a:extLst>
-              <a:ext uri="{FF2B5EF4-FFF2-40B4-BE49-F238E27FC236}">
-                <a16:creationId xmlns:a16="http://schemas.microsoft.com/office/drawing/2014/main" id="{962E36A3-457D-34F9-91E5-F8F953E7C6D9}"/>
-              </a:ext>
-            </a:extLst>
-          </p:cNvPr>
-          <p:cNvSpPr txBox="1"/>
-          <p:nvPr/>
-        </p:nvSpPr>
-        <p:spPr>
-          <a:xfrm>
-            <a:off x="11244406" y="6582892"/>
-            <a:ext cx="777770" cy="230832"/>
-          </a:xfrm>
-          <a:prstGeom prst="rect">
-            <a:avLst/>
-          </a:prstGeom>
-          <a:noFill/>
-        </p:spPr>
-        <p:txBody>
-          <a:bodyPr wrap="square" rtlCol="0">
-            <a:spAutoFit/>
-          </a:bodyPr>
-          <a:lstStyle/>
-          <a:p>
-            <a:r>
-              <a:rPr lang="en-US" sz="900" dirty="0">
-                <a:solidFill>
-                  <a:schemeClr val="bg1">
-                    <a:lumMod val="65000"/>
-                  </a:schemeClr>
-                </a:solidFill>
-              </a:rPr>
-              <a:t>07/07/2025</a:t>
-            </a:r>
-            <a:endParaRPr lang="fr-FR" sz="900" dirty="0">
-              <a:solidFill>
-                <a:schemeClr val="bg1">
-                  <a:lumMod val="65000"/>
-                </a:schemeClr>
-              </a:solidFill>
-            </a:endParaRPr>
-          </a:p>
-        </p:txBody>
-      </p:sp>
-      <p:pic>
-        <p:nvPicPr>
-          <p:cNvPr id="4" name="Picture 3">
-            <a:extLst>
-              <a:ext uri="{FF2B5EF4-FFF2-40B4-BE49-F238E27FC236}">
-                <a16:creationId xmlns:a16="http://schemas.microsoft.com/office/drawing/2014/main" id="{51DC5580-6DC3-6065-EBCA-4EFA8A784572}"/>
-              </a:ext>
-            </a:extLst>
-          </p:cNvPr>
-          <p:cNvPicPr>
-            <a:picLocks noChangeAspect="1"/>
-          </p:cNvPicPr>
-          <p:nvPr/>
-        </p:nvPicPr>
-        <p:blipFill>
-          <a:blip r:embed="rId4">
-            <a:extLst>
-              <a:ext uri="{BEBA8EAE-BF5A-486C-A8C5-ECC9F3942E4B}">
-                <a14:imgProps xmlns:a14="http://schemas.microsoft.com/office/drawing/2010/main">
-                  <a14:imgLayer r:embed="rId5">
-                    <a14:imgEffect>
-                      <a14:saturation sat="0"/>
-                    </a14:imgEffect>
-                  </a14:imgLayer>
-                </a14:imgProps>
-              </a:ext>
-            </a:extLst>
-          </a:blip>
-          <a:srcRect t="-28943" r="42651" b="28943"/>
-          <a:stretch>
-            <a:fillRect/>
-          </a:stretch>
-        </p:blipFill>
-        <p:spPr>
-          <a:xfrm>
-            <a:off x="86697" y="-146164"/>
-            <a:ext cx="1730697" cy="908398"/>
-          </a:xfrm>
-          <a:prstGeom prst="rect">
-            <a:avLst/>
-          </a:prstGeom>
-        </p:spPr>
-      </p:pic>
-      <p:sp>
-        <p:nvSpPr>
-          <p:cNvPr id="6" name="TextBox 5">
-            <a:extLst>
-              <a:ext uri="{FF2B5EF4-FFF2-40B4-BE49-F238E27FC236}">
-                <a16:creationId xmlns:a16="http://schemas.microsoft.com/office/drawing/2014/main" id="{9EFC8F77-C5ED-F9A0-AC75-75C8572C9CE1}"/>
-              </a:ext>
-            </a:extLst>
-          </p:cNvPr>
-          <p:cNvSpPr txBox="1"/>
-          <p:nvPr/>
-        </p:nvSpPr>
-        <p:spPr>
-          <a:xfrm>
-            <a:off x="2669309" y="1665644"/>
-            <a:ext cx="6096000" cy="830997"/>
-          </a:xfrm>
-          <a:prstGeom prst="rect">
-            <a:avLst/>
-          </a:prstGeom>
-          <a:noFill/>
-        </p:spPr>
-        <p:txBody>
-          <a:bodyPr wrap="square">
-            <a:spAutoFit/>
-          </a:bodyPr>
-          <a:lstStyle/>
-          <a:p>
-            <a:pPr marL="0" marR="0" lvl="0" indent="0" algn="l" defTabSz="914400" rtl="0" eaLnBrk="0" fontAlgn="base" latinLnBrk="0" hangingPunct="0">
-              <a:lnSpc>
-                <a:spcPct val="100000"/>
-              </a:lnSpc>
-              <a:spcBef>
-                <a:spcPct val="0"/>
-              </a:spcBef>
-              <a:spcAft>
-                <a:spcPct val="0"/>
-              </a:spcAft>
-              <a:buClrTx/>
-              <a:buSzTx/>
-              <a:buFontTx/>
-              <a:buNone/>
-              <a:tabLst/>
-            </a:pPr>
-            <a:r>
-              <a:rPr kumimoji="0" lang="fr-FR" altLang="fr-FR" sz="1600" b="1" i="0" u="none" strike="noStrike" cap="none" normalizeH="0" baseline="0" dirty="0">
-                <a:ln>
-                  <a:noFill/>
-                </a:ln>
-                <a:solidFill>
-                  <a:schemeClr val="tx1"/>
-                </a:solidFill>
-                <a:effectLst/>
-                <a:latin typeface="Arial" panose="020B0604020202020204" pitchFamily="34" charset="0"/>
-              </a:rPr>
-              <a:t>(2) Identifier la variable cible et les </a:t>
-            </a:r>
-            <a:r>
-              <a:rPr kumimoji="0" lang="fr-FR" altLang="fr-FR" sz="1600" b="1" i="0" u="none" strike="noStrike" cap="none" normalizeH="0" baseline="0" dirty="0" err="1">
-                <a:ln>
-                  <a:noFill/>
-                </a:ln>
-                <a:solidFill>
-                  <a:schemeClr val="tx1"/>
-                </a:solidFill>
-                <a:effectLst/>
-                <a:latin typeface="Arial" panose="020B0604020202020204" pitchFamily="34" charset="0"/>
-              </a:rPr>
-              <a:t>features</a:t>
-            </a:r>
-            <a:endParaRPr kumimoji="0" lang="fr-FR" altLang="fr-FR" sz="1600" b="0" i="0" u="none" strike="noStrike" cap="none" normalizeH="0" baseline="0" dirty="0">
-              <a:ln>
-                <a:noFill/>
-              </a:ln>
-              <a:solidFill>
-                <a:schemeClr val="tx1"/>
-              </a:solidFill>
-              <a:effectLst/>
-              <a:latin typeface="Arial" panose="020B0604020202020204" pitchFamily="34" charset="0"/>
-            </a:endParaRPr>
-          </a:p>
-          <a:p>
-            <a:pPr marL="0" marR="0" lvl="0" indent="0" algn="l" defTabSz="914400" rtl="0" eaLnBrk="0" fontAlgn="base" latinLnBrk="0" hangingPunct="0">
-              <a:lnSpc>
-                <a:spcPct val="100000"/>
-              </a:lnSpc>
-              <a:spcBef>
-                <a:spcPct val="0"/>
-              </a:spcBef>
-              <a:spcAft>
-                <a:spcPct val="0"/>
-              </a:spcAft>
-              <a:buClrTx/>
-              <a:buSzTx/>
-              <a:buFontTx/>
-              <a:buChar char="•"/>
-              <a:tabLst/>
-            </a:pPr>
-            <a:r>
-              <a:rPr kumimoji="0" lang="fr-FR" altLang="fr-FR" sz="1600" b="0" i="0" u="none" strike="noStrike" cap="none" normalizeH="0" baseline="0" dirty="0">
-                <a:ln>
-                  <a:noFill/>
-                </a:ln>
-                <a:solidFill>
-                  <a:schemeClr val="tx1"/>
-                </a:solidFill>
-                <a:effectLst/>
-                <a:latin typeface="Arial Unicode MS"/>
-              </a:rPr>
-              <a:t>y</a:t>
-            </a:r>
-            <a:r>
-              <a:rPr kumimoji="0" lang="fr-FR" altLang="fr-FR" sz="1600" b="0" i="0" u="none" strike="noStrike" cap="none" normalizeH="0" baseline="0" dirty="0">
-                <a:ln>
-                  <a:noFill/>
-                </a:ln>
-                <a:solidFill>
-                  <a:schemeClr val="tx1"/>
-                </a:solidFill>
-                <a:effectLst/>
-              </a:rPr>
-              <a:t> = souscription (yes/no)</a:t>
-            </a:r>
-            <a:endParaRPr kumimoji="0" lang="fr-FR" altLang="fr-FR" sz="1600" b="0" i="0" u="none" strike="noStrike" cap="none" normalizeH="0" baseline="0" dirty="0">
-              <a:ln>
-                <a:noFill/>
-              </a:ln>
-              <a:solidFill>
-                <a:schemeClr val="tx1"/>
-              </a:solidFill>
-              <a:effectLst/>
-              <a:latin typeface="Arial" panose="020B0604020202020204" pitchFamily="34" charset="0"/>
-            </a:endParaRPr>
-          </a:p>
-          <a:p>
-            <a:pPr marL="0" marR="0" lvl="0" indent="0" algn="l" defTabSz="914400" rtl="0" eaLnBrk="0" fontAlgn="base" latinLnBrk="0" hangingPunct="0">
-              <a:lnSpc>
-                <a:spcPct val="100000"/>
-              </a:lnSpc>
-              <a:spcBef>
-                <a:spcPct val="0"/>
-              </a:spcBef>
-              <a:spcAft>
-                <a:spcPct val="0"/>
-              </a:spcAft>
-              <a:buClrTx/>
-              <a:buSzTx/>
-              <a:buFontTx/>
-              <a:buChar char="•"/>
-              <a:tabLst/>
-            </a:pPr>
-            <a:r>
-              <a:rPr kumimoji="0" lang="fr-FR" altLang="fr-FR" sz="1600" b="0" i="0" u="none" strike="noStrike" cap="none" normalizeH="0" baseline="0" dirty="0">
-                <a:ln>
-                  <a:noFill/>
-                </a:ln>
-                <a:solidFill>
-                  <a:schemeClr val="tx1"/>
-                </a:solidFill>
-                <a:effectLst/>
-                <a:latin typeface="Arial" panose="020B0604020202020204" pitchFamily="34" charset="0"/>
-              </a:rPr>
-              <a:t>X = toutes les autres colonnes (après nettoyage)</a:t>
-            </a:r>
-          </a:p>
-        </p:txBody>
-      </p:sp>
-    </p:spTree>
-    <p:extLst>
-      <p:ext uri="{BB962C8B-B14F-4D97-AF65-F5344CB8AC3E}">
-        <p14:creationId xmlns:p14="http://schemas.microsoft.com/office/powerpoint/2010/main" val="3405696100"/>
-      </p:ext>
-    </p:extLst>
-  </p:cSld>
-  <p:clrMapOvr>
-    <a:masterClrMapping/>
-  </p:clrMapOvr>
-</p:sld>
-</file>
-
-<file path=ppt/slides/slide17.xml><?xml version="1.0" encoding="utf-8"?>
-<p:sld xmlns:a="http://schemas.openxmlformats.org/drawingml/2006/main" xmlns:r="http://schemas.openxmlformats.org/officeDocument/2006/relationships" xmlns:p="http://schemas.openxmlformats.org/presentationml/2006/main">
-  <p:cSld>
-    <p:spTree>
-      <p:nvGrpSpPr>
-        <p:cNvPr id="1" name="">
-          <a:extLst>
-            <a:ext uri="{FF2B5EF4-FFF2-40B4-BE49-F238E27FC236}">
-              <a16:creationId xmlns:a16="http://schemas.microsoft.com/office/drawing/2014/main" id="{2D95C503-2221-F1F5-9CB5-EF9DC84FD53E}"/>
-            </a:ext>
-          </a:extLst>
-        </p:cNvPr>
-        <p:cNvGrpSpPr/>
-        <p:nvPr/>
-      </p:nvGrpSpPr>
-      <p:grpSpPr>
-        <a:xfrm>
-          <a:off x="0" y="0"/>
-          <a:ext cx="0" cy="0"/>
-          <a:chOff x="0" y="0"/>
-          <a:chExt cx="0" cy="0"/>
-        </a:xfrm>
-      </p:grpSpPr>
-      <p:pic>
-        <p:nvPicPr>
-          <p:cNvPr id="7" name="Picture 6">
-            <a:extLst>
-              <a:ext uri="{FF2B5EF4-FFF2-40B4-BE49-F238E27FC236}">
-                <a16:creationId xmlns:a16="http://schemas.microsoft.com/office/drawing/2014/main" id="{D9EA5177-ECAB-BBDD-2612-89DB6D92E4C8}"/>
-              </a:ext>
-            </a:extLst>
-          </p:cNvPr>
-          <p:cNvPicPr>
-            <a:picLocks noChangeAspect="1"/>
-          </p:cNvPicPr>
-          <p:nvPr/>
-        </p:nvPicPr>
-        <p:blipFill>
-          <a:blip r:embed="rId2">
-            <a:extLst>
-              <a:ext uri="{BEBA8EAE-BF5A-486C-A8C5-ECC9F3942E4B}">
-                <a14:imgProps xmlns:a14="http://schemas.microsoft.com/office/drawing/2010/main">
-                  <a14:imgLayer r:embed="rId3">
-                    <a14:imgEffect>
-                      <a14:saturation sat="0"/>
-                    </a14:imgEffect>
-                  </a14:imgLayer>
-                </a14:imgProps>
-              </a:ext>
-            </a:extLst>
-          </a:blip>
-          <a:srcRect l="65947" r="3227" b="69068"/>
-          <a:stretch/>
-        </p:blipFill>
-        <p:spPr>
-          <a:xfrm>
-            <a:off x="10291479" y="111053"/>
-            <a:ext cx="1730697" cy="543598"/>
-          </a:xfrm>
-          <a:prstGeom prst="rect">
-            <a:avLst/>
-          </a:prstGeom>
-        </p:spPr>
-      </p:pic>
-      <p:sp>
-        <p:nvSpPr>
-          <p:cNvPr id="2" name="TextBox 1">
-            <a:extLst>
-              <a:ext uri="{FF2B5EF4-FFF2-40B4-BE49-F238E27FC236}">
-                <a16:creationId xmlns:a16="http://schemas.microsoft.com/office/drawing/2014/main" id="{01F1DE69-1973-25F5-FF09-772309B3D3FA}"/>
-              </a:ext>
-            </a:extLst>
-          </p:cNvPr>
-          <p:cNvSpPr txBox="1"/>
-          <p:nvPr/>
-        </p:nvSpPr>
-        <p:spPr>
-          <a:xfrm>
-            <a:off x="177755" y="6532994"/>
-            <a:ext cx="2667762" cy="230832"/>
-          </a:xfrm>
-          <a:prstGeom prst="rect">
-            <a:avLst/>
-          </a:prstGeom>
-          <a:noFill/>
-        </p:spPr>
-        <p:txBody>
-          <a:bodyPr wrap="square" rtlCol="0">
-            <a:spAutoFit/>
-          </a:bodyPr>
-          <a:lstStyle/>
-          <a:p>
-            <a:r>
-              <a:rPr lang="en-US" sz="900" dirty="0">
-                <a:solidFill>
-                  <a:schemeClr val="bg1">
-                    <a:lumMod val="65000"/>
-                  </a:schemeClr>
-                </a:solidFill>
-              </a:rPr>
-              <a:t>Presented by: Redha &amp; Rooney</a:t>
-            </a:r>
-            <a:endParaRPr lang="fr-FR" sz="900" dirty="0">
-              <a:solidFill>
-                <a:schemeClr val="bg1">
-                  <a:lumMod val="65000"/>
-                </a:schemeClr>
-              </a:solidFill>
-            </a:endParaRPr>
-          </a:p>
-        </p:txBody>
-      </p:sp>
-      <p:sp>
-        <p:nvSpPr>
-          <p:cNvPr id="3" name="TextBox 2">
-            <a:extLst>
-              <a:ext uri="{FF2B5EF4-FFF2-40B4-BE49-F238E27FC236}">
-                <a16:creationId xmlns:a16="http://schemas.microsoft.com/office/drawing/2014/main" id="{25AC73B6-1D72-9928-A729-2EFEB9CA2B30}"/>
-              </a:ext>
-            </a:extLst>
-          </p:cNvPr>
-          <p:cNvSpPr txBox="1"/>
-          <p:nvPr/>
-        </p:nvSpPr>
-        <p:spPr>
-          <a:xfrm>
-            <a:off x="11244406" y="6582892"/>
-            <a:ext cx="777770" cy="230832"/>
-          </a:xfrm>
-          <a:prstGeom prst="rect">
-            <a:avLst/>
-          </a:prstGeom>
-          <a:noFill/>
-        </p:spPr>
-        <p:txBody>
-          <a:bodyPr wrap="square" rtlCol="0">
-            <a:spAutoFit/>
-          </a:bodyPr>
-          <a:lstStyle/>
-          <a:p>
-            <a:r>
-              <a:rPr lang="en-US" sz="900" dirty="0">
-                <a:solidFill>
-                  <a:schemeClr val="bg1">
-                    <a:lumMod val="65000"/>
-                  </a:schemeClr>
-                </a:solidFill>
-              </a:rPr>
-              <a:t>07/07/2025</a:t>
-            </a:r>
-            <a:endParaRPr lang="fr-FR" sz="900" dirty="0">
-              <a:solidFill>
-                <a:schemeClr val="bg1">
-                  <a:lumMod val="65000"/>
-                </a:schemeClr>
-              </a:solidFill>
-            </a:endParaRPr>
-          </a:p>
-        </p:txBody>
-      </p:sp>
-      <p:pic>
-        <p:nvPicPr>
-          <p:cNvPr id="4" name="Picture 3">
-            <a:extLst>
-              <a:ext uri="{FF2B5EF4-FFF2-40B4-BE49-F238E27FC236}">
-                <a16:creationId xmlns:a16="http://schemas.microsoft.com/office/drawing/2014/main" id="{03CD41BD-C033-4D16-CDAF-BDE01D78F32B}"/>
-              </a:ext>
-            </a:extLst>
-          </p:cNvPr>
-          <p:cNvPicPr>
-            <a:picLocks noChangeAspect="1"/>
-          </p:cNvPicPr>
-          <p:nvPr/>
-        </p:nvPicPr>
-        <p:blipFill>
-          <a:blip r:embed="rId4">
-            <a:extLst>
-              <a:ext uri="{BEBA8EAE-BF5A-486C-A8C5-ECC9F3942E4B}">
-                <a14:imgProps xmlns:a14="http://schemas.microsoft.com/office/drawing/2010/main">
-                  <a14:imgLayer r:embed="rId5">
-                    <a14:imgEffect>
-                      <a14:saturation sat="0"/>
-                    </a14:imgEffect>
-                  </a14:imgLayer>
-                </a14:imgProps>
-              </a:ext>
-            </a:extLst>
-          </a:blip>
-          <a:srcRect t="-28943" r="42651" b="28943"/>
-          <a:stretch>
-            <a:fillRect/>
-          </a:stretch>
-        </p:blipFill>
-        <p:spPr>
-          <a:xfrm>
-            <a:off x="86697" y="-146164"/>
-            <a:ext cx="1730697" cy="908398"/>
-          </a:xfrm>
-          <a:prstGeom prst="rect">
-            <a:avLst/>
-          </a:prstGeom>
-        </p:spPr>
-      </p:pic>
-      <p:sp>
-        <p:nvSpPr>
-          <p:cNvPr id="6" name="TextBox 5">
-            <a:extLst>
-              <a:ext uri="{FF2B5EF4-FFF2-40B4-BE49-F238E27FC236}">
-                <a16:creationId xmlns:a16="http://schemas.microsoft.com/office/drawing/2014/main" id="{CEF62A63-2961-643E-BBC8-D6497AF69F8B}"/>
-              </a:ext>
-            </a:extLst>
-          </p:cNvPr>
-          <p:cNvSpPr txBox="1"/>
-          <p:nvPr/>
-        </p:nvSpPr>
-        <p:spPr>
-          <a:xfrm>
-            <a:off x="952045" y="1936459"/>
-            <a:ext cx="6096000" cy="1200329"/>
-          </a:xfrm>
-          <a:prstGeom prst="rect">
-            <a:avLst/>
-          </a:prstGeom>
-          <a:noFill/>
-        </p:spPr>
-        <p:txBody>
-          <a:bodyPr wrap="square">
-            <a:spAutoFit/>
-          </a:bodyPr>
-          <a:lstStyle/>
-          <a:p>
-            <a:pPr marL="0" marR="0" lvl="0" indent="0" algn="l" defTabSz="914400" rtl="0" eaLnBrk="0" fontAlgn="base" latinLnBrk="0" hangingPunct="0">
-              <a:lnSpc>
-                <a:spcPct val="100000"/>
-              </a:lnSpc>
-              <a:spcBef>
-                <a:spcPct val="0"/>
-              </a:spcBef>
-              <a:spcAft>
-                <a:spcPct val="0"/>
-              </a:spcAft>
-              <a:buClrTx/>
-              <a:buSzTx/>
-              <a:buFontTx/>
-              <a:buNone/>
-              <a:tabLst/>
-            </a:pPr>
-            <a:r>
-              <a:rPr kumimoji="0" lang="fr-FR" altLang="fr-FR" sz="1800" b="0" i="0" u="none" strike="noStrike" cap="none" normalizeH="0" baseline="0" dirty="0">
-                <a:ln>
-                  <a:noFill/>
-                </a:ln>
-                <a:solidFill>
-                  <a:schemeClr val="tx1"/>
-                </a:solidFill>
-                <a:effectLst/>
-                <a:latin typeface="Arial" panose="020B0604020202020204" pitchFamily="34" charset="0"/>
-              </a:rPr>
-              <a:t>👉 </a:t>
-            </a:r>
-            <a:r>
-              <a:rPr kumimoji="0" lang="fr-FR" altLang="fr-FR" sz="1800" b="1" i="0" u="none" strike="noStrike" cap="none" normalizeH="0" baseline="0" dirty="0">
-                <a:ln>
-                  <a:noFill/>
-                </a:ln>
-                <a:solidFill>
-                  <a:schemeClr val="tx1"/>
-                </a:solidFill>
-                <a:effectLst/>
-                <a:latin typeface="Arial" panose="020B0604020202020204" pitchFamily="34" charset="0"/>
-              </a:rPr>
-              <a:t>(3) Détecter et traiter les anomalies</a:t>
-            </a:r>
-            <a:endParaRPr kumimoji="0" lang="fr-FR" altLang="fr-FR" sz="1800" b="0" i="0" u="none" strike="noStrike" cap="none" normalizeH="0" baseline="0" dirty="0">
-              <a:ln>
-                <a:noFill/>
-              </a:ln>
-              <a:solidFill>
-                <a:schemeClr val="tx1"/>
-              </a:solidFill>
-              <a:effectLst/>
-              <a:latin typeface="Arial" panose="020B0604020202020204" pitchFamily="34" charset="0"/>
-            </a:endParaRPr>
-          </a:p>
-          <a:p>
-            <a:pPr marL="0" marR="0" lvl="0" indent="0" algn="l" defTabSz="914400" rtl="0" eaLnBrk="0" fontAlgn="base" latinLnBrk="0" hangingPunct="0">
-              <a:lnSpc>
-                <a:spcPct val="100000"/>
-              </a:lnSpc>
-              <a:spcBef>
-                <a:spcPct val="0"/>
-              </a:spcBef>
-              <a:spcAft>
-                <a:spcPct val="0"/>
-              </a:spcAft>
-              <a:buClrTx/>
-              <a:buSzTx/>
-              <a:buFontTx/>
-              <a:buChar char="•"/>
-              <a:tabLst/>
-            </a:pPr>
-            <a:r>
-              <a:rPr kumimoji="0" lang="fr-FR" altLang="fr-FR" sz="1800" b="0" i="0" u="none" strike="noStrike" cap="none" normalizeH="0" baseline="0" dirty="0">
-                <a:ln>
-                  <a:noFill/>
-                </a:ln>
-                <a:solidFill>
-                  <a:schemeClr val="tx1"/>
-                </a:solidFill>
-                <a:effectLst/>
-                <a:latin typeface="Arial" panose="020B0604020202020204" pitchFamily="34" charset="0"/>
-              </a:rPr>
-              <a:t>Valeurs manquantes : </a:t>
-            </a:r>
-            <a:r>
-              <a:rPr kumimoji="0" lang="fr-FR" altLang="fr-FR" sz="1000" b="0" i="0" u="none" strike="noStrike" cap="none" normalizeH="0" baseline="0" dirty="0" err="1">
-                <a:ln>
-                  <a:noFill/>
-                </a:ln>
-                <a:solidFill>
-                  <a:schemeClr val="tx1"/>
-                </a:solidFill>
-                <a:effectLst/>
-                <a:latin typeface="Arial Unicode MS"/>
-              </a:rPr>
-              <a:t>isnull</a:t>
-            </a:r>
-            <a:r>
-              <a:rPr kumimoji="0" lang="fr-FR" altLang="fr-FR" sz="1000" b="0" i="0" u="none" strike="noStrike" cap="none" normalizeH="0" baseline="0" dirty="0">
-                <a:ln>
-                  <a:noFill/>
-                </a:ln>
-                <a:solidFill>
-                  <a:schemeClr val="tx1"/>
-                </a:solidFill>
-                <a:effectLst/>
-                <a:latin typeface="Arial Unicode MS"/>
-              </a:rPr>
-              <a:t>().</a:t>
-            </a:r>
-            <a:r>
-              <a:rPr kumimoji="0" lang="fr-FR" altLang="fr-FR" sz="1000" b="0" i="0" u="none" strike="noStrike" cap="none" normalizeH="0" baseline="0" dirty="0" err="1">
-                <a:ln>
-                  <a:noFill/>
-                </a:ln>
-                <a:solidFill>
-                  <a:schemeClr val="tx1"/>
-                </a:solidFill>
-                <a:effectLst/>
-                <a:latin typeface="Arial Unicode MS"/>
-              </a:rPr>
-              <a:t>sum</a:t>
-            </a:r>
-            <a:r>
-              <a:rPr kumimoji="0" lang="fr-FR" altLang="fr-FR" sz="1000" b="0" i="0" u="none" strike="noStrike" cap="none" normalizeH="0" baseline="0" dirty="0">
-                <a:ln>
-                  <a:noFill/>
-                </a:ln>
-                <a:solidFill>
-                  <a:schemeClr val="tx1"/>
-                </a:solidFill>
-                <a:effectLst/>
-                <a:latin typeface="Arial Unicode MS"/>
-              </a:rPr>
-              <a:t>()</a:t>
-            </a:r>
-            <a:endParaRPr kumimoji="0" lang="fr-FR" altLang="fr-FR" sz="800" b="0" i="0" u="none" strike="noStrike" cap="none" normalizeH="0" baseline="0" dirty="0">
-              <a:ln>
-                <a:noFill/>
-              </a:ln>
-              <a:solidFill>
-                <a:schemeClr val="tx1"/>
-              </a:solidFill>
-              <a:effectLst/>
-            </a:endParaRPr>
-          </a:p>
-          <a:p>
-            <a:pPr marL="0" marR="0" lvl="0" indent="0" algn="l" defTabSz="914400" rtl="0" eaLnBrk="0" fontAlgn="base" latinLnBrk="0" hangingPunct="0">
-              <a:lnSpc>
-                <a:spcPct val="100000"/>
-              </a:lnSpc>
-              <a:spcBef>
-                <a:spcPct val="0"/>
-              </a:spcBef>
-              <a:spcAft>
-                <a:spcPct val="0"/>
-              </a:spcAft>
-              <a:buClrTx/>
-              <a:buSzTx/>
-              <a:buFontTx/>
-              <a:buChar char="•"/>
-              <a:tabLst/>
-            </a:pPr>
-            <a:r>
-              <a:rPr kumimoji="0" lang="fr-FR" altLang="fr-FR" sz="1800" b="0" i="0" u="none" strike="noStrike" cap="none" normalizeH="0" baseline="0" dirty="0">
-                <a:ln>
-                  <a:noFill/>
-                </a:ln>
-                <a:solidFill>
-                  <a:schemeClr val="tx1"/>
-                </a:solidFill>
-                <a:effectLst/>
-                <a:latin typeface="Arial" panose="020B0604020202020204" pitchFamily="34" charset="0"/>
-              </a:rPr>
-              <a:t>Catégories absurdes (par ex. âge &lt; 18)</a:t>
-            </a:r>
-          </a:p>
-          <a:p>
-            <a:pPr marL="0" marR="0" lvl="0" indent="0" algn="l" defTabSz="914400" rtl="0" eaLnBrk="0" fontAlgn="base" latinLnBrk="0" hangingPunct="0">
-              <a:lnSpc>
-                <a:spcPct val="100000"/>
-              </a:lnSpc>
-              <a:spcBef>
-                <a:spcPct val="0"/>
-              </a:spcBef>
-              <a:spcAft>
-                <a:spcPct val="0"/>
-              </a:spcAft>
-              <a:buClrTx/>
-              <a:buSzTx/>
-              <a:buFontTx/>
-              <a:buChar char="•"/>
-              <a:tabLst/>
-            </a:pPr>
-            <a:r>
-              <a:rPr kumimoji="0" lang="fr-FR" altLang="fr-FR" sz="1800" b="0" i="0" u="none" strike="noStrike" cap="none" normalizeH="0" baseline="0" dirty="0">
-                <a:ln>
-                  <a:noFill/>
-                </a:ln>
-                <a:solidFill>
-                  <a:schemeClr val="tx1"/>
-                </a:solidFill>
-                <a:effectLst/>
-                <a:latin typeface="Arial" panose="020B0604020202020204" pitchFamily="34" charset="0"/>
-              </a:rPr>
-              <a:t>Valeurs aberrantes (par ex. durée des appels &gt; 4000s)</a:t>
-            </a:r>
-          </a:p>
-        </p:txBody>
-      </p:sp>
-    </p:spTree>
-    <p:extLst>
-      <p:ext uri="{BB962C8B-B14F-4D97-AF65-F5344CB8AC3E}">
-        <p14:creationId xmlns:p14="http://schemas.microsoft.com/office/powerpoint/2010/main" val="4207231282"/>
-      </p:ext>
-    </p:extLst>
-  </p:cSld>
-  <p:clrMapOvr>
-    <a:masterClrMapping/>
-  </p:clrMapOvr>
-</p:sld>
-</file>
-
-<file path=ppt/slides/slide18.xml><?xml version="1.0" encoding="utf-8"?>
 <p:sld xmlns:a="http://schemas.openxmlformats.org/drawingml/2006/main" xmlns:r="http://schemas.openxmlformats.org/officeDocument/2006/relationships" xmlns:p="http://schemas.openxmlformats.org/presentationml/2006/main">
   <p:cSld>
     <p:spTree>
@@ -7369,7 +4419,7 @@
 </p:sld>
 </file>
 
-<file path=ppt/slides/slide19.xml><?xml version="1.0" encoding="utf-8"?>
+<file path=ppt/slides/slide11.xml><?xml version="1.0" encoding="utf-8"?>
 <p:sld xmlns:a="http://schemas.openxmlformats.org/drawingml/2006/main" xmlns:r="http://schemas.openxmlformats.org/officeDocument/2006/relationships" xmlns:p="http://schemas.openxmlformats.org/presentationml/2006/main">
   <p:cSld>
     <p:spTree>
@@ -7874,413 +4924,7 @@
 </p:sld>
 </file>
 
-<file path=ppt/slides/slide2.xml><?xml version="1.0" encoding="utf-8"?>
-<p:sld xmlns:a="http://schemas.openxmlformats.org/drawingml/2006/main" xmlns:r="http://schemas.openxmlformats.org/officeDocument/2006/relationships" xmlns:p="http://schemas.openxmlformats.org/presentationml/2006/main">
-  <p:cSld>
-    <p:spTree>
-      <p:nvGrpSpPr>
-        <p:cNvPr id="1" name="">
-          <a:extLst>
-            <a:ext uri="{FF2B5EF4-FFF2-40B4-BE49-F238E27FC236}">
-              <a16:creationId xmlns:a16="http://schemas.microsoft.com/office/drawing/2014/main" id="{F1C78EBD-7DE1-7E00-43A8-F322706C7C71}"/>
-            </a:ext>
-          </a:extLst>
-        </p:cNvPr>
-        <p:cNvGrpSpPr/>
-        <p:nvPr/>
-      </p:nvGrpSpPr>
-      <p:grpSpPr>
-        <a:xfrm>
-          <a:off x="0" y="0"/>
-          <a:ext cx="0" cy="0"/>
-          <a:chOff x="0" y="0"/>
-          <a:chExt cx="0" cy="0"/>
-        </a:xfrm>
-      </p:grpSpPr>
-      <p:pic>
-        <p:nvPicPr>
-          <p:cNvPr id="7" name="Picture 6">
-            <a:extLst>
-              <a:ext uri="{FF2B5EF4-FFF2-40B4-BE49-F238E27FC236}">
-                <a16:creationId xmlns:a16="http://schemas.microsoft.com/office/drawing/2014/main" id="{6A0B8EF5-512D-6911-1C03-21F589791948}"/>
-              </a:ext>
-            </a:extLst>
-          </p:cNvPr>
-          <p:cNvPicPr>
-            <a:picLocks noChangeAspect="1"/>
-          </p:cNvPicPr>
-          <p:nvPr/>
-        </p:nvPicPr>
-        <p:blipFill>
-          <a:blip r:embed="rId2">
-            <a:extLst>
-              <a:ext uri="{BEBA8EAE-BF5A-486C-A8C5-ECC9F3942E4B}">
-                <a14:imgProps xmlns:a14="http://schemas.microsoft.com/office/drawing/2010/main">
-                  <a14:imgLayer r:embed="rId3">
-                    <a14:imgEffect>
-                      <a14:saturation sat="0"/>
-                    </a14:imgEffect>
-                  </a14:imgLayer>
-                </a14:imgProps>
-              </a:ext>
-            </a:extLst>
-          </a:blip>
-          <a:srcRect l="65947" r="3227" b="69068"/>
-          <a:stretch/>
-        </p:blipFill>
-        <p:spPr>
-          <a:xfrm>
-            <a:off x="10291479" y="111053"/>
-            <a:ext cx="1730697" cy="543598"/>
-          </a:xfrm>
-          <a:prstGeom prst="rect">
-            <a:avLst/>
-          </a:prstGeom>
-        </p:spPr>
-      </p:pic>
-      <p:sp>
-        <p:nvSpPr>
-          <p:cNvPr id="2" name="TextBox 1">
-            <a:extLst>
-              <a:ext uri="{FF2B5EF4-FFF2-40B4-BE49-F238E27FC236}">
-                <a16:creationId xmlns:a16="http://schemas.microsoft.com/office/drawing/2014/main" id="{3AD44DF1-4A88-C657-F9B1-4CA12F2F9D67}"/>
-              </a:ext>
-            </a:extLst>
-          </p:cNvPr>
-          <p:cNvSpPr txBox="1"/>
-          <p:nvPr/>
-        </p:nvSpPr>
-        <p:spPr>
-          <a:xfrm>
-            <a:off x="177755" y="6532994"/>
-            <a:ext cx="2667762" cy="230832"/>
-          </a:xfrm>
-          <a:prstGeom prst="rect">
-            <a:avLst/>
-          </a:prstGeom>
-          <a:noFill/>
-        </p:spPr>
-        <p:txBody>
-          <a:bodyPr wrap="square" rtlCol="0">
-            <a:spAutoFit/>
-          </a:bodyPr>
-          <a:lstStyle/>
-          <a:p>
-            <a:r>
-              <a:rPr lang="en-US" sz="900" dirty="0">
-                <a:solidFill>
-                  <a:schemeClr val="bg1">
-                    <a:lumMod val="65000"/>
-                  </a:schemeClr>
-                </a:solidFill>
-              </a:rPr>
-              <a:t>Presented by: Redha &amp; Rooney</a:t>
-            </a:r>
-            <a:endParaRPr lang="fr-FR" sz="900" dirty="0">
-              <a:solidFill>
-                <a:schemeClr val="bg1">
-                  <a:lumMod val="65000"/>
-                </a:schemeClr>
-              </a:solidFill>
-            </a:endParaRPr>
-          </a:p>
-        </p:txBody>
-      </p:sp>
-      <p:sp>
-        <p:nvSpPr>
-          <p:cNvPr id="3" name="TextBox 2">
-            <a:extLst>
-              <a:ext uri="{FF2B5EF4-FFF2-40B4-BE49-F238E27FC236}">
-                <a16:creationId xmlns:a16="http://schemas.microsoft.com/office/drawing/2014/main" id="{00936E92-6088-9286-322C-2940701E3F39}"/>
-              </a:ext>
-            </a:extLst>
-          </p:cNvPr>
-          <p:cNvSpPr txBox="1"/>
-          <p:nvPr/>
-        </p:nvSpPr>
-        <p:spPr>
-          <a:xfrm>
-            <a:off x="11244406" y="6582892"/>
-            <a:ext cx="777770" cy="230832"/>
-          </a:xfrm>
-          <a:prstGeom prst="rect">
-            <a:avLst/>
-          </a:prstGeom>
-          <a:noFill/>
-        </p:spPr>
-        <p:txBody>
-          <a:bodyPr wrap="square" rtlCol="0">
-            <a:spAutoFit/>
-          </a:bodyPr>
-          <a:lstStyle/>
-          <a:p>
-            <a:r>
-              <a:rPr lang="en-US" sz="900" dirty="0">
-                <a:solidFill>
-                  <a:schemeClr val="bg1">
-                    <a:lumMod val="65000"/>
-                  </a:schemeClr>
-                </a:solidFill>
-              </a:rPr>
-              <a:t>07/07/2025</a:t>
-            </a:r>
-            <a:endParaRPr lang="fr-FR" sz="900" dirty="0">
-              <a:solidFill>
-                <a:schemeClr val="bg1">
-                  <a:lumMod val="65000"/>
-                </a:schemeClr>
-              </a:solidFill>
-            </a:endParaRPr>
-          </a:p>
-        </p:txBody>
-      </p:sp>
-      <p:pic>
-        <p:nvPicPr>
-          <p:cNvPr id="4" name="Picture 3">
-            <a:extLst>
-              <a:ext uri="{FF2B5EF4-FFF2-40B4-BE49-F238E27FC236}">
-                <a16:creationId xmlns:a16="http://schemas.microsoft.com/office/drawing/2014/main" id="{D28458BF-DFE0-E205-111D-953C99FA6736}"/>
-              </a:ext>
-            </a:extLst>
-          </p:cNvPr>
-          <p:cNvPicPr>
-            <a:picLocks noChangeAspect="1"/>
-          </p:cNvPicPr>
-          <p:nvPr/>
-        </p:nvPicPr>
-        <p:blipFill>
-          <a:blip r:embed="rId4">
-            <a:extLst>
-              <a:ext uri="{BEBA8EAE-BF5A-486C-A8C5-ECC9F3942E4B}">
-                <a14:imgProps xmlns:a14="http://schemas.microsoft.com/office/drawing/2010/main">
-                  <a14:imgLayer r:embed="rId5">
-                    <a14:imgEffect>
-                      <a14:saturation sat="0"/>
-                    </a14:imgEffect>
-                  </a14:imgLayer>
-                </a14:imgProps>
-              </a:ext>
-            </a:extLst>
-          </a:blip>
-          <a:srcRect t="-28943" r="42651" b="28943"/>
-          <a:stretch>
-            <a:fillRect/>
-          </a:stretch>
-        </p:blipFill>
-        <p:spPr>
-          <a:xfrm>
-            <a:off x="86697" y="-146164"/>
-            <a:ext cx="1730697" cy="908398"/>
-          </a:xfrm>
-          <a:prstGeom prst="rect">
-            <a:avLst/>
-          </a:prstGeom>
-        </p:spPr>
-      </p:pic>
-      <p:sp>
-        <p:nvSpPr>
-          <p:cNvPr id="6" name="TextBox 5">
-            <a:extLst>
-              <a:ext uri="{FF2B5EF4-FFF2-40B4-BE49-F238E27FC236}">
-                <a16:creationId xmlns:a16="http://schemas.microsoft.com/office/drawing/2014/main" id="{85313402-5471-37BA-9F1A-488EFB6D8F1D}"/>
-              </a:ext>
-            </a:extLst>
-          </p:cNvPr>
-          <p:cNvSpPr txBox="1"/>
-          <p:nvPr/>
-        </p:nvSpPr>
-        <p:spPr>
-          <a:xfrm>
-            <a:off x="2499483" y="3901472"/>
-            <a:ext cx="8949337" cy="1754326"/>
-          </a:xfrm>
-          <a:prstGeom prst="rect">
-            <a:avLst/>
-          </a:prstGeom>
-          <a:noFill/>
-        </p:spPr>
-        <p:txBody>
-          <a:bodyPr wrap="square">
-            <a:spAutoFit/>
-          </a:bodyPr>
-          <a:lstStyle/>
-          <a:p>
-            <a:endParaRPr lang="fr-FR" dirty="0"/>
-          </a:p>
-          <a:p>
-            <a:pPr marL="285750" indent="-285750">
-              <a:buFont typeface="Arial" panose="020B0604020202020204" pitchFamily="34" charset="0"/>
-              <a:buChar char="•"/>
-            </a:pPr>
-            <a:r>
-              <a:rPr lang="fr-FR" dirty="0"/>
-              <a:t>Segmentation de la clientèle ( statistiques descriptifs)</a:t>
-            </a:r>
-          </a:p>
-          <a:p>
-            <a:pPr marL="285750" indent="-285750">
-              <a:buFont typeface="Arial" panose="020B0604020202020204" pitchFamily="34" charset="0"/>
-              <a:buChar char="•"/>
-            </a:pPr>
-            <a:r>
-              <a:rPr lang="fr-FR" dirty="0"/>
-              <a:t>la prédiction du taux de désabonnement et ( modélisation)</a:t>
-            </a:r>
-          </a:p>
-          <a:p>
-            <a:endParaRPr lang="fr-FR" dirty="0"/>
-          </a:p>
-          <a:p>
-            <a:r>
-              <a:rPr lang="fr-FR" dirty="0"/>
-              <a:t>Tout cela pour l'optimisation des stratégies de marketing. </a:t>
-            </a:r>
-          </a:p>
-          <a:p>
-            <a:r>
-              <a:rPr lang="fr-FR" dirty="0"/>
-              <a:t>( exemple: STP : Segmentation, </a:t>
-            </a:r>
-            <a:r>
-              <a:rPr lang="fr-FR" dirty="0" err="1"/>
-              <a:t>Targetting</a:t>
-            </a:r>
-            <a:r>
-              <a:rPr lang="fr-FR" dirty="0"/>
-              <a:t>, </a:t>
-            </a:r>
-            <a:r>
-              <a:rPr lang="fr-FR" dirty="0" err="1"/>
-              <a:t>Positionning</a:t>
-            </a:r>
-            <a:r>
-              <a:rPr lang="fr-FR" dirty="0"/>
-              <a:t> )</a:t>
-            </a:r>
-            <a:endParaRPr lang="en-US" dirty="0"/>
-          </a:p>
-        </p:txBody>
-      </p:sp>
-      <p:sp>
-        <p:nvSpPr>
-          <p:cNvPr id="10" name="TextBox 9">
-            <a:extLst>
-              <a:ext uri="{FF2B5EF4-FFF2-40B4-BE49-F238E27FC236}">
-                <a16:creationId xmlns:a16="http://schemas.microsoft.com/office/drawing/2014/main" id="{E999E600-182C-80EC-78F6-0A8423FEEE50}"/>
-              </a:ext>
-            </a:extLst>
-          </p:cNvPr>
-          <p:cNvSpPr txBox="1"/>
-          <p:nvPr/>
-        </p:nvSpPr>
-        <p:spPr>
-          <a:xfrm>
-            <a:off x="1089888" y="2587197"/>
-            <a:ext cx="9605819" cy="369332"/>
-          </a:xfrm>
-          <a:prstGeom prst="rect">
-            <a:avLst/>
-          </a:prstGeom>
-          <a:noFill/>
-        </p:spPr>
-        <p:txBody>
-          <a:bodyPr wrap="square">
-            <a:spAutoFit/>
-          </a:bodyPr>
-          <a:lstStyle/>
-          <a:p>
-            <a:r>
-              <a:rPr lang="fr-FR" dirty="0"/>
-              <a:t>INPUT      campagnes de marketing visant à promouvoir la souscription de dépôts à terme (DATA) </a:t>
-            </a:r>
-          </a:p>
-        </p:txBody>
-      </p:sp>
-      <p:sp>
-        <p:nvSpPr>
-          <p:cNvPr id="12" name="TextBox 11">
-            <a:extLst>
-              <a:ext uri="{FF2B5EF4-FFF2-40B4-BE49-F238E27FC236}">
-                <a16:creationId xmlns:a16="http://schemas.microsoft.com/office/drawing/2014/main" id="{94FE13F0-68B3-6D72-385A-D33C06AECD97}"/>
-              </a:ext>
-            </a:extLst>
-          </p:cNvPr>
-          <p:cNvSpPr txBox="1"/>
-          <p:nvPr/>
-        </p:nvSpPr>
-        <p:spPr>
-          <a:xfrm>
-            <a:off x="1163779" y="3267492"/>
-            <a:ext cx="8756076" cy="523220"/>
-          </a:xfrm>
-          <a:prstGeom prst="rect">
-            <a:avLst/>
-          </a:prstGeom>
-          <a:noFill/>
-        </p:spPr>
-        <p:txBody>
-          <a:bodyPr wrap="square">
-            <a:spAutoFit/>
-          </a:bodyPr>
-          <a:lstStyle/>
-          <a:p>
-            <a:r>
-              <a:rPr lang="fr-FR" sz="2800" dirty="0"/>
-              <a:t>L’objectif: la construction de votre outil de prédiction :</a:t>
-            </a:r>
-          </a:p>
-        </p:txBody>
-      </p:sp>
-      <p:sp>
-        <p:nvSpPr>
-          <p:cNvPr id="14" name="TextBox 13">
-            <a:extLst>
-              <a:ext uri="{FF2B5EF4-FFF2-40B4-BE49-F238E27FC236}">
-                <a16:creationId xmlns:a16="http://schemas.microsoft.com/office/drawing/2014/main" id="{8FE11B55-646A-F811-35C8-21A676B64A04}"/>
-              </a:ext>
-            </a:extLst>
-          </p:cNvPr>
-          <p:cNvSpPr txBox="1"/>
-          <p:nvPr/>
-        </p:nvSpPr>
-        <p:spPr>
-          <a:xfrm>
-            <a:off x="1163779" y="4276979"/>
-            <a:ext cx="6096000" cy="369332"/>
-          </a:xfrm>
-          <a:prstGeom prst="rect">
-            <a:avLst/>
-          </a:prstGeom>
-          <a:noFill/>
-        </p:spPr>
-        <p:txBody>
-          <a:bodyPr wrap="square">
-            <a:spAutoFit/>
-          </a:bodyPr>
-          <a:lstStyle/>
-          <a:p>
-            <a:r>
-              <a:rPr lang="fr-FR" dirty="0"/>
-              <a:t>OUTPUT</a:t>
-            </a:r>
-            <a:endParaRPr lang="en-US" dirty="0"/>
-          </a:p>
-        </p:txBody>
-      </p:sp>
-    </p:spTree>
-    <p:extLst>
-      <p:ext uri="{BB962C8B-B14F-4D97-AF65-F5344CB8AC3E}">
-        <p14:creationId xmlns:p14="http://schemas.microsoft.com/office/powerpoint/2010/main" val="3797188916"/>
-      </p:ext>
-    </p:extLst>
-  </p:cSld>
-  <p:clrMapOvr>
-    <a:masterClrMapping/>
-  </p:clrMapOvr>
-</p:sld>
-</file>
-
-<file path=ppt/slides/slide20.xml><?xml version="1.0" encoding="utf-8"?>
+<file path=ppt/slides/slide12.xml><?xml version="1.0" encoding="utf-8"?>
 <p:sld xmlns:a="http://schemas.openxmlformats.org/drawingml/2006/main" xmlns:r="http://schemas.openxmlformats.org/officeDocument/2006/relationships" xmlns:p="http://schemas.openxmlformats.org/presentationml/2006/main">
   <p:cSld>
     <p:spTree>
@@ -8872,7 +5516,7 @@
 </p:sld>
 </file>
 
-<file path=ppt/slides/slide21.xml><?xml version="1.0" encoding="utf-8"?>
+<file path=ppt/slides/slide13.xml><?xml version="1.0" encoding="utf-8"?>
 <p:sld xmlns:a="http://schemas.openxmlformats.org/drawingml/2006/main" xmlns:r="http://schemas.openxmlformats.org/officeDocument/2006/relationships" xmlns:p="http://schemas.openxmlformats.org/presentationml/2006/main">
   <p:cSld>
     <p:spTree>
@@ -9320,7 +5964,7 @@
 </p:sld>
 </file>
 
-<file path=ppt/slides/slide22.xml><?xml version="1.0" encoding="utf-8"?>
+<file path=ppt/slides/slide14.xml><?xml version="1.0" encoding="utf-8"?>
 <p:sld xmlns:a="http://schemas.openxmlformats.org/drawingml/2006/main" xmlns:r="http://schemas.openxmlformats.org/officeDocument/2006/relationships" xmlns:p="http://schemas.openxmlformats.org/presentationml/2006/main">
   <p:cSld>
     <p:spTree>
@@ -9694,7 +6338,7 @@
 </p:sld>
 </file>
 
-<file path=ppt/slides/slide23.xml><?xml version="1.0" encoding="utf-8"?>
+<file path=ppt/slides/slide15.xml><?xml version="1.0" encoding="utf-8"?>
 <p:sld xmlns:a="http://schemas.openxmlformats.org/drawingml/2006/main" xmlns:r="http://schemas.openxmlformats.org/officeDocument/2006/relationships" xmlns:p="http://schemas.openxmlformats.org/presentationml/2006/main">
   <p:cSld>
     <p:spTree>
@@ -10169,7 +6813,7 @@
 </p:sld>
 </file>
 
-<file path=ppt/slides/slide24.xml><?xml version="1.0" encoding="utf-8"?>
+<file path=ppt/slides/slide16.xml><?xml version="1.0" encoding="utf-8"?>
 <p:sld xmlns:a="http://schemas.openxmlformats.org/drawingml/2006/main" xmlns:r="http://schemas.openxmlformats.org/officeDocument/2006/relationships" xmlns:p="http://schemas.openxmlformats.org/presentationml/2006/main">
   <p:cSld>
     <p:spTree>
@@ -10385,7 +7029,7 @@
 </p:sld>
 </file>
 
-<file path=ppt/slides/slide25.xml><?xml version="1.0" encoding="utf-8"?>
+<file path=ppt/slides/slide17.xml><?xml version="1.0" encoding="utf-8"?>
 <p:sld xmlns:a="http://schemas.openxmlformats.org/drawingml/2006/main" xmlns:r="http://schemas.openxmlformats.org/officeDocument/2006/relationships" xmlns:p="http://schemas.openxmlformats.org/presentationml/2006/main">
   <p:cSld>
     <p:spTree>
@@ -10601,7 +7245,7 @@
 </p:sld>
 </file>
 
-<file path=ppt/slides/slide3.xml><?xml version="1.0" encoding="utf-8"?>
+<file path=ppt/slides/slide2.xml><?xml version="1.0" encoding="utf-8"?>
 <p:sld xmlns:a="http://schemas.openxmlformats.org/drawingml/2006/main" xmlns:r="http://schemas.openxmlformats.org/officeDocument/2006/relationships" xmlns:p="http://schemas.openxmlformats.org/presentationml/2006/main">
   <p:cSld>
     <p:spTree>
@@ -10609,7 +7253,7 @@
         <p:cNvPr id="1" name="">
           <a:extLst>
             <a:ext uri="{FF2B5EF4-FFF2-40B4-BE49-F238E27FC236}">
-              <a16:creationId xmlns:a16="http://schemas.microsoft.com/office/drawing/2014/main" id="{D56EC16C-CB12-78B2-AA3B-AA27FE8DD891}"/>
+              <a16:creationId xmlns:a16="http://schemas.microsoft.com/office/drawing/2014/main" id="{99B94DC2-50EB-14D4-D766-1C2D75AB809D}"/>
             </a:ext>
           </a:extLst>
         </p:cNvPr>
@@ -10629,7 +7273,7 @@
           <p:cNvPr id="7" name="Picture 6">
             <a:extLst>
               <a:ext uri="{FF2B5EF4-FFF2-40B4-BE49-F238E27FC236}">
-                <a16:creationId xmlns:a16="http://schemas.microsoft.com/office/drawing/2014/main" id="{D3DC6351-555E-913C-33C6-D8571739618F}"/>
+                <a16:creationId xmlns:a16="http://schemas.microsoft.com/office/drawing/2014/main" id="{E24F9DB6-9A2E-EE3A-95F7-8DCF124E8ED5}"/>
               </a:ext>
             </a:extLst>
           </p:cNvPr>
@@ -10670,7 +7314,7 @@
           <p:cNvPr id="2" name="TextBox 1">
             <a:extLst>
               <a:ext uri="{FF2B5EF4-FFF2-40B4-BE49-F238E27FC236}">
-                <a16:creationId xmlns:a16="http://schemas.microsoft.com/office/drawing/2014/main" id="{10E92823-7C11-8BC4-8741-944C9D867C6F}"/>
+                <a16:creationId xmlns:a16="http://schemas.microsoft.com/office/drawing/2014/main" id="{DCA21BD9-5D88-16C4-9A19-A3B1307366FB}"/>
               </a:ext>
             </a:extLst>
           </p:cNvPr>
@@ -10718,7 +7362,7 @@
           <p:cNvPr id="3" name="TextBox 2">
             <a:extLst>
               <a:ext uri="{FF2B5EF4-FFF2-40B4-BE49-F238E27FC236}">
-                <a16:creationId xmlns:a16="http://schemas.microsoft.com/office/drawing/2014/main" id="{25A28A50-F15F-E9E5-3E4F-F4229A4686D9}"/>
+                <a16:creationId xmlns:a16="http://schemas.microsoft.com/office/drawing/2014/main" id="{63283043-6E42-D122-C80C-120AAA494B00}"/>
               </a:ext>
             </a:extLst>
           </p:cNvPr>
@@ -10766,7 +7410,7 @@
           <p:cNvPr id="4" name="Picture 3">
             <a:extLst>
               <a:ext uri="{FF2B5EF4-FFF2-40B4-BE49-F238E27FC236}">
-                <a16:creationId xmlns:a16="http://schemas.microsoft.com/office/drawing/2014/main" id="{5CAC6BAA-67D7-F961-69AB-CD9D3C764B11}"/>
+                <a16:creationId xmlns:a16="http://schemas.microsoft.com/office/drawing/2014/main" id="{22F70548-668A-DE86-B222-7F826451F8C0}"/>
               </a:ext>
             </a:extLst>
           </p:cNvPr>
@@ -10804,59 +7448,10 @@
           </a:prstGeom>
         </p:spPr>
       </p:pic>
-      <p:sp>
-        <p:nvSpPr>
-          <p:cNvPr id="9" name="TextBox 8">
-            <a:extLst>
-              <a:ext uri="{FF2B5EF4-FFF2-40B4-BE49-F238E27FC236}">
-                <a16:creationId xmlns:a16="http://schemas.microsoft.com/office/drawing/2014/main" id="{F8FA9998-F2F3-8729-9180-E1323F25E981}"/>
-              </a:ext>
-            </a:extLst>
-          </p:cNvPr>
-          <p:cNvSpPr txBox="1"/>
-          <p:nvPr/>
-        </p:nvSpPr>
-        <p:spPr>
-          <a:xfrm>
-            <a:off x="387927" y="2076671"/>
-            <a:ext cx="11037455" cy="1093826"/>
-          </a:xfrm>
-          <a:prstGeom prst="rect">
-            <a:avLst/>
-          </a:prstGeom>
-          <a:noFill/>
-        </p:spPr>
-        <p:txBody>
-          <a:bodyPr wrap="square">
-            <a:spAutoFit/>
-          </a:bodyPr>
-          <a:lstStyle/>
-          <a:p>
-            <a:pPr algn="ctr">
-              <a:lnSpc>
-                <a:spcPct val="150000"/>
-              </a:lnSpc>
-              <a:buNone/>
-            </a:pPr>
-            <a:r>
-              <a:rPr lang="fr-FR" sz="4800" b="1" dirty="0"/>
-              <a:t>A- 12 </a:t>
-            </a:r>
-            <a:r>
-              <a:rPr lang="fr-FR" sz="4800" b="1" dirty="0" err="1"/>
-              <a:t>Theoritical</a:t>
-            </a:r>
-            <a:r>
-              <a:rPr lang="fr-FR" sz="4800" b="1" dirty="0"/>
-              <a:t> concepts</a:t>
-            </a:r>
-          </a:p>
-        </p:txBody>
-      </p:sp>
     </p:spTree>
     <p:extLst>
       <p:ext uri="{BB962C8B-B14F-4D97-AF65-F5344CB8AC3E}">
-        <p14:creationId xmlns:p14="http://schemas.microsoft.com/office/powerpoint/2010/main" val="3772346187"/>
+        <p14:creationId xmlns:p14="http://schemas.microsoft.com/office/powerpoint/2010/main" val="807776159"/>
       </p:ext>
     </p:extLst>
   </p:cSld>
@@ -10866,7 +7461,7 @@
 </p:sld>
 </file>
 
-<file path=ppt/slides/slide4.xml><?xml version="1.0" encoding="utf-8"?>
+<file path=ppt/slides/slide3.xml><?xml version="1.0" encoding="utf-8"?>
 <p:sld xmlns:a="http://schemas.openxmlformats.org/drawingml/2006/main" xmlns:r="http://schemas.openxmlformats.org/officeDocument/2006/relationships" xmlns:p="http://schemas.openxmlformats.org/presentationml/2006/main">
   <p:cSld>
     <p:spTree>
@@ -11083,8 +7678,8 @@
         </p:nvSpPr>
         <p:spPr>
           <a:xfrm>
-            <a:off x="461818" y="762234"/>
-            <a:ext cx="11037455" cy="5585055"/>
+            <a:off x="609599" y="852714"/>
+            <a:ext cx="10409381" cy="5451301"/>
           </a:xfrm>
           <a:prstGeom prst="rect">
             <a:avLst/>
@@ -11103,7 +7698,7 @@
               </a:lnSpc>
               <a:buNone/>
             </a:pPr>
-            <a:endParaRPr lang="fr-FR" sz="2000" b="1" dirty="0"/>
+            <a:endParaRPr lang="fr-FR" b="1" dirty="0"/>
           </a:p>
           <a:p>
             <a:pPr>
@@ -11113,27 +7708,28 @@
               <a:buNone/>
             </a:pPr>
             <a:r>
-              <a:rPr lang="fr-FR" sz="2000" b="1" dirty="0"/>
+              <a:rPr lang="fr-FR" b="1" dirty="0"/>
               <a:t>1️⃣ Apprentissage supervisé</a:t>
             </a:r>
             <a:br>
-              <a:rPr lang="fr-FR" sz="2000" dirty="0"/>
+              <a:rPr lang="fr-FR" dirty="0"/>
             </a:br>
             <a:r>
-              <a:rPr lang="fr-FR" sz="2000" dirty="0"/>
+              <a:rPr lang="fr-FR" dirty="0"/>
               <a:t>Apprentissage à partir de données étiquetées pour prédire une réponse connue.</a:t>
             </a:r>
             <a:br>
-              <a:rPr lang="fr-FR" sz="2000" dirty="0"/>
+              <a:rPr lang="fr-FR" dirty="0"/>
             </a:br>
             <a:r>
-              <a:rPr lang="fr-FR" sz="2000" dirty="0"/>
+              <a:rPr lang="fr-FR" dirty="0"/>
               <a:t>	🌟 </a:t>
             </a:r>
             <a:r>
-              <a:rPr lang="fr-FR" sz="2000" i="1" dirty="0"/>
+              <a:rPr lang="fr-FR" i="1" dirty="0"/>
               <a:t>Exemple : prédire le revenu d’une personne à partir de son âge et métier.</a:t>
             </a:r>
+            <a:endParaRPr lang="fr-FR" dirty="0"/>
           </a:p>
           <a:p>
             <a:pPr>
@@ -11142,7 +7738,29 @@
               </a:lnSpc>
               <a:buNone/>
             </a:pPr>
-            <a:endParaRPr lang="fr-FR" sz="2000" dirty="0"/>
+            <a:r>
+              <a:rPr lang="fr-FR" b="1" dirty="0"/>
+              <a:t>2️⃣ Données étiquetées</a:t>
+            </a:r>
+            <a:br>
+              <a:rPr lang="fr-FR" dirty="0"/>
+            </a:br>
+            <a:r>
+              <a:rPr lang="fr-FR" dirty="0"/>
+              <a:t>Exemples avec la bonne réponse connue (le label).</a:t>
+            </a:r>
+            <a:br>
+              <a:rPr lang="fr-FR" dirty="0"/>
+            </a:br>
+            <a:r>
+              <a:rPr lang="fr-FR" dirty="0"/>
+              <a:t>	🌟 </a:t>
+            </a:r>
+            <a:r>
+              <a:rPr lang="fr-FR" i="1" dirty="0"/>
+              <a:t>Exemple : tableau d’emails marqués “spam” ou “non spam”.</a:t>
+            </a:r>
+            <a:endParaRPr lang="fr-FR" dirty="0"/>
           </a:p>
           <a:p>
             <a:pPr>
@@ -11152,67 +7770,58 @@
               <a:buNone/>
             </a:pPr>
             <a:r>
-              <a:rPr lang="fr-FR" sz="2000" b="1" dirty="0"/>
-              <a:t>2️⃣ Données étiquetées</a:t>
+              <a:rPr lang="fr-FR" b="1" dirty="0"/>
+              <a:t>3️⃣ Classification supervisée</a:t>
             </a:r>
             <a:br>
-              <a:rPr lang="fr-FR" sz="2000" dirty="0"/>
+              <a:rPr lang="fr-FR" dirty="0"/>
             </a:br>
             <a:r>
-              <a:rPr lang="fr-FR" sz="2000" dirty="0"/>
-              <a:t>Exemples avec la bonne réponse connue (le label).</a:t>
+              <a:rPr lang="fr-FR" dirty="0"/>
+              <a:t>Prédire la catégorie d’une donnée.</a:t>
             </a:r>
             <a:br>
-              <a:rPr lang="fr-FR" sz="2000" dirty="0"/>
+              <a:rPr lang="fr-FR" dirty="0"/>
             </a:br>
             <a:r>
-              <a:rPr lang="fr-FR" sz="2000" dirty="0"/>
+              <a:rPr lang="fr-FR" dirty="0"/>
               <a:t>	🌟 </a:t>
             </a:r>
             <a:r>
-              <a:rPr lang="fr-FR" sz="2000" i="1" dirty="0"/>
-              <a:t>Exemple : tableau d’emails marqués “spam” ou “non spam”.</a:t>
-            </a:r>
+              <a:rPr lang="fr-FR" i="1" dirty="0"/>
+              <a:t>Exemple : prédire si un client va souscrire à un produit bancaire (oui/non).</a:t>
+            </a:r>
+            <a:endParaRPr lang="fr-FR" dirty="0"/>
           </a:p>
           <a:p>
             <a:pPr>
               <a:lnSpc>
                 <a:spcPct val="150000"/>
               </a:lnSpc>
-              <a:buNone/>
             </a:pPr>
-            <a:endParaRPr lang="fr-FR" sz="2000" dirty="0"/>
-          </a:p>
-          <a:p>
-            <a:pPr>
-              <a:lnSpc>
-                <a:spcPct val="150000"/>
-              </a:lnSpc>
-              <a:buNone/>
-            </a:pPr>
-            <a:r>
-              <a:rPr lang="fr-FR" sz="2000" b="1" dirty="0"/>
-              <a:t>3️⃣ Classification supervisée</a:t>
+            <a:r>
+              <a:rPr lang="fr-FR" b="1" dirty="0"/>
+              <a:t>4️⃣ Modèle d’IA</a:t>
             </a:r>
             <a:br>
-              <a:rPr lang="fr-FR" sz="2000" dirty="0"/>
+              <a:rPr lang="fr-FR" dirty="0"/>
             </a:br>
             <a:r>
-              <a:rPr lang="fr-FR" sz="2000" dirty="0"/>
-              <a:t>Prédire la catégorie d’une donnée.</a:t>
+              <a:rPr lang="fr-FR" dirty="0"/>
+              <a:t>Outil qui apprend à prédire grâce aux données d’entraînement.</a:t>
             </a:r>
             <a:br>
-              <a:rPr lang="fr-FR" sz="2000" dirty="0"/>
+              <a:rPr lang="fr-FR" dirty="0"/>
             </a:br>
             <a:r>
-              <a:rPr lang="fr-FR" sz="2000" dirty="0"/>
+              <a:rPr lang="fr-FR" dirty="0"/>
               <a:t>	🌟 </a:t>
             </a:r>
             <a:r>
-              <a:rPr lang="fr-FR" sz="2000" i="1" dirty="0"/>
-              <a:t>Exemple : prédire si un client va souscrire à un produit bancaire (oui/non).</a:t>
-            </a:r>
-            <a:endParaRPr lang="fr-FR" sz="2000" dirty="0"/>
+              <a:rPr lang="fr-FR" i="1" dirty="0"/>
+              <a:t>Exemple : modèle qui distingue un chat d’un chien sur une image.</a:t>
+            </a:r>
+            <a:endParaRPr lang="fr-FR" dirty="0"/>
           </a:p>
         </p:txBody>
       </p:sp>
@@ -11229,7 +7838,7 @@
 </p:sld>
 </file>
 
-<file path=ppt/slides/slide5.xml><?xml version="1.0" encoding="utf-8"?>
+<file path=ppt/slides/slide4.xml><?xml version="1.0" encoding="utf-8"?>
 <p:sld xmlns:a="http://schemas.openxmlformats.org/drawingml/2006/main" xmlns:r="http://schemas.openxmlformats.org/officeDocument/2006/relationships" xmlns:p="http://schemas.openxmlformats.org/presentationml/2006/main">
   <p:cSld>
     <p:spTree>
@@ -11446,8 +8055,8 @@
         </p:nvSpPr>
         <p:spPr>
           <a:xfrm>
-            <a:off x="692727" y="1226763"/>
-            <a:ext cx="10206182" cy="5123390"/>
+            <a:off x="720436" y="921963"/>
+            <a:ext cx="10206182" cy="5035802"/>
           </a:xfrm>
           <a:prstGeom prst="rect">
             <a:avLst/>
@@ -11459,36 +8068,6 @@
             <a:spAutoFit/>
           </a:bodyPr>
           <a:lstStyle/>
-          <a:p>
-            <a:pPr>
-              <a:lnSpc>
-                <a:spcPct val="150000"/>
-              </a:lnSpc>
-            </a:pPr>
-            <a:r>
-              <a:rPr lang="fr-FR" sz="2000" b="1" dirty="0"/>
-              <a:t>4️⃣ Modèle d’IA</a:t>
-            </a:r>
-            <a:br>
-              <a:rPr lang="fr-FR" sz="2000" dirty="0"/>
-            </a:br>
-            <a:r>
-              <a:rPr lang="fr-FR" sz="2000" dirty="0"/>
-              <a:t>Outil qui apprend à prédire grâce aux données d’entraînement.</a:t>
-            </a:r>
-            <a:br>
-              <a:rPr lang="fr-FR" sz="2000" dirty="0"/>
-            </a:br>
-            <a:r>
-              <a:rPr lang="fr-FR" sz="2000" dirty="0"/>
-              <a:t>	🌟 </a:t>
-            </a:r>
-            <a:r>
-              <a:rPr lang="fr-FR" sz="2000" i="1" dirty="0"/>
-              <a:t>Exemple : modèle qui distingue un chat d’un chien sur une image.</a:t>
-            </a:r>
-            <a:endParaRPr lang="fr-FR" sz="2000" dirty="0"/>
-          </a:p>
           <a:p>
             <a:pPr>
               <a:lnSpc>
@@ -11496,7 +8075,29 @@
               </a:lnSpc>
               <a:buNone/>
             </a:pPr>
-            <a:endParaRPr lang="fr-FR" sz="2000" b="1" dirty="0"/>
+            <a:r>
+              <a:rPr lang="fr-FR" b="1" dirty="0"/>
+              <a:t>5️⃣ Données d’entraînement</a:t>
+            </a:r>
+            <a:br>
+              <a:rPr lang="fr-FR" dirty="0"/>
+            </a:br>
+            <a:r>
+              <a:rPr lang="fr-FR" dirty="0"/>
+              <a:t>Données connues servant à faire apprendre le modèle.</a:t>
+            </a:r>
+            <a:br>
+              <a:rPr lang="fr-FR" dirty="0"/>
+            </a:br>
+            <a:r>
+              <a:rPr lang="fr-FR" dirty="0"/>
+              <a:t>	🌟 </a:t>
+            </a:r>
+            <a:r>
+              <a:rPr lang="fr-FR" i="1" dirty="0"/>
+              <a:t>Exemple : 1000 profils clients déjà classés “souscrit/pas souscrit”.</a:t>
+            </a:r>
+            <a:endParaRPr lang="fr-FR" dirty="0"/>
           </a:p>
           <a:p>
             <a:pPr>
@@ -11506,27 +8107,36 @@
               <a:buNone/>
             </a:pPr>
             <a:r>
-              <a:rPr lang="fr-FR" sz="2000" b="1" dirty="0"/>
-              <a:t>5️⃣ Données d’entraînement</a:t>
+              <a:rPr lang="fr-FR" b="1" dirty="0"/>
+              <a:t>6️⃣ Donnée cible (</a:t>
+            </a:r>
+            <a:r>
+              <a:rPr lang="fr-FR" b="1" dirty="0" err="1"/>
+              <a:t>target</a:t>
+            </a:r>
+            <a:r>
+              <a:rPr lang="fr-FR" b="1" dirty="0"/>
+              <a:t>)</a:t>
             </a:r>
             <a:br>
-              <a:rPr lang="fr-FR" sz="2000" dirty="0"/>
+              <a:rPr lang="fr-FR" dirty="0"/>
             </a:br>
             <a:r>
-              <a:rPr lang="fr-FR" sz="2000" dirty="0"/>
-              <a:t>Données connues servant à faire apprendre le modèle.</a:t>
+              <a:rPr lang="fr-FR" dirty="0"/>
+              <a:t>La variable à prédire.</a:t>
             </a:r>
             <a:br>
-              <a:rPr lang="fr-FR" sz="2000" dirty="0"/>
+              <a:rPr lang="fr-FR" dirty="0"/>
             </a:br>
             <a:r>
-              <a:rPr lang="fr-FR" sz="2000" dirty="0"/>
+              <a:rPr lang="fr-FR" dirty="0"/>
               <a:t>	🌟 </a:t>
             </a:r>
             <a:r>
-              <a:rPr lang="fr-FR" sz="2000" i="1" dirty="0"/>
-              <a:t>Exemple : 1000 profils clients déjà classés “souscrit/pas souscrit”.</a:t>
-            </a:r>
+              <a:rPr lang="fr-FR" i="1" dirty="0"/>
+              <a:t>Exemple : la colonne “souscrit = oui / non” dans le tableau.</a:t>
+            </a:r>
+            <a:endParaRPr lang="fr-FR" dirty="0"/>
           </a:p>
           <a:p>
             <a:pPr>
@@ -11535,46 +8145,67 @@
               </a:lnSpc>
               <a:buNone/>
             </a:pPr>
-            <a:endParaRPr lang="fr-FR" sz="2000" dirty="0"/>
+            <a:r>
+              <a:rPr lang="fr-FR" b="1" dirty="0"/>
+              <a:t>7️⃣ Phase d’entraînement</a:t>
+            </a:r>
+            <a:br>
+              <a:rPr lang="fr-FR" dirty="0"/>
+            </a:br>
+            <a:r>
+              <a:rPr lang="fr-FR" dirty="0"/>
+              <a:t>Ajuster le modèle pour bien reproduire les résultats attendus.</a:t>
+            </a:r>
+            <a:br>
+              <a:rPr lang="fr-FR" dirty="0"/>
+            </a:br>
+            <a:r>
+              <a:rPr lang="fr-FR" dirty="0"/>
+              <a:t>	🌟 </a:t>
+            </a:r>
+            <a:r>
+              <a:rPr lang="fr-FR" i="1" dirty="0"/>
+              <a:t>Exemple : apprendre à reconnaître les clients susceptibles de souscrire.</a:t>
+            </a:r>
+            <a:endParaRPr lang="fr-FR" dirty="0"/>
           </a:p>
           <a:p>
             <a:pPr>
               <a:lnSpc>
                 <a:spcPct val="150000"/>
               </a:lnSpc>
-              <a:buNone/>
             </a:pPr>
             <a:r>
-              <a:rPr lang="fr-FR" sz="2000" b="1" dirty="0"/>
-              <a:t>6️⃣ Donnée cible (</a:t>
-            </a:r>
-            <a:r>
-              <a:rPr lang="fr-FR" sz="2000" b="1" dirty="0" err="1"/>
-              <a:t>target</a:t>
-            </a:r>
-            <a:r>
-              <a:rPr lang="fr-FR" sz="2000" b="1" dirty="0"/>
-              <a:t>)</a:t>
+              <a:rPr lang="fr-FR" b="1" dirty="0"/>
+              <a:t>8️⃣ Phase de prédiction</a:t>
             </a:r>
             <a:br>
-              <a:rPr lang="fr-FR" sz="2000" dirty="0"/>
+              <a:rPr lang="fr-FR" dirty="0"/>
             </a:br>
             <a:r>
-              <a:rPr lang="fr-FR" sz="2000" dirty="0"/>
-              <a:t>La variable à prédire.</a:t>
+              <a:rPr lang="fr-FR" dirty="0"/>
+              <a:t>Utiliser le modèle pour estimer de nouvelles réponses.</a:t>
             </a:r>
             <a:br>
-              <a:rPr lang="fr-FR" sz="2000" dirty="0"/>
+              <a:rPr lang="fr-FR" dirty="0"/>
             </a:br>
             <a:r>
-              <a:rPr lang="fr-FR" sz="2000" dirty="0"/>
+              <a:rPr lang="fr-FR" dirty="0"/>
               <a:t>	🌟 </a:t>
             </a:r>
             <a:r>
-              <a:rPr lang="fr-FR" sz="2000" i="1" dirty="0"/>
-              <a:t>Exemple : la colonne “souscrit = oui / non” dans le tableau.</a:t>
-            </a:r>
-            <a:endParaRPr lang="fr-FR" sz="2000" dirty="0"/>
+              <a:rPr lang="fr-FR" i="1" dirty="0"/>
+              <a:t>Exemple : prévoir si un </a:t>
+            </a:r>
+            <a:r>
+              <a:rPr lang="fr-FR" b="1" i="1" dirty="0"/>
+              <a:t>nouveau</a:t>
+            </a:r>
+            <a:r>
+              <a:rPr lang="fr-FR" i="1" dirty="0"/>
+              <a:t> client va souscrire.</a:t>
+            </a:r>
+            <a:endParaRPr lang="fr-FR" dirty="0"/>
           </a:p>
         </p:txBody>
       </p:sp>
@@ -11591,7 +8222,7 @@
 </p:sld>
 </file>
 
-<file path=ppt/slides/slide6.xml><?xml version="1.0" encoding="utf-8"?>
+<file path=ppt/slides/slide5.xml><?xml version="1.0" encoding="utf-8"?>
 <p:sld xmlns:a="http://schemas.openxmlformats.org/drawingml/2006/main" xmlns:r="http://schemas.openxmlformats.org/officeDocument/2006/relationships" xmlns:p="http://schemas.openxmlformats.org/presentationml/2006/main">
   <p:cSld>
     <p:spTree>
@@ -11808,8 +8439,8 @@
         </p:nvSpPr>
         <p:spPr>
           <a:xfrm>
-            <a:off x="548697" y="1231475"/>
-            <a:ext cx="10695709" cy="5123390"/>
+            <a:off x="665017" y="1289087"/>
+            <a:ext cx="10695709" cy="5035802"/>
           </a:xfrm>
           <a:prstGeom prst="rect">
             <a:avLst/>
@@ -11821,45 +8452,6 @@
             <a:spAutoFit/>
           </a:bodyPr>
           <a:lstStyle/>
-          <a:p>
-            <a:pPr>
-              <a:lnSpc>
-                <a:spcPct val="150000"/>
-              </a:lnSpc>
-              <a:buNone/>
-            </a:pPr>
-            <a:r>
-              <a:rPr lang="fr-FR" sz="2000" b="1" dirty="0"/>
-              <a:t>7️⃣ Phase d’entraînement</a:t>
-            </a:r>
-            <a:br>
-              <a:rPr lang="fr-FR" sz="2000" dirty="0"/>
-            </a:br>
-            <a:r>
-              <a:rPr lang="fr-FR" sz="2000" dirty="0"/>
-              <a:t>Ajuster le modèle pour bien reproduire les résultats attendus.</a:t>
-            </a:r>
-            <a:br>
-              <a:rPr lang="fr-FR" sz="2000" dirty="0"/>
-            </a:br>
-            <a:r>
-              <a:rPr lang="fr-FR" sz="2000" dirty="0"/>
-              <a:t>	🌟 </a:t>
-            </a:r>
-            <a:r>
-              <a:rPr lang="fr-FR" sz="2000" i="1" dirty="0"/>
-              <a:t>Exemple : apprendre à reconnaître les clients susceptibles de souscrire.</a:t>
-            </a:r>
-          </a:p>
-          <a:p>
-            <a:pPr>
-              <a:lnSpc>
-                <a:spcPct val="150000"/>
-              </a:lnSpc>
-              <a:buNone/>
-            </a:pPr>
-            <a:endParaRPr lang="fr-FR" sz="2000" dirty="0"/>
-          </a:p>
           <a:p>
             <a:pPr>
               <a:lnSpc>
@@ -11867,35 +8459,28 @@
               </a:lnSpc>
             </a:pPr>
             <a:r>
-              <a:rPr lang="fr-FR" sz="2000" b="1" dirty="0"/>
-              <a:t>8️⃣ Phase de prédiction</a:t>
+              <a:rPr lang="fr-FR" b="1" dirty="0"/>
+              <a:t>9️⃣ Prétraitement des données</a:t>
             </a:r>
             <a:br>
-              <a:rPr lang="fr-FR" sz="2000" dirty="0"/>
+              <a:rPr lang="fr-FR" dirty="0"/>
             </a:br>
             <a:r>
-              <a:rPr lang="fr-FR" sz="2000" dirty="0"/>
-              <a:t>Utiliser le modèle pour estimer de nouvelles réponses.</a:t>
+              <a:rPr lang="fr-FR" dirty="0"/>
+              <a:t>Nettoyer et préparer les données pour de meilleurs résultats.</a:t>
             </a:r>
             <a:br>
-              <a:rPr lang="fr-FR" sz="2000" dirty="0"/>
+              <a:rPr lang="fr-FR" dirty="0"/>
             </a:br>
             <a:r>
-              <a:rPr lang="fr-FR" sz="2000" dirty="0"/>
+              <a:rPr lang="fr-FR" dirty="0"/>
               <a:t>	🌟 </a:t>
             </a:r>
             <a:r>
-              <a:rPr lang="fr-FR" sz="2000" i="1" dirty="0"/>
-              <a:t>Exemple : prévoir si un </a:t>
-            </a:r>
-            <a:r>
-              <a:rPr lang="fr-FR" sz="2000" b="1" i="1" dirty="0"/>
-              <a:t>nouveau</a:t>
-            </a:r>
-            <a:r>
-              <a:rPr lang="fr-FR" sz="2000" i="1" dirty="0"/>
-              <a:t> client va souscrire.</a:t>
-            </a:r>
+              <a:rPr lang="fr-FR" i="1" dirty="0"/>
+              <a:t>Exemple : remplacer des valeurs manquantes par la moyenne.</a:t>
+            </a:r>
+            <a:endParaRPr lang="fr-FR" dirty="0"/>
           </a:p>
           <a:p>
             <a:pPr>
@@ -11903,7 +8488,41 @@
                 <a:spcPct val="150000"/>
               </a:lnSpc>
             </a:pPr>
-            <a:endParaRPr lang="fr-FR" sz="2000" dirty="0"/>
+            <a:r>
+              <a:rPr lang="fr-FR" b="1" dirty="0"/>
+              <a:t>🔟 </a:t>
+            </a:r>
+            <a:r>
+              <a:rPr lang="fr-FR" b="1" dirty="0" err="1"/>
+              <a:t>Accuracy</a:t>
+            </a:r>
+            <a:br>
+              <a:rPr lang="fr-FR" dirty="0"/>
+            </a:br>
+            <a:r>
+              <a:rPr lang="fr-FR" dirty="0"/>
+              <a:t>Pourcentage de bonnes prédictions sur le test.</a:t>
+            </a:r>
+            <a:br>
+              <a:rPr lang="fr-FR" dirty="0"/>
+            </a:br>
+            <a:r>
+              <a:rPr lang="fr-FR" dirty="0"/>
+              <a:t>	🌟 </a:t>
+            </a:r>
+            <a:r>
+              <a:rPr lang="fr-FR" i="1" dirty="0"/>
+              <a:t>Exemple : 90 emails correctement classés sur 100 = 90 % d’</a:t>
+            </a:r>
+            <a:r>
+              <a:rPr lang="fr-FR" i="1" dirty="0" err="1"/>
+              <a:t>accuracy</a:t>
+            </a:r>
+            <a:r>
+              <a:rPr lang="fr-FR" i="1" dirty="0"/>
+              <a:t>.</a:t>
+            </a:r>
+            <a:endParaRPr lang="fr-FR" dirty="0"/>
           </a:p>
           <a:p>
             <a:pPr>
@@ -11912,28 +8531,70 @@
               </a:lnSpc>
             </a:pPr>
             <a:r>
-              <a:rPr lang="fr-FR" sz="2000" b="1" dirty="0"/>
-              <a:t>9️⃣ Prétraitement des données</a:t>
+              <a:rPr lang="fr-FR" b="1" dirty="0"/>
+              <a:t>1️⃣1️⃣ </a:t>
+            </a:r>
+            <a:r>
+              <a:rPr lang="fr-FR" b="1" dirty="0" err="1"/>
+              <a:t>AutoML</a:t>
             </a:r>
             <a:br>
-              <a:rPr lang="fr-FR" sz="2000" dirty="0"/>
+              <a:rPr lang="fr-FR" dirty="0"/>
             </a:br>
             <a:r>
-              <a:rPr lang="fr-FR" sz="2000" dirty="0"/>
-              <a:t>Nettoyer et préparer les données pour de meilleurs résultats.</a:t>
+              <a:rPr lang="fr-FR" dirty="0"/>
+              <a:t>Automatiser la création de modèles, pratique pour débuter.</a:t>
             </a:r>
             <a:br>
-              <a:rPr lang="fr-FR" sz="2000" dirty="0"/>
+              <a:rPr lang="fr-FR" dirty="0"/>
             </a:br>
             <a:r>
-              <a:rPr lang="fr-FR" sz="2000" dirty="0"/>
+              <a:rPr lang="fr-FR" dirty="0"/>
               <a:t>	🌟 </a:t>
             </a:r>
             <a:r>
-              <a:rPr lang="fr-FR" sz="2000" i="1" dirty="0"/>
-              <a:t>Exemple : remplacer des valeurs manquantes par la moyenne.</a:t>
-            </a:r>
-            <a:endParaRPr lang="fr-FR" sz="2000" dirty="0"/>
+              <a:rPr lang="fr-FR" i="1" dirty="0"/>
+              <a:t>Exemple : </a:t>
+            </a:r>
+            <a:r>
+              <a:rPr lang="fr-FR" i="1" dirty="0" err="1"/>
+              <a:t>PyCaret</a:t>
+            </a:r>
+            <a:r>
+              <a:rPr lang="fr-FR" i="1" dirty="0"/>
+              <a:t> qui choisit automatiquement le meilleur modèle.</a:t>
+            </a:r>
+            <a:endParaRPr lang="fr-FR" dirty="0"/>
+          </a:p>
+          <a:p>
+            <a:pPr>
+              <a:lnSpc>
+                <a:spcPct val="150000"/>
+              </a:lnSpc>
+            </a:pPr>
+            <a:r>
+              <a:rPr lang="fr-FR" b="1" dirty="0"/>
+              <a:t>1️⃣2️⃣ Arbre de décision</a:t>
+            </a:r>
+            <a:br>
+              <a:rPr lang="fr-FR" dirty="0"/>
+            </a:br>
+            <a:r>
+              <a:rPr lang="fr-FR" dirty="0"/>
+              <a:t>Modèle en forme d’arbre, avec des règles successives.</a:t>
+            </a:r>
+            <a:br>
+              <a:rPr lang="fr-FR" dirty="0"/>
+            </a:br>
+            <a:r>
+              <a:rPr lang="fr-FR" dirty="0"/>
+              <a:t>	🌟 </a:t>
+            </a:r>
+            <a:r>
+              <a:rPr lang="fr-FR" i="1" dirty="0"/>
+              <a:t>Exemple : « Si âge &gt; 30 → oui, sinon → non ».</a:t>
+            </a:r>
+            <a:endParaRPr lang="fr-FR" dirty="0"/>
           </a:p>
         </p:txBody>
       </p:sp>
@@ -11941,6 +8602,311 @@
     <p:extLst>
       <p:ext uri="{BB962C8B-B14F-4D97-AF65-F5344CB8AC3E}">
         <p14:creationId xmlns:p14="http://schemas.microsoft.com/office/powerpoint/2010/main" val="2977066752"/>
+      </p:ext>
+    </p:extLst>
+  </p:cSld>
+  <p:clrMapOvr>
+    <a:masterClrMapping/>
+  </p:clrMapOvr>
+</p:sld>
+</file>
+
+<file path=ppt/slides/slide6.xml><?xml version="1.0" encoding="utf-8"?>
+<p:sld xmlns:a="http://schemas.openxmlformats.org/drawingml/2006/main" xmlns:r="http://schemas.openxmlformats.org/officeDocument/2006/relationships" xmlns:p="http://schemas.openxmlformats.org/presentationml/2006/main">
+  <p:cSld>
+    <p:spTree>
+      <p:nvGrpSpPr>
+        <p:cNvPr id="1" name="">
+          <a:extLst>
+            <a:ext uri="{FF2B5EF4-FFF2-40B4-BE49-F238E27FC236}">
+              <a16:creationId xmlns:a16="http://schemas.microsoft.com/office/drawing/2014/main" id="{F1C78EBD-7DE1-7E00-43A8-F322706C7C71}"/>
+            </a:ext>
+          </a:extLst>
+        </p:cNvPr>
+        <p:cNvGrpSpPr/>
+        <p:nvPr/>
+      </p:nvGrpSpPr>
+      <p:grpSpPr>
+        <a:xfrm>
+          <a:off x="0" y="0"/>
+          <a:ext cx="0" cy="0"/>
+          <a:chOff x="0" y="0"/>
+          <a:chExt cx="0" cy="0"/>
+        </a:xfrm>
+      </p:grpSpPr>
+      <p:pic>
+        <p:nvPicPr>
+          <p:cNvPr id="7" name="Picture 6">
+            <a:extLst>
+              <a:ext uri="{FF2B5EF4-FFF2-40B4-BE49-F238E27FC236}">
+                <a16:creationId xmlns:a16="http://schemas.microsoft.com/office/drawing/2014/main" id="{6A0B8EF5-512D-6911-1C03-21F589791948}"/>
+              </a:ext>
+            </a:extLst>
+          </p:cNvPr>
+          <p:cNvPicPr>
+            <a:picLocks noChangeAspect="1"/>
+          </p:cNvPicPr>
+          <p:nvPr/>
+        </p:nvPicPr>
+        <p:blipFill>
+          <a:blip r:embed="rId2">
+            <a:extLst>
+              <a:ext uri="{BEBA8EAE-BF5A-486C-A8C5-ECC9F3942E4B}">
+                <a14:imgProps xmlns:a14="http://schemas.microsoft.com/office/drawing/2010/main">
+                  <a14:imgLayer r:embed="rId3">
+                    <a14:imgEffect>
+                      <a14:saturation sat="0"/>
+                    </a14:imgEffect>
+                  </a14:imgLayer>
+                </a14:imgProps>
+              </a:ext>
+            </a:extLst>
+          </a:blip>
+          <a:srcRect l="65947" r="3227" b="69068"/>
+          <a:stretch/>
+        </p:blipFill>
+        <p:spPr>
+          <a:xfrm>
+            <a:off x="10291479" y="111053"/>
+            <a:ext cx="1730697" cy="543598"/>
+          </a:xfrm>
+          <a:prstGeom prst="rect">
+            <a:avLst/>
+          </a:prstGeom>
+        </p:spPr>
+      </p:pic>
+      <p:sp>
+        <p:nvSpPr>
+          <p:cNvPr id="2" name="TextBox 1">
+            <a:extLst>
+              <a:ext uri="{FF2B5EF4-FFF2-40B4-BE49-F238E27FC236}">
+                <a16:creationId xmlns:a16="http://schemas.microsoft.com/office/drawing/2014/main" id="{3AD44DF1-4A88-C657-F9B1-4CA12F2F9D67}"/>
+              </a:ext>
+            </a:extLst>
+          </p:cNvPr>
+          <p:cNvSpPr txBox="1"/>
+          <p:nvPr/>
+        </p:nvSpPr>
+        <p:spPr>
+          <a:xfrm>
+            <a:off x="177755" y="6532994"/>
+            <a:ext cx="2667762" cy="230832"/>
+          </a:xfrm>
+          <a:prstGeom prst="rect">
+            <a:avLst/>
+          </a:prstGeom>
+          <a:noFill/>
+        </p:spPr>
+        <p:txBody>
+          <a:bodyPr wrap="square" rtlCol="0">
+            <a:spAutoFit/>
+          </a:bodyPr>
+          <a:lstStyle/>
+          <a:p>
+            <a:r>
+              <a:rPr lang="en-US" sz="900" dirty="0">
+                <a:solidFill>
+                  <a:schemeClr val="bg1">
+                    <a:lumMod val="65000"/>
+                  </a:schemeClr>
+                </a:solidFill>
+              </a:rPr>
+              <a:t>Presented by: Redha &amp; Rooney</a:t>
+            </a:r>
+            <a:endParaRPr lang="fr-FR" sz="900" dirty="0">
+              <a:solidFill>
+                <a:schemeClr val="bg1">
+                  <a:lumMod val="65000"/>
+                </a:schemeClr>
+              </a:solidFill>
+            </a:endParaRPr>
+          </a:p>
+        </p:txBody>
+      </p:sp>
+      <p:sp>
+        <p:nvSpPr>
+          <p:cNvPr id="3" name="TextBox 2">
+            <a:extLst>
+              <a:ext uri="{FF2B5EF4-FFF2-40B4-BE49-F238E27FC236}">
+                <a16:creationId xmlns:a16="http://schemas.microsoft.com/office/drawing/2014/main" id="{00936E92-6088-9286-322C-2940701E3F39}"/>
+              </a:ext>
+            </a:extLst>
+          </p:cNvPr>
+          <p:cNvSpPr txBox="1"/>
+          <p:nvPr/>
+        </p:nvSpPr>
+        <p:spPr>
+          <a:xfrm>
+            <a:off x="11244406" y="6582892"/>
+            <a:ext cx="777770" cy="230832"/>
+          </a:xfrm>
+          <a:prstGeom prst="rect">
+            <a:avLst/>
+          </a:prstGeom>
+          <a:noFill/>
+        </p:spPr>
+        <p:txBody>
+          <a:bodyPr wrap="square" rtlCol="0">
+            <a:spAutoFit/>
+          </a:bodyPr>
+          <a:lstStyle/>
+          <a:p>
+            <a:r>
+              <a:rPr lang="en-US" sz="900" dirty="0">
+                <a:solidFill>
+                  <a:schemeClr val="bg1">
+                    <a:lumMod val="65000"/>
+                  </a:schemeClr>
+                </a:solidFill>
+              </a:rPr>
+              <a:t>07/07/2025</a:t>
+            </a:r>
+            <a:endParaRPr lang="fr-FR" sz="900" dirty="0">
+              <a:solidFill>
+                <a:schemeClr val="bg1">
+                  <a:lumMod val="65000"/>
+                </a:schemeClr>
+              </a:solidFill>
+            </a:endParaRPr>
+          </a:p>
+        </p:txBody>
+      </p:sp>
+      <p:pic>
+        <p:nvPicPr>
+          <p:cNvPr id="4" name="Picture 3">
+            <a:extLst>
+              <a:ext uri="{FF2B5EF4-FFF2-40B4-BE49-F238E27FC236}">
+                <a16:creationId xmlns:a16="http://schemas.microsoft.com/office/drawing/2014/main" id="{D28458BF-DFE0-E205-111D-953C99FA6736}"/>
+              </a:ext>
+            </a:extLst>
+          </p:cNvPr>
+          <p:cNvPicPr>
+            <a:picLocks noChangeAspect="1"/>
+          </p:cNvPicPr>
+          <p:nvPr/>
+        </p:nvPicPr>
+        <p:blipFill>
+          <a:blip r:embed="rId4">
+            <a:extLst>
+              <a:ext uri="{BEBA8EAE-BF5A-486C-A8C5-ECC9F3942E4B}">
+                <a14:imgProps xmlns:a14="http://schemas.microsoft.com/office/drawing/2010/main">
+                  <a14:imgLayer r:embed="rId5">
+                    <a14:imgEffect>
+                      <a14:saturation sat="0"/>
+                    </a14:imgEffect>
+                  </a14:imgLayer>
+                </a14:imgProps>
+              </a:ext>
+            </a:extLst>
+          </a:blip>
+          <a:srcRect t="-28943" r="42651" b="28943"/>
+          <a:stretch>
+            <a:fillRect/>
+          </a:stretch>
+        </p:blipFill>
+        <p:spPr>
+          <a:xfrm>
+            <a:off x="86697" y="-146164"/>
+            <a:ext cx="1730697" cy="908398"/>
+          </a:xfrm>
+          <a:prstGeom prst="rect">
+            <a:avLst/>
+          </a:prstGeom>
+        </p:spPr>
+      </p:pic>
+      <p:sp>
+        <p:nvSpPr>
+          <p:cNvPr id="8" name="TextBox 7">
+            <a:extLst>
+              <a:ext uri="{FF2B5EF4-FFF2-40B4-BE49-F238E27FC236}">
+                <a16:creationId xmlns:a16="http://schemas.microsoft.com/office/drawing/2014/main" id="{7B338CB7-ECFD-AB64-FFD9-E612B4F8F3F6}"/>
+              </a:ext>
+            </a:extLst>
+          </p:cNvPr>
+          <p:cNvSpPr txBox="1"/>
+          <p:nvPr/>
+        </p:nvSpPr>
+        <p:spPr>
+          <a:xfrm>
+            <a:off x="480291" y="1787758"/>
+            <a:ext cx="11333017" cy="3970318"/>
+          </a:xfrm>
+          <a:prstGeom prst="rect">
+            <a:avLst/>
+          </a:prstGeom>
+          <a:noFill/>
+        </p:spPr>
+        <p:txBody>
+          <a:bodyPr wrap="square">
+            <a:spAutoFit/>
+          </a:bodyPr>
+          <a:lstStyle/>
+          <a:p>
+            <a:r>
+              <a:rPr lang="en-US" dirty="0"/>
+              <a:t>The data describes clients of a Portuguese bank and their response to marketing calls to subscribe to term deposits.</a:t>
+            </a:r>
+          </a:p>
+          <a:p>
+            <a:endParaRPr lang="en-US" dirty="0"/>
+          </a:p>
+          <a:p>
+            <a:r>
+              <a:rPr lang="en-US" dirty="0"/>
+              <a:t>The target variable is whether they subscribed (yes/no).</a:t>
+            </a:r>
+          </a:p>
+          <a:p>
+            <a:endParaRPr lang="en-US" dirty="0"/>
+          </a:p>
+          <a:p>
+            <a:r>
+              <a:rPr lang="en-US" dirty="0"/>
+              <a:t>There are many features about the client (age, job, marital, education, previous contacts, etc.)</a:t>
+            </a:r>
+          </a:p>
+          <a:p>
+            <a:endParaRPr lang="en-US" dirty="0"/>
+          </a:p>
+          <a:p>
+            <a:r>
+              <a:rPr lang="en-US" dirty="0"/>
+              <a:t>There is a class imbalance — typically very few people actually subscribe.</a:t>
+            </a:r>
+          </a:p>
+          <a:p>
+            <a:endParaRPr lang="en-US" dirty="0"/>
+          </a:p>
+          <a:p>
+            <a:r>
+              <a:rPr lang="en-US" dirty="0"/>
+              <a:t>Campaign features (number of contacts, duration) are also important.</a:t>
+            </a:r>
+          </a:p>
+          <a:p>
+            <a:endParaRPr lang="en-US" dirty="0"/>
+          </a:p>
+          <a:p>
+            <a:r>
+              <a:rPr lang="en-US" dirty="0"/>
+              <a:t>The previous campaign outcome (success/failure) could be a strong predictor.</a:t>
+            </a:r>
+          </a:p>
+          <a:p>
+            <a:endParaRPr lang="en-US" dirty="0"/>
+          </a:p>
+          <a:p>
+            <a:r>
+              <a:rPr lang="en-US" dirty="0"/>
+              <a:t>You’ll need to clean, explore, and transform these features to use them properly.</a:t>
+            </a:r>
+          </a:p>
+        </p:txBody>
+      </p:sp>
+    </p:spTree>
+    <p:extLst>
+      <p:ext uri="{BB962C8B-B14F-4D97-AF65-F5344CB8AC3E}">
+        <p14:creationId xmlns:p14="http://schemas.microsoft.com/office/powerpoint/2010/main" val="3797188916"/>
       </p:ext>
     </p:extLst>
   </p:cSld>
@@ -11958,7 +8924,7 @@
         <p:cNvPr id="1" name="">
           <a:extLst>
             <a:ext uri="{FF2B5EF4-FFF2-40B4-BE49-F238E27FC236}">
-              <a16:creationId xmlns:a16="http://schemas.microsoft.com/office/drawing/2014/main" id="{99B94DC2-50EB-14D4-D766-1C2D75AB809D}"/>
+              <a16:creationId xmlns:a16="http://schemas.microsoft.com/office/drawing/2014/main" id="{D6B282EA-1159-F281-F5E8-F3C0ECE8549D}"/>
             </a:ext>
           </a:extLst>
         </p:cNvPr>
@@ -11978,7 +8944,7 @@
           <p:cNvPr id="7" name="Picture 6">
             <a:extLst>
               <a:ext uri="{FF2B5EF4-FFF2-40B4-BE49-F238E27FC236}">
-                <a16:creationId xmlns:a16="http://schemas.microsoft.com/office/drawing/2014/main" id="{E24F9DB6-9A2E-EE3A-95F7-8DCF124E8ED5}"/>
+                <a16:creationId xmlns:a16="http://schemas.microsoft.com/office/drawing/2014/main" id="{904D985C-E014-A118-BB9A-A400FD767A3C}"/>
               </a:ext>
             </a:extLst>
           </p:cNvPr>
@@ -12019,7 +8985,7 @@
           <p:cNvPr id="2" name="TextBox 1">
             <a:extLst>
               <a:ext uri="{FF2B5EF4-FFF2-40B4-BE49-F238E27FC236}">
-                <a16:creationId xmlns:a16="http://schemas.microsoft.com/office/drawing/2014/main" id="{DCA21BD9-5D88-16C4-9A19-A3B1307366FB}"/>
+                <a16:creationId xmlns:a16="http://schemas.microsoft.com/office/drawing/2014/main" id="{127A552B-16C5-00BB-6F4B-433BDA2706BE}"/>
               </a:ext>
             </a:extLst>
           </p:cNvPr>
@@ -12067,7 +9033,7 @@
           <p:cNvPr id="3" name="TextBox 2">
             <a:extLst>
               <a:ext uri="{FF2B5EF4-FFF2-40B4-BE49-F238E27FC236}">
-                <a16:creationId xmlns:a16="http://schemas.microsoft.com/office/drawing/2014/main" id="{63283043-6E42-D122-C80C-120AAA494B00}"/>
+                <a16:creationId xmlns:a16="http://schemas.microsoft.com/office/drawing/2014/main" id="{76A5BDCF-2A25-F4BA-397E-B907133FBC32}"/>
               </a:ext>
             </a:extLst>
           </p:cNvPr>
@@ -12115,7 +9081,7 @@
           <p:cNvPr id="4" name="Picture 3">
             <a:extLst>
               <a:ext uri="{FF2B5EF4-FFF2-40B4-BE49-F238E27FC236}">
-                <a16:creationId xmlns:a16="http://schemas.microsoft.com/office/drawing/2014/main" id="{22F70548-668A-DE86-B222-7F826451F8C0}"/>
+                <a16:creationId xmlns:a16="http://schemas.microsoft.com/office/drawing/2014/main" id="{19C7FB5D-43FC-C7E1-A474-CEDC2DD177B2}"/>
               </a:ext>
             </a:extLst>
           </p:cNvPr>
@@ -12155,25 +9121,145 @@
       </p:pic>
       <p:sp>
         <p:nvSpPr>
-          <p:cNvPr id="6" name="TextBox 5">
-            <a:extLst>
-              <a:ext uri="{FF2B5EF4-FFF2-40B4-BE49-F238E27FC236}">
-                <a16:creationId xmlns:a16="http://schemas.microsoft.com/office/drawing/2014/main" id="{763A7EFA-5780-75A8-B9EE-00356B3EA613}"/>
-              </a:ext>
-            </a:extLst>
-          </p:cNvPr>
-          <p:cNvSpPr txBox="1"/>
+          <p:cNvPr id="5" name="Rectangle 1">
+            <a:extLst>
+              <a:ext uri="{FF2B5EF4-FFF2-40B4-BE49-F238E27FC236}">
+                <a16:creationId xmlns:a16="http://schemas.microsoft.com/office/drawing/2014/main" id="{99C3385D-10BE-D0A9-A6DA-39C85DF6D1BD}"/>
+              </a:ext>
+            </a:extLst>
+          </p:cNvPr>
+          <p:cNvSpPr>
+            <a:spLocks noChangeArrowheads="1"/>
+          </p:cNvSpPr>
           <p:nvPr/>
         </p:nvSpPr>
-        <p:spPr>
-          <a:xfrm>
-            <a:off x="803563" y="1462902"/>
-            <a:ext cx="9882909" cy="5123390"/>
+        <p:spPr bwMode="auto">
+          <a:xfrm>
+            <a:off x="1817394" y="2279134"/>
+            <a:ext cx="7021806" cy="369332"/>
           </a:xfrm>
           <a:prstGeom prst="rect">
             <a:avLst/>
           </a:prstGeom>
           <a:noFill/>
+          <a:ln>
+            <a:noFill/>
+          </a:ln>
+          <a:effectLst/>
+          <a:extLst>
+            <a:ext uri="{909E8E84-426E-40DD-AFC4-6F175D3DCCD1}">
+              <a14:hiddenFill xmlns:a14="http://schemas.microsoft.com/office/drawing/2010/main">
+                <a:solidFill>
+                  <a:schemeClr val="accent1"/>
+                </a:solidFill>
+              </a14:hiddenFill>
+            </a:ext>
+            <a:ext uri="{91240B29-F687-4F45-9708-019B960494DF}">
+              <a14:hiddenLine xmlns:a14="http://schemas.microsoft.com/office/drawing/2010/main" w="9525">
+                <a:solidFill>
+                  <a:schemeClr val="tx1"/>
+                </a:solidFill>
+                <a:miter lim="800000"/>
+                <a:headEnd/>
+                <a:tailEnd/>
+              </a14:hiddenLine>
+            </a:ext>
+            <a:ext uri="{AF507438-7753-43E0-B8FC-AC1667EBCBE1}">
+              <a14:hiddenEffects xmlns:a14="http://schemas.microsoft.com/office/drawing/2010/main">
+                <a:effectLst>
+                  <a:outerShdw dist="35921" dir="2700000" algn="ctr" rotWithShape="0">
+                    <a:schemeClr val="bg2"/>
+                  </a:outerShdw>
+                </a:effectLst>
+              </a14:hiddenEffects>
+            </a:ext>
+          </a:extLst>
+        </p:spPr>
+        <p:txBody>
+          <a:bodyPr vert="horz" wrap="square" lIns="91440" tIns="45720" rIns="91440" bIns="45720" numCol="1" anchor="ctr" anchorCtr="0" compatLnSpc="1">
+            <a:prstTxWarp prst="textNoShape">
+              <a:avLst/>
+            </a:prstTxWarp>
+            <a:spAutoFit/>
+          </a:bodyPr>
+          <a:lstStyle/>
+          <a:p>
+            <a:pPr marL="0" marR="0" lvl="0" indent="0" algn="l" defTabSz="914400" rtl="0" eaLnBrk="0" fontAlgn="base" latinLnBrk="0" hangingPunct="0">
+              <a:lnSpc>
+                <a:spcPct val="100000"/>
+              </a:lnSpc>
+              <a:spcBef>
+                <a:spcPct val="0"/>
+              </a:spcBef>
+              <a:spcAft>
+                <a:spcPct val="0"/>
+              </a:spcAft>
+              <a:buClrTx/>
+              <a:buSzTx/>
+              <a:buFontTx/>
+              <a:buNone/>
+              <a:tabLst/>
+            </a:pPr>
+            <a:r>
+              <a:rPr kumimoji="0" lang="fr-FR" altLang="fr-FR" sz="1800" b="0" i="0" u="none" strike="noStrike" cap="none" normalizeH="0" baseline="0" dirty="0">
+                <a:ln>
+                  <a:noFill/>
+                </a:ln>
+                <a:solidFill>
+                  <a:schemeClr val="tx1"/>
+                </a:solidFill>
+                <a:effectLst/>
+                <a:latin typeface="Arial" panose="020B0604020202020204" pitchFamily="34" charset="0"/>
+              </a:rPr>
+              <a:t>👉 </a:t>
+            </a:r>
+            <a:r>
+              <a:rPr kumimoji="0" lang="fr-FR" altLang="fr-FR" sz="1800" b="1" i="0" u="none" strike="noStrike" cap="none" normalizeH="0" baseline="0" dirty="0">
+                <a:ln>
+                  <a:noFill/>
+                </a:ln>
+                <a:solidFill>
+                  <a:schemeClr val="tx1"/>
+                </a:solidFill>
+                <a:effectLst/>
+                <a:latin typeface="Arial" panose="020B0604020202020204" pitchFamily="34" charset="0"/>
+              </a:rPr>
+              <a:t>(1) Charger les données</a:t>
+            </a:r>
+            <a:endParaRPr kumimoji="0" lang="fr-FR" altLang="fr-FR" sz="1800" b="0" i="0" u="none" strike="noStrike" cap="none" normalizeH="0" baseline="0" dirty="0">
+              <a:ln>
+                <a:noFill/>
+              </a:ln>
+              <a:solidFill>
+                <a:schemeClr val="tx1"/>
+              </a:solidFill>
+              <a:effectLst/>
+              <a:latin typeface="Arial" panose="020B0604020202020204" pitchFamily="34" charset="0"/>
+            </a:endParaRPr>
+          </a:p>
+        </p:txBody>
+      </p:sp>
+      <p:sp>
+        <p:nvSpPr>
+          <p:cNvPr id="8" name="TextBox 7">
+            <a:extLst>
+              <a:ext uri="{FF2B5EF4-FFF2-40B4-BE49-F238E27FC236}">
+                <a16:creationId xmlns:a16="http://schemas.microsoft.com/office/drawing/2014/main" id="{A2EAFBB1-2CD4-2D73-D174-9D29BF310EB5}"/>
+              </a:ext>
+            </a:extLst>
+          </p:cNvPr>
+          <p:cNvSpPr txBox="1"/>
+          <p:nvPr/>
+        </p:nvSpPr>
+        <p:spPr>
+          <a:xfrm>
+            <a:off x="2215642" y="2868640"/>
+            <a:ext cx="6096000" cy="369332"/>
+          </a:xfrm>
+          <a:prstGeom prst="rect">
+            <a:avLst/>
+          </a:prstGeom>
+          <a:noFill/>
         </p:spPr>
         <p:txBody>
           <a:bodyPr wrap="square">
@@ -12181,139 +9267,303 @@
           </a:bodyPr>
           <a:lstStyle/>
           <a:p>
-            <a:pPr>
-              <a:lnSpc>
-                <a:spcPct val="150000"/>
-              </a:lnSpc>
-            </a:pPr>
-            <a:r>
-              <a:rPr lang="fr-FR" sz="2000" b="1" dirty="0"/>
-              <a:t>🔟 </a:t>
-            </a:r>
-            <a:r>
-              <a:rPr lang="fr-FR" sz="2000" b="1" dirty="0" err="1"/>
-              <a:t>Accuracy</a:t>
-            </a:r>
-            <a:br>
-              <a:rPr lang="fr-FR" sz="2000" dirty="0"/>
-            </a:br>
-            <a:r>
-              <a:rPr lang="fr-FR" sz="2000" dirty="0"/>
-              <a:t>Pourcentage de bonnes prédictions sur le test.</a:t>
-            </a:r>
-            <a:br>
-              <a:rPr lang="fr-FR" sz="2000" dirty="0"/>
-            </a:br>
-            <a:r>
-              <a:rPr lang="fr-FR" sz="2000" dirty="0"/>
-              <a:t>	🌟 </a:t>
-            </a:r>
-            <a:r>
-              <a:rPr lang="fr-FR" sz="2000" i="1" dirty="0"/>
-              <a:t>Exemple : 90 emails correctement classés sur 100 = 90 % d’</a:t>
-            </a:r>
-            <a:r>
-              <a:rPr lang="fr-FR" sz="2000" i="1" dirty="0" err="1"/>
-              <a:t>accuracy</a:t>
-            </a:r>
-            <a:r>
-              <a:rPr lang="fr-FR" sz="2000" i="1" dirty="0"/>
-              <a:t>.</a:t>
-            </a:r>
-          </a:p>
-          <a:p>
-            <a:pPr>
-              <a:lnSpc>
-                <a:spcPct val="150000"/>
-              </a:lnSpc>
-            </a:pPr>
-            <a:endParaRPr lang="fr-FR" sz="2000" dirty="0"/>
-          </a:p>
-          <a:p>
-            <a:pPr>
-              <a:lnSpc>
-                <a:spcPct val="150000"/>
-              </a:lnSpc>
-            </a:pPr>
-            <a:r>
-              <a:rPr lang="fr-FR" sz="2000" b="1" dirty="0"/>
-              <a:t>1️⃣1️⃣ </a:t>
-            </a:r>
-            <a:r>
-              <a:rPr lang="fr-FR" sz="2000" b="1" dirty="0" err="1"/>
-              <a:t>AutoML</a:t>
-            </a:r>
-            <a:br>
-              <a:rPr lang="fr-FR" sz="2000" dirty="0"/>
-            </a:br>
-            <a:r>
-              <a:rPr lang="fr-FR" sz="2000" dirty="0"/>
-              <a:t>Automatiser la création de modèles, pratique pour débuter.</a:t>
-            </a:r>
-            <a:br>
-              <a:rPr lang="fr-FR" sz="2000" dirty="0"/>
-            </a:br>
-            <a:r>
-              <a:rPr lang="fr-FR" sz="2000" dirty="0"/>
-              <a:t>	🌟 </a:t>
-            </a:r>
-            <a:r>
-              <a:rPr lang="fr-FR" sz="2000" i="1" dirty="0"/>
-              <a:t>Exemple : </a:t>
-            </a:r>
-            <a:r>
-              <a:rPr lang="fr-FR" sz="2000" i="1" dirty="0" err="1"/>
-              <a:t>PyCaret</a:t>
-            </a:r>
-            <a:r>
-              <a:rPr lang="fr-FR" sz="2000" i="1" dirty="0"/>
-              <a:t> qui choisit automatiquement le meilleur modèle.</a:t>
-            </a:r>
-          </a:p>
-          <a:p>
-            <a:pPr>
-              <a:lnSpc>
-                <a:spcPct val="150000"/>
-              </a:lnSpc>
-            </a:pPr>
-            <a:endParaRPr lang="fr-FR" sz="2000" dirty="0"/>
-          </a:p>
-          <a:p>
-            <a:pPr>
-              <a:lnSpc>
-                <a:spcPct val="150000"/>
-              </a:lnSpc>
-            </a:pPr>
-            <a:r>
-              <a:rPr lang="fr-FR" sz="2000" b="1" dirty="0"/>
-              <a:t>1️⃣2️⃣ Arbre de décision</a:t>
-            </a:r>
-            <a:br>
-              <a:rPr lang="fr-FR" sz="2000" dirty="0"/>
-            </a:br>
-            <a:r>
-              <a:rPr lang="fr-FR" sz="2000" dirty="0"/>
-              <a:t>Modèle en forme d’arbre, avec des règles successives.</a:t>
-            </a:r>
-            <a:br>
-              <a:rPr lang="fr-FR" sz="2000" dirty="0"/>
-            </a:br>
-            <a:r>
-              <a:rPr lang="fr-FR" sz="2000" dirty="0"/>
-              <a:t>	🌟 </a:t>
-            </a:r>
-            <a:r>
-              <a:rPr lang="fr-FR" sz="2000" i="1" dirty="0"/>
-              <a:t>Exemple : « Si âge &gt; 30 → oui, sinon → non ».</a:t>
-            </a:r>
-            <a:endParaRPr lang="fr-FR" sz="2000" dirty="0"/>
+            <a:r>
+              <a:rPr lang="fr-FR" dirty="0" err="1"/>
+              <a:t>Missing</a:t>
+            </a:r>
+            <a:r>
+              <a:rPr lang="fr-FR" dirty="0"/>
+              <a:t> </a:t>
+            </a:r>
+            <a:r>
+              <a:rPr lang="fr-FR" dirty="0" err="1"/>
+              <a:t>Attribute</a:t>
+            </a:r>
+            <a:r>
+              <a:rPr lang="fr-FR" dirty="0"/>
+              <a:t> Values: None</a:t>
+            </a:r>
+          </a:p>
+        </p:txBody>
+      </p:sp>
+      <p:sp>
+        <p:nvSpPr>
+          <p:cNvPr id="10" name="TextBox 9">
+            <a:extLst>
+              <a:ext uri="{FF2B5EF4-FFF2-40B4-BE49-F238E27FC236}">
+                <a16:creationId xmlns:a16="http://schemas.microsoft.com/office/drawing/2014/main" id="{A0A7F7DC-7875-A570-E482-0544F77F2E0E}"/>
+              </a:ext>
+            </a:extLst>
+          </p:cNvPr>
+          <p:cNvSpPr txBox="1"/>
+          <p:nvPr/>
+        </p:nvSpPr>
+        <p:spPr>
+          <a:xfrm>
+            <a:off x="2067860" y="3458146"/>
+            <a:ext cx="9643849" cy="1200329"/>
+          </a:xfrm>
+          <a:prstGeom prst="rect">
+            <a:avLst/>
+          </a:prstGeom>
+          <a:noFill/>
+        </p:spPr>
+        <p:txBody>
+          <a:bodyPr wrap="square">
+            <a:spAutoFit/>
+          </a:bodyPr>
+          <a:lstStyle/>
+          <a:p>
+            <a:r>
+              <a:rPr lang="fr-FR" dirty="0"/>
+              <a:t>1) bank-full.csv </a:t>
+            </a:r>
+            <a:r>
+              <a:rPr lang="fr-FR" dirty="0" err="1"/>
+              <a:t>with</a:t>
+            </a:r>
+            <a:r>
+              <a:rPr lang="fr-FR" dirty="0"/>
+              <a:t> all </a:t>
+            </a:r>
+            <a:r>
+              <a:rPr lang="fr-FR" dirty="0" err="1"/>
+              <a:t>examples</a:t>
+            </a:r>
+            <a:r>
+              <a:rPr lang="fr-FR" dirty="0"/>
+              <a:t>, </a:t>
+            </a:r>
+            <a:r>
+              <a:rPr lang="fr-FR" dirty="0" err="1"/>
+              <a:t>ordered</a:t>
+            </a:r>
+            <a:r>
+              <a:rPr lang="fr-FR" dirty="0"/>
+              <a:t> by date (</a:t>
+            </a:r>
+            <a:r>
+              <a:rPr lang="fr-FR" dirty="0" err="1"/>
+              <a:t>from</a:t>
+            </a:r>
+            <a:r>
+              <a:rPr lang="fr-FR" dirty="0"/>
+              <a:t> May 2008 to </a:t>
+            </a:r>
+            <a:r>
+              <a:rPr lang="fr-FR" dirty="0" err="1"/>
+              <a:t>November</a:t>
+            </a:r>
+            <a:r>
+              <a:rPr lang="fr-FR" dirty="0"/>
+              <a:t> 2010).</a:t>
+            </a:r>
+          </a:p>
+          <a:p>
+            <a:r>
+              <a:rPr lang="fr-FR" dirty="0"/>
+              <a:t>      2) bank.csv </a:t>
+            </a:r>
+            <a:r>
+              <a:rPr lang="fr-FR" dirty="0" err="1"/>
+              <a:t>with</a:t>
+            </a:r>
+            <a:r>
+              <a:rPr lang="fr-FR" dirty="0"/>
+              <a:t> 10% of the </a:t>
+            </a:r>
+            <a:r>
+              <a:rPr lang="fr-FR" dirty="0" err="1"/>
+              <a:t>examples</a:t>
+            </a:r>
+            <a:r>
+              <a:rPr lang="fr-FR" dirty="0"/>
+              <a:t> (4521), </a:t>
+            </a:r>
+            <a:r>
+              <a:rPr lang="fr-FR" dirty="0" err="1"/>
+              <a:t>randomly</a:t>
+            </a:r>
+            <a:r>
+              <a:rPr lang="fr-FR" dirty="0"/>
+              <a:t> </a:t>
+            </a:r>
+            <a:r>
+              <a:rPr lang="fr-FR" dirty="0" err="1"/>
+              <a:t>selected</a:t>
+            </a:r>
+            <a:r>
+              <a:rPr lang="fr-FR" dirty="0"/>
+              <a:t> </a:t>
+            </a:r>
+            <a:r>
+              <a:rPr lang="fr-FR" dirty="0" err="1"/>
+              <a:t>from</a:t>
+            </a:r>
+            <a:r>
+              <a:rPr lang="fr-FR" dirty="0"/>
+              <a:t> bank-full.csv.</a:t>
+            </a:r>
+          </a:p>
+          <a:p>
+            <a:r>
+              <a:rPr lang="fr-FR" dirty="0"/>
+              <a:t>   The </a:t>
+            </a:r>
+            <a:r>
+              <a:rPr lang="fr-FR" dirty="0" err="1"/>
+              <a:t>smallest</a:t>
+            </a:r>
+            <a:r>
+              <a:rPr lang="fr-FR" dirty="0"/>
+              <a:t> </a:t>
+            </a:r>
+            <a:r>
+              <a:rPr lang="fr-FR" dirty="0" err="1"/>
+              <a:t>dataset</a:t>
+            </a:r>
+            <a:r>
+              <a:rPr lang="fr-FR" dirty="0"/>
+              <a:t> </a:t>
+            </a:r>
+            <a:r>
+              <a:rPr lang="fr-FR" dirty="0" err="1"/>
+              <a:t>is</a:t>
+            </a:r>
+            <a:r>
+              <a:rPr lang="fr-FR" dirty="0"/>
+              <a:t> </a:t>
+            </a:r>
+            <a:r>
+              <a:rPr lang="fr-FR" dirty="0" err="1"/>
+              <a:t>provided</a:t>
+            </a:r>
+            <a:r>
+              <a:rPr lang="fr-FR" dirty="0"/>
+              <a:t> to test more </a:t>
+            </a:r>
+            <a:r>
+              <a:rPr lang="fr-FR" dirty="0" err="1"/>
+              <a:t>computationally</a:t>
+            </a:r>
+            <a:r>
+              <a:rPr lang="fr-FR" dirty="0"/>
+              <a:t> </a:t>
+            </a:r>
+            <a:r>
+              <a:rPr lang="fr-FR" dirty="0" err="1"/>
+              <a:t>demanding</a:t>
+            </a:r>
+            <a:r>
+              <a:rPr lang="fr-FR" dirty="0"/>
+              <a:t> machine </a:t>
+            </a:r>
+            <a:r>
+              <a:rPr lang="fr-FR" dirty="0" err="1"/>
+              <a:t>learning</a:t>
+            </a:r>
+            <a:r>
+              <a:rPr lang="fr-FR" dirty="0"/>
+              <a:t> </a:t>
+            </a:r>
+            <a:r>
+              <a:rPr lang="fr-FR" dirty="0" err="1"/>
+              <a:t>algorithms</a:t>
+            </a:r>
+            <a:r>
+              <a:rPr lang="fr-FR" dirty="0"/>
+              <a:t> (e.g. SVM).</a:t>
+            </a:r>
+          </a:p>
+        </p:txBody>
+      </p:sp>
+      <p:sp>
+        <p:nvSpPr>
+          <p:cNvPr id="12" name="TextBox 11">
+            <a:extLst>
+              <a:ext uri="{FF2B5EF4-FFF2-40B4-BE49-F238E27FC236}">
+                <a16:creationId xmlns:a16="http://schemas.microsoft.com/office/drawing/2014/main" id="{829D34D3-1024-51E4-8452-80650257EF8F}"/>
+              </a:ext>
+            </a:extLst>
+          </p:cNvPr>
+          <p:cNvSpPr txBox="1"/>
+          <p:nvPr/>
+        </p:nvSpPr>
+        <p:spPr>
+          <a:xfrm>
+            <a:off x="1698405" y="5162389"/>
+            <a:ext cx="9546001" cy="369332"/>
+          </a:xfrm>
+          <a:prstGeom prst="rect">
+            <a:avLst/>
+          </a:prstGeom>
+          <a:noFill/>
+        </p:spPr>
+        <p:txBody>
+          <a:bodyPr wrap="square">
+            <a:spAutoFit/>
+          </a:bodyPr>
+          <a:lstStyle/>
+          <a:p>
+            <a:r>
+              <a:rPr lang="fr-FR" dirty="0"/>
+              <a:t> The classification goal </a:t>
+            </a:r>
+            <a:r>
+              <a:rPr lang="fr-FR" dirty="0" err="1"/>
+              <a:t>is</a:t>
+            </a:r>
+            <a:r>
+              <a:rPr lang="fr-FR" dirty="0"/>
+              <a:t> to </a:t>
+            </a:r>
+            <a:r>
+              <a:rPr lang="fr-FR" dirty="0" err="1"/>
+              <a:t>predict</a:t>
+            </a:r>
+            <a:r>
+              <a:rPr lang="fr-FR" dirty="0"/>
+              <a:t> if the client </a:t>
+            </a:r>
+            <a:r>
+              <a:rPr lang="fr-FR" dirty="0" err="1"/>
+              <a:t>will</a:t>
+            </a:r>
+            <a:r>
+              <a:rPr lang="fr-FR" dirty="0"/>
+              <a:t> </a:t>
+            </a:r>
+            <a:r>
+              <a:rPr lang="fr-FR" dirty="0" err="1"/>
+              <a:t>subscribe</a:t>
+            </a:r>
+            <a:r>
+              <a:rPr lang="fr-FR" dirty="0"/>
+              <a:t> a </a:t>
+            </a:r>
+            <a:r>
+              <a:rPr lang="fr-FR" dirty="0" err="1"/>
+              <a:t>term</a:t>
+            </a:r>
+            <a:r>
+              <a:rPr lang="fr-FR" dirty="0"/>
+              <a:t> </a:t>
+            </a:r>
+            <a:r>
+              <a:rPr lang="fr-FR" dirty="0" err="1"/>
+              <a:t>deposit</a:t>
+            </a:r>
+            <a:r>
+              <a:rPr lang="fr-FR" dirty="0"/>
+              <a:t> (variable y).</a:t>
+            </a:r>
           </a:p>
         </p:txBody>
       </p:sp>
     </p:spTree>
     <p:extLst>
       <p:ext uri="{BB962C8B-B14F-4D97-AF65-F5344CB8AC3E}">
-        <p14:creationId xmlns:p14="http://schemas.microsoft.com/office/powerpoint/2010/main" val="807776159"/>
+        <p14:creationId xmlns:p14="http://schemas.microsoft.com/office/powerpoint/2010/main" val="927903248"/>
       </p:ext>
     </p:extLst>
   </p:cSld>
@@ -12331,7 +9581,7 @@
         <p:cNvPr id="1" name="">
           <a:extLst>
             <a:ext uri="{FF2B5EF4-FFF2-40B4-BE49-F238E27FC236}">
-              <a16:creationId xmlns:a16="http://schemas.microsoft.com/office/drawing/2014/main" id="{D1D89504-9C68-0112-A6F5-DA4D5ED91A6B}"/>
+              <a16:creationId xmlns:a16="http://schemas.microsoft.com/office/drawing/2014/main" id="{289389B0-AB36-EC62-A98B-BF7FF35AB8F1}"/>
             </a:ext>
           </a:extLst>
         </p:cNvPr>
@@ -12351,7 +9601,7 @@
           <p:cNvPr id="7" name="Picture 6">
             <a:extLst>
               <a:ext uri="{FF2B5EF4-FFF2-40B4-BE49-F238E27FC236}">
-                <a16:creationId xmlns:a16="http://schemas.microsoft.com/office/drawing/2014/main" id="{F109706B-7A13-4F69-B249-486CEB3E9944}"/>
+                <a16:creationId xmlns:a16="http://schemas.microsoft.com/office/drawing/2014/main" id="{BE669954-84BB-9FFB-76D8-BC0038A565ED}"/>
               </a:ext>
             </a:extLst>
           </p:cNvPr>
@@ -12392,7 +9642,7 @@
           <p:cNvPr id="2" name="TextBox 1">
             <a:extLst>
               <a:ext uri="{FF2B5EF4-FFF2-40B4-BE49-F238E27FC236}">
-                <a16:creationId xmlns:a16="http://schemas.microsoft.com/office/drawing/2014/main" id="{7748D166-D71C-7D48-2228-B58038557B49}"/>
+                <a16:creationId xmlns:a16="http://schemas.microsoft.com/office/drawing/2014/main" id="{257C98E6-32C9-EDA7-FAB2-3BCEF502D72E}"/>
               </a:ext>
             </a:extLst>
           </p:cNvPr>
@@ -12440,7 +9690,7 @@
           <p:cNvPr id="3" name="TextBox 2">
             <a:extLst>
               <a:ext uri="{FF2B5EF4-FFF2-40B4-BE49-F238E27FC236}">
-                <a16:creationId xmlns:a16="http://schemas.microsoft.com/office/drawing/2014/main" id="{8F596CE4-F4D5-21AE-5CB3-96D9D9C82D38}"/>
+                <a16:creationId xmlns:a16="http://schemas.microsoft.com/office/drawing/2014/main" id="{962E36A3-457D-34F9-91E5-F8F953E7C6D9}"/>
               </a:ext>
             </a:extLst>
           </p:cNvPr>
@@ -12488,7 +9738,7 @@
           <p:cNvPr id="4" name="Picture 3">
             <a:extLst>
               <a:ext uri="{FF2B5EF4-FFF2-40B4-BE49-F238E27FC236}">
-                <a16:creationId xmlns:a16="http://schemas.microsoft.com/office/drawing/2014/main" id="{699EEAE2-A553-EEC1-8CE4-14DFED827525}"/>
+                <a16:creationId xmlns:a16="http://schemas.microsoft.com/office/drawing/2014/main" id="{51DC5580-6DC3-6065-EBCA-4EFA8A784572}"/>
               </a:ext>
             </a:extLst>
           </p:cNvPr>
@@ -12528,10 +9778,10 @@
       </p:pic>
       <p:sp>
         <p:nvSpPr>
-          <p:cNvPr id="9" name="TextBox 8">
-            <a:extLst>
-              <a:ext uri="{FF2B5EF4-FFF2-40B4-BE49-F238E27FC236}">
-                <a16:creationId xmlns:a16="http://schemas.microsoft.com/office/drawing/2014/main" id="{D2A53AB9-92C0-5C4D-CA1A-89C57BC56BA3}"/>
+          <p:cNvPr id="6" name="TextBox 5">
+            <a:extLst>
+              <a:ext uri="{FF2B5EF4-FFF2-40B4-BE49-F238E27FC236}">
+                <a16:creationId xmlns:a16="http://schemas.microsoft.com/office/drawing/2014/main" id="{9EFC8F77-C5ED-F9A0-AC75-75C8572C9CE1}"/>
               </a:ext>
             </a:extLst>
           </p:cNvPr>
@@ -12540,8 +9790,8 @@
         </p:nvSpPr>
         <p:spPr>
           <a:xfrm>
-            <a:off x="387927" y="2076671"/>
-            <a:ext cx="11037455" cy="926920"/>
+            <a:off x="2669309" y="1665644"/>
+            <a:ext cx="6096000" cy="830997"/>
           </a:xfrm>
           <a:prstGeom prst="rect">
             <a:avLst/>
@@ -12554,23 +9804,141 @@
           </a:bodyPr>
           <a:lstStyle/>
           <a:p>
-            <a:pPr algn="ctr">
+            <a:pPr marL="0" marR="0" lvl="0" indent="0" algn="l" defTabSz="914400" rtl="0" eaLnBrk="0" fontAlgn="base" latinLnBrk="0" hangingPunct="0">
               <a:lnSpc>
-                <a:spcPct val="150000"/>
+                <a:spcPct val="100000"/>
               </a:lnSpc>
+              <a:spcBef>
+                <a:spcPct val="0"/>
+              </a:spcBef>
+              <a:spcAft>
+                <a:spcPct val="0"/>
+              </a:spcAft>
+              <a:buClrTx/>
+              <a:buSzTx/>
+              <a:buFontTx/>
               <a:buNone/>
+              <a:tabLst/>
             </a:pPr>
             <a:r>
-              <a:rPr lang="fr-FR" sz="4000" b="1" dirty="0"/>
-              <a:t>B- Customer </a:t>
-            </a:r>
-            <a:r>
-              <a:rPr lang="fr-FR" sz="4000" b="1" dirty="0" err="1"/>
-              <a:t>Behaviour</a:t>
-            </a:r>
-            <a:r>
-              <a:rPr lang="fr-FR" sz="4000" b="1" dirty="0"/>
-              <a:t> Modeling</a:t>
+              <a:rPr kumimoji="0" lang="fr-FR" altLang="fr-FR" sz="1600" b="1" i="0" u="none" strike="noStrike" cap="none" normalizeH="0" baseline="0" dirty="0">
+                <a:ln>
+                  <a:noFill/>
+                </a:ln>
+                <a:solidFill>
+                  <a:schemeClr val="tx1"/>
+                </a:solidFill>
+                <a:effectLst/>
+                <a:latin typeface="Arial" panose="020B0604020202020204" pitchFamily="34" charset="0"/>
+              </a:rPr>
+              <a:t>(2) Identifier la variable cible et les </a:t>
+            </a:r>
+            <a:r>
+              <a:rPr kumimoji="0" lang="fr-FR" altLang="fr-FR" sz="1600" b="1" i="0" u="none" strike="noStrike" cap="none" normalizeH="0" baseline="0" dirty="0" err="1">
+                <a:ln>
+                  <a:noFill/>
+                </a:ln>
+                <a:solidFill>
+                  <a:schemeClr val="tx1"/>
+                </a:solidFill>
+                <a:effectLst/>
+                <a:latin typeface="Arial" panose="020B0604020202020204" pitchFamily="34" charset="0"/>
+              </a:rPr>
+              <a:t>features</a:t>
+            </a:r>
+            <a:endParaRPr kumimoji="0" lang="fr-FR" altLang="fr-FR" sz="1600" b="0" i="0" u="none" strike="noStrike" cap="none" normalizeH="0" baseline="0" dirty="0">
+              <a:ln>
+                <a:noFill/>
+              </a:ln>
+              <a:solidFill>
+                <a:schemeClr val="tx1"/>
+              </a:solidFill>
+              <a:effectLst/>
+              <a:latin typeface="Arial" panose="020B0604020202020204" pitchFamily="34" charset="0"/>
+            </a:endParaRPr>
+          </a:p>
+          <a:p>
+            <a:pPr marL="0" marR="0" lvl="0" indent="0" algn="l" defTabSz="914400" rtl="0" eaLnBrk="0" fontAlgn="base" latinLnBrk="0" hangingPunct="0">
+              <a:lnSpc>
+                <a:spcPct val="100000"/>
+              </a:lnSpc>
+              <a:spcBef>
+                <a:spcPct val="0"/>
+              </a:spcBef>
+              <a:spcAft>
+                <a:spcPct val="0"/>
+              </a:spcAft>
+              <a:buClrTx/>
+              <a:buSzTx/>
+              <a:buFontTx/>
+              <a:buChar char="•"/>
+              <a:tabLst/>
+            </a:pPr>
+            <a:r>
+              <a:rPr kumimoji="0" lang="fr-FR" altLang="fr-FR" sz="1600" b="0" i="0" u="none" strike="noStrike" cap="none" normalizeH="0" baseline="0" dirty="0">
+                <a:ln>
+                  <a:noFill/>
+                </a:ln>
+                <a:solidFill>
+                  <a:schemeClr val="tx1"/>
+                </a:solidFill>
+                <a:effectLst/>
+                <a:latin typeface="Arial Unicode MS"/>
+              </a:rPr>
+              <a:t>y</a:t>
+            </a:r>
+            <a:r>
+              <a:rPr kumimoji="0" lang="fr-FR" altLang="fr-FR" sz="1600" b="0" i="0" u="none" strike="noStrike" cap="none" normalizeH="0" baseline="0" dirty="0">
+                <a:ln>
+                  <a:noFill/>
+                </a:ln>
+                <a:solidFill>
+                  <a:schemeClr val="tx1"/>
+                </a:solidFill>
+                <a:effectLst/>
+              </a:rPr>
+              <a:t> = souscription (yes/no)</a:t>
+            </a:r>
+            <a:endParaRPr kumimoji="0" lang="fr-FR" altLang="fr-FR" sz="1600" b="0" i="0" u="none" strike="noStrike" cap="none" normalizeH="0" baseline="0" dirty="0">
+              <a:ln>
+                <a:noFill/>
+              </a:ln>
+              <a:solidFill>
+                <a:schemeClr val="tx1"/>
+              </a:solidFill>
+              <a:effectLst/>
+              <a:latin typeface="Arial" panose="020B0604020202020204" pitchFamily="34" charset="0"/>
+            </a:endParaRPr>
+          </a:p>
+          <a:p>
+            <a:pPr marL="0" marR="0" lvl="0" indent="0" algn="l" defTabSz="914400" rtl="0" eaLnBrk="0" fontAlgn="base" latinLnBrk="0" hangingPunct="0">
+              <a:lnSpc>
+                <a:spcPct val="100000"/>
+              </a:lnSpc>
+              <a:spcBef>
+                <a:spcPct val="0"/>
+              </a:spcBef>
+              <a:spcAft>
+                <a:spcPct val="0"/>
+              </a:spcAft>
+              <a:buClrTx/>
+              <a:buSzTx/>
+              <a:buFontTx/>
+              <a:buChar char="•"/>
+              <a:tabLst/>
+            </a:pPr>
+            <a:r>
+              <a:rPr kumimoji="0" lang="fr-FR" altLang="fr-FR" sz="1600" b="0" i="0" u="none" strike="noStrike" cap="none" normalizeH="0" baseline="0" dirty="0">
+                <a:ln>
+                  <a:noFill/>
+                </a:ln>
+                <a:solidFill>
+                  <a:schemeClr val="tx1"/>
+                </a:solidFill>
+                <a:effectLst/>
+                <a:latin typeface="Arial" panose="020B0604020202020204" pitchFamily="34" charset="0"/>
+              </a:rPr>
+              <a:t>X = toutes les autres colonnes (après nettoyage)</a:t>
             </a:r>
           </a:p>
         </p:txBody>
@@ -12578,7 +9946,7 @@
     </p:spTree>
     <p:extLst>
       <p:ext uri="{BB962C8B-B14F-4D97-AF65-F5344CB8AC3E}">
-        <p14:creationId xmlns:p14="http://schemas.microsoft.com/office/powerpoint/2010/main" val="886415280"/>
+        <p14:creationId xmlns:p14="http://schemas.microsoft.com/office/powerpoint/2010/main" val="3405696100"/>
       </p:ext>
     </p:extLst>
   </p:cSld>
@@ -12596,7 +9964,7 @@
         <p:cNvPr id="1" name="">
           <a:extLst>
             <a:ext uri="{FF2B5EF4-FFF2-40B4-BE49-F238E27FC236}">
-              <a16:creationId xmlns:a16="http://schemas.microsoft.com/office/drawing/2014/main" id="{5AD990E1-74B5-84FC-9733-6A83037B3CB8}"/>
+              <a16:creationId xmlns:a16="http://schemas.microsoft.com/office/drawing/2014/main" id="{2D95C503-2221-F1F5-9CB5-EF9DC84FD53E}"/>
             </a:ext>
           </a:extLst>
         </p:cNvPr>
@@ -12616,7 +9984,7 @@
           <p:cNvPr id="7" name="Picture 6">
             <a:extLst>
               <a:ext uri="{FF2B5EF4-FFF2-40B4-BE49-F238E27FC236}">
-                <a16:creationId xmlns:a16="http://schemas.microsoft.com/office/drawing/2014/main" id="{7EF80BC4-E19F-5932-FA05-723106D280DD}"/>
+                <a16:creationId xmlns:a16="http://schemas.microsoft.com/office/drawing/2014/main" id="{D9EA5177-ECAB-BBDD-2612-89DB6D92E4C8}"/>
               </a:ext>
             </a:extLst>
           </p:cNvPr>
@@ -12657,7 +10025,7 @@
           <p:cNvPr id="2" name="TextBox 1">
             <a:extLst>
               <a:ext uri="{FF2B5EF4-FFF2-40B4-BE49-F238E27FC236}">
-                <a16:creationId xmlns:a16="http://schemas.microsoft.com/office/drawing/2014/main" id="{FBB2C839-C052-94C1-0D8E-4613115FF5C6}"/>
+                <a16:creationId xmlns:a16="http://schemas.microsoft.com/office/drawing/2014/main" id="{01F1DE69-1973-25F5-FF09-772309B3D3FA}"/>
               </a:ext>
             </a:extLst>
           </p:cNvPr>
@@ -12705,7 +10073,7 @@
           <p:cNvPr id="3" name="TextBox 2">
             <a:extLst>
               <a:ext uri="{FF2B5EF4-FFF2-40B4-BE49-F238E27FC236}">
-                <a16:creationId xmlns:a16="http://schemas.microsoft.com/office/drawing/2014/main" id="{C7FF13DF-E523-F358-6BF5-CD21B7373745}"/>
+                <a16:creationId xmlns:a16="http://schemas.microsoft.com/office/drawing/2014/main" id="{25AC73B6-1D72-9928-A729-2EFEB9CA2B30}"/>
               </a:ext>
             </a:extLst>
           </p:cNvPr>
@@ -12753,7 +10121,7 @@
           <p:cNvPr id="4" name="Picture 3">
             <a:extLst>
               <a:ext uri="{FF2B5EF4-FFF2-40B4-BE49-F238E27FC236}">
-                <a16:creationId xmlns:a16="http://schemas.microsoft.com/office/drawing/2014/main" id="{1FF12300-1663-CF20-0FA8-9DD8217B44B0}"/>
+                <a16:creationId xmlns:a16="http://schemas.microsoft.com/office/drawing/2014/main" id="{03CD41BD-C033-4D16-CDAF-BDE01D78F32B}"/>
               </a:ext>
             </a:extLst>
           </p:cNvPr>
@@ -12796,7 +10164,7 @@
           <p:cNvPr id="6" name="TextBox 5">
             <a:extLst>
               <a:ext uri="{FF2B5EF4-FFF2-40B4-BE49-F238E27FC236}">
-                <a16:creationId xmlns:a16="http://schemas.microsoft.com/office/drawing/2014/main" id="{4E344D11-9342-C4D6-067D-A2EF721B9E6C}"/>
+                <a16:creationId xmlns:a16="http://schemas.microsoft.com/office/drawing/2014/main" id="{CEF62A63-2961-643E-BBC8-D6497AF69F8B}"/>
               </a:ext>
             </a:extLst>
           </p:cNvPr>
@@ -12805,8 +10173,8 @@
         </p:nvSpPr>
         <p:spPr>
           <a:xfrm>
-            <a:off x="142832" y="1019451"/>
-            <a:ext cx="8179132" cy="760016"/>
+            <a:off x="952045" y="1936459"/>
+            <a:ext cx="6096000" cy="1200329"/>
           </a:xfrm>
           <a:prstGeom prst="rect">
             <a:avLst/>
@@ -12819,2232 +10187,219 @@
           </a:bodyPr>
           <a:lstStyle/>
           <a:p>
-            <a:pPr algn="ctr">
+            <a:pPr marL="0" marR="0" lvl="0" indent="0" algn="l" defTabSz="914400" rtl="0" eaLnBrk="0" fontAlgn="base" latinLnBrk="0" hangingPunct="0">
               <a:lnSpc>
-                <a:spcPct val="150000"/>
+                <a:spcPct val="100000"/>
               </a:lnSpc>
+              <a:spcBef>
+                <a:spcPct val="0"/>
+              </a:spcBef>
+              <a:spcAft>
+                <a:spcPct val="0"/>
+              </a:spcAft>
+              <a:buClrTx/>
+              <a:buSzTx/>
+              <a:buFontTx/>
               <a:buNone/>
+              <a:tabLst/>
             </a:pPr>
             <a:r>
-              <a:rPr lang="fr-FR" sz="3200" b="1" dirty="0"/>
-              <a:t>B.1. DATABASE </a:t>
-            </a:r>
-            <a:r>
-              <a:rPr lang="en-US" dirty="0"/>
-              <a:t> </a:t>
-            </a:r>
-            <a:endParaRPr lang="fr-FR" sz="3200" b="1" dirty="0"/>
-          </a:p>
-        </p:txBody>
-      </p:sp>
-      <p:sp>
-        <p:nvSpPr>
-          <p:cNvPr id="9" name="TextBox 8">
-            <a:extLst>
-              <a:ext uri="{FF2B5EF4-FFF2-40B4-BE49-F238E27FC236}">
-                <a16:creationId xmlns:a16="http://schemas.microsoft.com/office/drawing/2014/main" id="{BAAC957F-EA4D-27CD-8539-DAC9D9B503B1}"/>
-              </a:ext>
-            </a:extLst>
-          </p:cNvPr>
-          <p:cNvSpPr txBox="1"/>
-          <p:nvPr/>
-        </p:nvSpPr>
-        <p:spPr>
-          <a:xfrm>
-            <a:off x="734291" y="111053"/>
-            <a:ext cx="11037455" cy="760016"/>
-          </a:xfrm>
-          <a:prstGeom prst="rect">
-            <a:avLst/>
-          </a:prstGeom>
-          <a:noFill/>
-        </p:spPr>
-        <p:txBody>
-          <a:bodyPr wrap="square">
-            <a:spAutoFit/>
-          </a:bodyPr>
-          <a:lstStyle/>
-          <a:p>
-            <a:pPr algn="ctr">
+              <a:rPr kumimoji="0" lang="fr-FR" altLang="fr-FR" sz="1800" b="0" i="0" u="none" strike="noStrike" cap="none" normalizeH="0" baseline="0" dirty="0">
+                <a:ln>
+                  <a:noFill/>
+                </a:ln>
+                <a:solidFill>
+                  <a:schemeClr val="tx1"/>
+                </a:solidFill>
+                <a:effectLst/>
+                <a:latin typeface="Arial" panose="020B0604020202020204" pitchFamily="34" charset="0"/>
+              </a:rPr>
+              <a:t>👉 </a:t>
+            </a:r>
+            <a:r>
+              <a:rPr kumimoji="0" lang="fr-FR" altLang="fr-FR" sz="1800" b="1" i="0" u="none" strike="noStrike" cap="none" normalizeH="0" baseline="0" dirty="0">
+                <a:ln>
+                  <a:noFill/>
+                </a:ln>
+                <a:solidFill>
+                  <a:schemeClr val="tx1"/>
+                </a:solidFill>
+                <a:effectLst/>
+                <a:latin typeface="Arial" panose="020B0604020202020204" pitchFamily="34" charset="0"/>
+              </a:rPr>
+              <a:t>(3) Détecter et traiter les anomalies</a:t>
+            </a:r>
+            <a:endParaRPr kumimoji="0" lang="fr-FR" altLang="fr-FR" sz="1800" b="0" i="0" u="none" strike="noStrike" cap="none" normalizeH="0" baseline="0" dirty="0">
+              <a:ln>
+                <a:noFill/>
+              </a:ln>
+              <a:solidFill>
+                <a:schemeClr val="tx1"/>
+              </a:solidFill>
+              <a:effectLst/>
+              <a:latin typeface="Arial" panose="020B0604020202020204" pitchFamily="34" charset="0"/>
+            </a:endParaRPr>
+          </a:p>
+          <a:p>
+            <a:pPr marL="0" marR="0" lvl="0" indent="0" algn="l" defTabSz="914400" rtl="0" eaLnBrk="0" fontAlgn="base" latinLnBrk="0" hangingPunct="0">
               <a:lnSpc>
-                <a:spcPct val="150000"/>
+                <a:spcPct val="100000"/>
               </a:lnSpc>
-              <a:buNone/>
+              <a:spcBef>
+                <a:spcPct val="0"/>
+              </a:spcBef>
+              <a:spcAft>
+                <a:spcPct val="0"/>
+              </a:spcAft>
+              <a:buClrTx/>
+              <a:buSzTx/>
+              <a:buFontTx/>
+              <a:buChar char="•"/>
+              <a:tabLst/>
             </a:pPr>
             <a:r>
-              <a:rPr lang="fr-FR" sz="3200" b="1" dirty="0"/>
-              <a:t>B- Customer </a:t>
-            </a:r>
-            <a:r>
-              <a:rPr lang="fr-FR" sz="3200" b="1" dirty="0" err="1"/>
-              <a:t>Behaviour</a:t>
-            </a:r>
-            <a:r>
-              <a:rPr lang="fr-FR" sz="3200" b="1" dirty="0"/>
-              <a:t> Modeling</a:t>
-            </a:r>
-          </a:p>
-        </p:txBody>
-      </p:sp>
-      <p:graphicFrame>
-        <p:nvGraphicFramePr>
-          <p:cNvPr id="10" name="Table 9">
-            <a:extLst>
-              <a:ext uri="{FF2B5EF4-FFF2-40B4-BE49-F238E27FC236}">
-                <a16:creationId xmlns:a16="http://schemas.microsoft.com/office/drawing/2014/main" id="{222ACC48-5454-07B5-8833-B15125BDB2BD}"/>
-              </a:ext>
-            </a:extLst>
-          </p:cNvPr>
-          <p:cNvGraphicFramePr>
-            <a:graphicFrameLocks noGrp="1"/>
-          </p:cNvGraphicFramePr>
-          <p:nvPr>
-            <p:extLst>
-              <p:ext uri="{D42A27DB-BD31-4B8C-83A1-F6EECF244321}">
-                <p14:modId xmlns:p14="http://schemas.microsoft.com/office/powerpoint/2010/main" val="1420870461"/>
-              </p:ext>
-            </p:extLst>
-          </p:nvPr>
-        </p:nvGraphicFramePr>
-        <p:xfrm>
-          <a:off x="498764" y="1779468"/>
-          <a:ext cx="11272980" cy="4694593"/>
-        </p:xfrm>
-        <a:graphic>
-          <a:graphicData uri="http://schemas.openxmlformats.org/drawingml/2006/table">
-            <a:tbl>
-              <a:tblPr>
-                <a:tableStyleId>{D7AC3CCA-C797-4891-BE02-D94E43425B78}</a:tableStyleId>
-              </a:tblPr>
-              <a:tblGrid>
-                <a:gridCol w="3047865">
-                  <a:extLst>
-                    <a:ext uri="{9D8B030D-6E8A-4147-A177-3AD203B41FA5}">
-                      <a16:colId xmlns:a16="http://schemas.microsoft.com/office/drawing/2014/main" val="3808053712"/>
-                    </a:ext>
-                  </a:extLst>
-                </a:gridCol>
-                <a:gridCol w="856697">
-                  <a:extLst>
-                    <a:ext uri="{9D8B030D-6E8A-4147-A177-3AD203B41FA5}">
-                      <a16:colId xmlns:a16="http://schemas.microsoft.com/office/drawing/2014/main" val="4117329312"/>
-                    </a:ext>
-                  </a:extLst>
-                </a:gridCol>
-                <a:gridCol w="6412871">
-                  <a:extLst>
-                    <a:ext uri="{9D8B030D-6E8A-4147-A177-3AD203B41FA5}">
-                      <a16:colId xmlns:a16="http://schemas.microsoft.com/office/drawing/2014/main" val="2816924574"/>
-                    </a:ext>
-                  </a:extLst>
-                </a:gridCol>
-                <a:gridCol w="955547">
-                  <a:extLst>
-                    <a:ext uri="{9D8B030D-6E8A-4147-A177-3AD203B41FA5}">
-                      <a16:colId xmlns:a16="http://schemas.microsoft.com/office/drawing/2014/main" val="419114557"/>
-                    </a:ext>
-                  </a:extLst>
-                </a:gridCol>
-              </a:tblGrid>
-              <a:tr h="243423">
-                <a:tc>
-                  <a:txBody>
-                    <a:bodyPr/>
-                    <a:lstStyle/>
-                    <a:p>
-                      <a:pPr algn="ctr" fontAlgn="ctr">
-                        <a:buNone/>
-                      </a:pPr>
-                      <a:r>
-                        <a:rPr lang="en-US" sz="1400" b="1" u="none" strike="noStrike" dirty="0">
-                          <a:solidFill>
-                            <a:schemeClr val="bg1"/>
-                          </a:solidFill>
-                          <a:effectLst/>
-                        </a:rPr>
-                        <a:t>category</a:t>
-                      </a:r>
-                      <a:endParaRPr lang="en-US" sz="1400" b="1" i="0" u="none" strike="noStrike" dirty="0">
-                        <a:solidFill>
-                          <a:schemeClr val="bg1"/>
-                        </a:solidFill>
-                        <a:effectLst/>
-                        <a:latin typeface="Aptos Narrow" panose="020B0004020202020204" pitchFamily="34" charset="0"/>
-                      </a:endParaRPr>
-                    </a:p>
-                  </a:txBody>
-                  <a:tcPr marL="9525" marR="9525" marT="9525" marB="0" anchor="ctr">
-                    <a:solidFill>
-                      <a:srgbClr val="7030A0"/>
-                    </a:solidFill>
-                  </a:tcPr>
-                </a:tc>
-                <a:tc>
-                  <a:txBody>
-                    <a:bodyPr/>
-                    <a:lstStyle/>
-                    <a:p>
-                      <a:pPr algn="ctr" fontAlgn="ctr">
-                        <a:buNone/>
-                      </a:pPr>
-                      <a:r>
-                        <a:rPr lang="en-US" sz="1400" b="1" u="none" strike="noStrike" dirty="0">
-                          <a:solidFill>
-                            <a:schemeClr val="bg1"/>
-                          </a:solidFill>
-                          <a:effectLst/>
-                        </a:rPr>
-                        <a:t>Variable</a:t>
-                      </a:r>
-                      <a:endParaRPr lang="en-US" sz="1400" b="1" i="0" u="none" strike="noStrike" dirty="0">
-                        <a:solidFill>
-                          <a:schemeClr val="bg1"/>
-                        </a:solidFill>
-                        <a:effectLst/>
-                        <a:latin typeface="Aptos Narrow" panose="020B0004020202020204" pitchFamily="34" charset="0"/>
-                      </a:endParaRPr>
-                    </a:p>
-                  </a:txBody>
-                  <a:tcPr marL="9525" marR="9525" marT="9525" marB="0" anchor="ctr">
-                    <a:solidFill>
-                      <a:srgbClr val="7030A0"/>
-                    </a:solidFill>
-                  </a:tcPr>
-                </a:tc>
-                <a:tc>
-                  <a:txBody>
-                    <a:bodyPr/>
-                    <a:lstStyle/>
-                    <a:p>
-                      <a:pPr algn="ctr" fontAlgn="ctr">
-                        <a:buNone/>
-                      </a:pPr>
-                      <a:r>
-                        <a:rPr lang="en-US" sz="1400" b="1" u="none" strike="noStrike" dirty="0">
-                          <a:solidFill>
-                            <a:schemeClr val="bg1"/>
-                          </a:solidFill>
-                          <a:effectLst/>
-                        </a:rPr>
-                        <a:t>Description</a:t>
-                      </a:r>
-                      <a:endParaRPr lang="en-US" sz="1400" b="1" i="0" u="none" strike="noStrike" dirty="0">
-                        <a:solidFill>
-                          <a:schemeClr val="bg1"/>
-                        </a:solidFill>
-                        <a:effectLst/>
-                        <a:latin typeface="Aptos Narrow" panose="020B0004020202020204" pitchFamily="34" charset="0"/>
-                      </a:endParaRPr>
-                    </a:p>
-                  </a:txBody>
-                  <a:tcPr marL="9525" marR="9525" marT="9525" marB="0" anchor="ctr">
-                    <a:solidFill>
-                      <a:srgbClr val="7030A0"/>
-                    </a:solidFill>
-                  </a:tcPr>
-                </a:tc>
-                <a:tc>
-                  <a:txBody>
-                    <a:bodyPr/>
-                    <a:lstStyle/>
-                    <a:p>
-                      <a:pPr algn="ctr" fontAlgn="ctr">
-                        <a:buNone/>
-                      </a:pPr>
-                      <a:r>
-                        <a:rPr lang="en-US" sz="1400" b="1" u="none" strike="noStrike" dirty="0">
-                          <a:solidFill>
-                            <a:schemeClr val="bg1"/>
-                          </a:solidFill>
-                          <a:effectLst/>
-                        </a:rPr>
-                        <a:t>Type</a:t>
-                      </a:r>
-                      <a:endParaRPr lang="en-US" sz="1400" b="1" i="0" u="none" strike="noStrike" dirty="0">
-                        <a:solidFill>
-                          <a:schemeClr val="bg1"/>
-                        </a:solidFill>
-                        <a:effectLst/>
-                        <a:latin typeface="Aptos Narrow" panose="020B0004020202020204" pitchFamily="34" charset="0"/>
-                      </a:endParaRPr>
-                    </a:p>
-                  </a:txBody>
-                  <a:tcPr marL="9525" marR="9525" marT="9525" marB="0" anchor="ctr">
-                    <a:solidFill>
-                      <a:srgbClr val="7030A0"/>
-                    </a:solidFill>
-                  </a:tcPr>
-                </a:tc>
-                <a:extLst>
-                  <a:ext uri="{0D108BD9-81ED-4DB2-BD59-A6C34878D82A}">
-                    <a16:rowId xmlns:a16="http://schemas.microsoft.com/office/drawing/2014/main" val="4074296140"/>
-                  </a:ext>
-                </a:extLst>
-              </a:tr>
-              <a:tr h="231832">
-                <a:tc rowSpan="8">
-                  <a:txBody>
-                    <a:bodyPr/>
-                    <a:lstStyle/>
-                    <a:p>
-                      <a:pPr algn="l" fontAlgn="ctr">
-                        <a:buNone/>
-                      </a:pPr>
-                      <a:r>
-                        <a:rPr lang="en-US" sz="1400" b="1" u="none" strike="noStrike" dirty="0">
-                          <a:effectLst/>
-                        </a:rPr>
-                        <a:t>Bank client data</a:t>
-                      </a:r>
-                    </a:p>
-                    <a:p>
-                      <a:pPr algn="l" fontAlgn="ctr">
-                        <a:buNone/>
-                      </a:pPr>
-                      <a:r>
-                        <a:rPr lang="en-US" sz="1400" b="1" u="none" strike="noStrike" dirty="0">
-                          <a:effectLst/>
-                        </a:rPr>
-                        <a:t> </a:t>
-                      </a:r>
-                    </a:p>
-                    <a:p>
-                      <a:pPr algn="l" fontAlgn="ctr">
-                        <a:buNone/>
-                      </a:pPr>
-                      <a:r>
-                        <a:rPr lang="en-US" sz="1400" b="1" u="none" strike="noStrike" dirty="0">
-                          <a:effectLst/>
-                        </a:rPr>
-                        <a:t> </a:t>
-                      </a:r>
-                    </a:p>
-                    <a:p>
-                      <a:pPr algn="l" fontAlgn="ctr">
-                        <a:buNone/>
-                      </a:pPr>
-                      <a:r>
-                        <a:rPr lang="en-US" sz="1400" b="1" u="none" strike="noStrike" dirty="0">
-                          <a:effectLst/>
-                        </a:rPr>
-                        <a:t> </a:t>
-                      </a:r>
-                    </a:p>
-                    <a:p>
-                      <a:pPr algn="l" fontAlgn="ctr">
-                        <a:buNone/>
-                      </a:pPr>
-                      <a:r>
-                        <a:rPr lang="en-US" sz="1400" b="1" u="none" strike="noStrike" dirty="0">
-                          <a:effectLst/>
-                        </a:rPr>
-                        <a:t> </a:t>
-                      </a:r>
-                    </a:p>
-                    <a:p>
-                      <a:pPr algn="l" fontAlgn="ctr">
-                        <a:buNone/>
-                      </a:pPr>
-                      <a:r>
-                        <a:rPr lang="en-US" sz="1400" b="1" u="none" strike="noStrike" dirty="0">
-                          <a:effectLst/>
-                        </a:rPr>
-                        <a:t> </a:t>
-                      </a:r>
-                    </a:p>
-                    <a:p>
-                      <a:pPr algn="l" fontAlgn="ctr">
-                        <a:buNone/>
-                      </a:pPr>
-                      <a:r>
-                        <a:rPr lang="en-US" sz="1400" b="1" u="none" strike="noStrike" dirty="0">
-                          <a:effectLst/>
-                        </a:rPr>
-                        <a:t> </a:t>
-                      </a:r>
-                    </a:p>
-                    <a:p>
-                      <a:pPr algn="l" fontAlgn="ctr">
-                        <a:buNone/>
-                      </a:pPr>
-                      <a:r>
-                        <a:rPr lang="en-US" sz="1400" b="1" u="none" strike="noStrike" dirty="0">
-                          <a:effectLst/>
-                        </a:rPr>
-                        <a:t> </a:t>
-                      </a:r>
-                      <a:endParaRPr lang="en-US" sz="1400" b="1" i="0" u="none" strike="noStrike" dirty="0">
-                        <a:solidFill>
-                          <a:srgbClr val="000000"/>
-                        </a:solidFill>
-                        <a:effectLst/>
-                        <a:latin typeface="Aptos Narrow" panose="020B0004020202020204" pitchFamily="34" charset="0"/>
-                      </a:endParaRPr>
-                    </a:p>
-                  </a:txBody>
-                  <a:tcPr marL="9525" marR="9525" marT="9525" marB="0" anchor="ctr"/>
-                </a:tc>
-                <a:tc>
-                  <a:txBody>
-                    <a:bodyPr/>
-                    <a:lstStyle/>
-                    <a:p>
-                      <a:pPr algn="l" fontAlgn="ctr">
-                        <a:buNone/>
-                      </a:pPr>
-                      <a:r>
-                        <a:rPr lang="en-US" sz="1400" u="none" strike="noStrike">
-                          <a:effectLst/>
-                        </a:rPr>
-                        <a:t>age</a:t>
-                      </a:r>
-                      <a:endParaRPr lang="en-US" sz="1400" b="0" i="0" u="none" strike="noStrike">
-                        <a:solidFill>
-                          <a:srgbClr val="000000"/>
-                        </a:solidFill>
-                        <a:effectLst/>
-                        <a:latin typeface="Aptos Narrow" panose="020B0004020202020204" pitchFamily="34" charset="0"/>
-                      </a:endParaRPr>
-                    </a:p>
-                  </a:txBody>
-                  <a:tcPr marL="9525" marR="9525" marT="9525" marB="0" anchor="ctr"/>
-                </a:tc>
-                <a:tc>
-                  <a:txBody>
-                    <a:bodyPr/>
-                    <a:lstStyle/>
-                    <a:p>
-                      <a:pPr algn="l" fontAlgn="ctr">
-                        <a:buNone/>
-                      </a:pPr>
-                      <a:r>
-                        <a:rPr lang="en-US" sz="1400" u="none" strike="noStrike">
-                          <a:effectLst/>
-                        </a:rPr>
-                        <a:t>Client’s age</a:t>
-                      </a:r>
-                      <a:endParaRPr lang="en-US" sz="1400" b="0" i="0" u="none" strike="noStrike">
-                        <a:solidFill>
-                          <a:srgbClr val="000000"/>
-                        </a:solidFill>
-                        <a:effectLst/>
-                        <a:latin typeface="Aptos Narrow" panose="020B0004020202020204" pitchFamily="34" charset="0"/>
-                      </a:endParaRPr>
-                    </a:p>
-                  </a:txBody>
-                  <a:tcPr marL="9525" marR="9525" marT="9525" marB="0" anchor="ctr"/>
-                </a:tc>
-                <a:tc>
-                  <a:txBody>
-                    <a:bodyPr/>
-                    <a:lstStyle/>
-                    <a:p>
-                      <a:pPr algn="l" fontAlgn="ctr">
-                        <a:buNone/>
-                      </a:pPr>
-                      <a:r>
-                        <a:rPr lang="en-US" sz="1400" u="none" strike="noStrike" dirty="0">
-                          <a:effectLst/>
-                        </a:rPr>
-                        <a:t>Numeric</a:t>
-                      </a:r>
-                      <a:endParaRPr lang="en-US" sz="1400" b="0" i="0" u="none" strike="noStrike" dirty="0">
-                        <a:solidFill>
-                          <a:srgbClr val="000000"/>
-                        </a:solidFill>
-                        <a:effectLst/>
-                        <a:latin typeface="Aptos Narrow" panose="020B0004020202020204" pitchFamily="34" charset="0"/>
-                      </a:endParaRPr>
-                    </a:p>
-                  </a:txBody>
-                  <a:tcPr marL="9525" marR="9525" marT="9525" marB="0" anchor="ctr"/>
-                </a:tc>
-                <a:extLst>
-                  <a:ext uri="{0D108BD9-81ED-4DB2-BD59-A6C34878D82A}">
-                    <a16:rowId xmlns:a16="http://schemas.microsoft.com/office/drawing/2014/main" val="4132347523"/>
-                  </a:ext>
-                </a:extLst>
-              </a:tr>
-              <a:tr h="463663">
-                <a:tc vMerge="1">
-                  <a:txBody>
-                    <a:bodyPr/>
-                    <a:lstStyle/>
-                    <a:p>
-                      <a:endParaRPr/>
-                    </a:p>
-                  </a:txBody>
-                  <a:tcPr marL="9525" marR="9525" marT="9525" marB="0" anchor="ctr"/>
-                </a:tc>
-                <a:tc>
-                  <a:txBody>
-                    <a:bodyPr/>
-                    <a:lstStyle/>
-                    <a:p>
-                      <a:pPr algn="l" fontAlgn="ctr">
-                        <a:buNone/>
-                      </a:pPr>
-                      <a:r>
-                        <a:rPr lang="en-US" sz="1400" u="none" strike="noStrike">
-                          <a:effectLst/>
-                        </a:rPr>
-                        <a:t>job</a:t>
-                      </a:r>
-                      <a:endParaRPr lang="en-US" sz="1400" b="0" i="0" u="none" strike="noStrike">
-                        <a:solidFill>
-                          <a:srgbClr val="000000"/>
-                        </a:solidFill>
-                        <a:effectLst/>
-                        <a:latin typeface="Aptos Narrow" panose="020B0004020202020204" pitchFamily="34" charset="0"/>
-                      </a:endParaRPr>
-                    </a:p>
-                  </a:txBody>
-                  <a:tcPr marL="9525" marR="9525" marT="9525" marB="0" anchor="ctr"/>
-                </a:tc>
-                <a:tc>
-                  <a:txBody>
-                    <a:bodyPr/>
-                    <a:lstStyle/>
-                    <a:p>
-                      <a:pPr algn="l" fontAlgn="ctr">
-                        <a:buNone/>
-                      </a:pPr>
-                      <a:r>
-                        <a:rPr lang="en-US" sz="1400" u="none" strike="noStrike">
-                          <a:effectLst/>
-                        </a:rPr>
-                        <a:t>Type of job (admin., unknown, unemployed, management, housemaid, entrepreneur, student, blue-collar, self-employed, retired, technician, services)</a:t>
-                      </a:r>
-                      <a:endParaRPr lang="en-US" sz="1400" b="0" i="0" u="none" strike="noStrike">
-                        <a:solidFill>
-                          <a:srgbClr val="000000"/>
-                        </a:solidFill>
-                        <a:effectLst/>
-                        <a:latin typeface="Aptos Narrow" panose="020B0004020202020204" pitchFamily="34" charset="0"/>
-                      </a:endParaRPr>
-                    </a:p>
-                  </a:txBody>
-                  <a:tcPr marL="9525" marR="9525" marT="9525" marB="0" anchor="ctr"/>
-                </a:tc>
-                <a:tc>
-                  <a:txBody>
-                    <a:bodyPr/>
-                    <a:lstStyle/>
-                    <a:p>
-                      <a:pPr algn="l" fontAlgn="ctr">
-                        <a:buNone/>
-                      </a:pPr>
-                      <a:r>
-                        <a:rPr lang="en-US" sz="1400" u="none" strike="noStrike">
-                          <a:effectLst/>
-                        </a:rPr>
-                        <a:t>Categorical</a:t>
-                      </a:r>
-                      <a:endParaRPr lang="en-US" sz="1400" b="0" i="0" u="none" strike="noStrike">
-                        <a:solidFill>
-                          <a:srgbClr val="000000"/>
-                        </a:solidFill>
-                        <a:effectLst/>
-                        <a:latin typeface="Aptos Narrow" panose="020B0004020202020204" pitchFamily="34" charset="0"/>
-                      </a:endParaRPr>
-                    </a:p>
-                  </a:txBody>
-                  <a:tcPr marL="9525" marR="9525" marT="9525" marB="0" anchor="ctr"/>
-                </a:tc>
-                <a:extLst>
-                  <a:ext uri="{0D108BD9-81ED-4DB2-BD59-A6C34878D82A}">
-                    <a16:rowId xmlns:a16="http://schemas.microsoft.com/office/drawing/2014/main" val="573565370"/>
-                  </a:ext>
-                </a:extLst>
-              </a:tr>
-              <a:tr h="231832">
-                <a:tc vMerge="1">
-                  <a:txBody>
-                    <a:bodyPr/>
-                    <a:lstStyle/>
-                    <a:p>
-                      <a:endParaRPr/>
-                    </a:p>
-                  </a:txBody>
-                  <a:tcPr marL="9525" marR="9525" marT="9525" marB="0" anchor="ctr"/>
-                </a:tc>
-                <a:tc>
-                  <a:txBody>
-                    <a:bodyPr/>
-                    <a:lstStyle/>
-                    <a:p>
-                      <a:pPr algn="l" fontAlgn="ctr">
-                        <a:buNone/>
-                      </a:pPr>
-                      <a:r>
-                        <a:rPr lang="en-US" sz="1400" u="none" strike="noStrike">
-                          <a:effectLst/>
-                        </a:rPr>
-                        <a:t>marital</a:t>
-                      </a:r>
-                      <a:endParaRPr lang="en-US" sz="1400" b="0" i="0" u="none" strike="noStrike">
-                        <a:solidFill>
-                          <a:srgbClr val="000000"/>
-                        </a:solidFill>
-                        <a:effectLst/>
-                        <a:latin typeface="Aptos Narrow" panose="020B0004020202020204" pitchFamily="34" charset="0"/>
-                      </a:endParaRPr>
-                    </a:p>
-                  </a:txBody>
-                  <a:tcPr marL="9525" marR="9525" marT="9525" marB="0" anchor="ctr"/>
-                </a:tc>
-                <a:tc>
-                  <a:txBody>
-                    <a:bodyPr/>
-                    <a:lstStyle/>
-                    <a:p>
-                      <a:pPr algn="l" fontAlgn="ctr">
-                        <a:buNone/>
-                      </a:pPr>
-                      <a:r>
-                        <a:rPr lang="en-US" sz="1400" u="none" strike="noStrike" dirty="0">
-                          <a:effectLst/>
-                        </a:rPr>
-                        <a:t>Marital status (married, divorced/widowed, single)</a:t>
-                      </a:r>
-                      <a:endParaRPr lang="en-US" sz="1400" b="0" i="0" u="none" strike="noStrike" dirty="0">
-                        <a:solidFill>
-                          <a:srgbClr val="000000"/>
-                        </a:solidFill>
-                        <a:effectLst/>
-                        <a:latin typeface="Aptos Narrow" panose="020B0004020202020204" pitchFamily="34" charset="0"/>
-                      </a:endParaRPr>
-                    </a:p>
-                  </a:txBody>
-                  <a:tcPr marL="9525" marR="9525" marT="9525" marB="0" anchor="ctr"/>
-                </a:tc>
-                <a:tc>
-                  <a:txBody>
-                    <a:bodyPr/>
-                    <a:lstStyle/>
-                    <a:p>
-                      <a:pPr algn="l" fontAlgn="ctr">
-                        <a:buNone/>
-                      </a:pPr>
-                      <a:r>
-                        <a:rPr lang="en-US" sz="1400" u="none" strike="noStrike">
-                          <a:effectLst/>
-                        </a:rPr>
-                        <a:t>Categorical</a:t>
-                      </a:r>
-                      <a:endParaRPr lang="en-US" sz="1400" b="0" i="0" u="none" strike="noStrike">
-                        <a:solidFill>
-                          <a:srgbClr val="000000"/>
-                        </a:solidFill>
-                        <a:effectLst/>
-                        <a:latin typeface="Aptos Narrow" panose="020B0004020202020204" pitchFamily="34" charset="0"/>
-                      </a:endParaRPr>
-                    </a:p>
-                  </a:txBody>
-                  <a:tcPr marL="9525" marR="9525" marT="9525" marB="0" anchor="ctr"/>
-                </a:tc>
-                <a:extLst>
-                  <a:ext uri="{0D108BD9-81ED-4DB2-BD59-A6C34878D82A}">
-                    <a16:rowId xmlns:a16="http://schemas.microsoft.com/office/drawing/2014/main" val="170013892"/>
-                  </a:ext>
-                </a:extLst>
-              </a:tr>
-              <a:tr h="231832">
-                <a:tc vMerge="1">
-                  <a:txBody>
-                    <a:bodyPr/>
-                    <a:lstStyle/>
-                    <a:p>
-                      <a:endParaRPr/>
-                    </a:p>
-                  </a:txBody>
-                  <a:tcPr marL="9525" marR="9525" marT="9525" marB="0" anchor="ctr"/>
-                </a:tc>
-                <a:tc>
-                  <a:txBody>
-                    <a:bodyPr/>
-                    <a:lstStyle/>
-                    <a:p>
-                      <a:pPr algn="l" fontAlgn="ctr">
-                        <a:buNone/>
-                      </a:pPr>
-                      <a:r>
-                        <a:rPr lang="en-US" sz="1400" u="none" strike="noStrike">
-                          <a:effectLst/>
-                        </a:rPr>
-                        <a:t>education</a:t>
-                      </a:r>
-                      <a:endParaRPr lang="en-US" sz="1400" b="0" i="0" u="none" strike="noStrike">
-                        <a:solidFill>
-                          <a:srgbClr val="000000"/>
-                        </a:solidFill>
-                        <a:effectLst/>
-                        <a:latin typeface="Aptos Narrow" panose="020B0004020202020204" pitchFamily="34" charset="0"/>
-                      </a:endParaRPr>
-                    </a:p>
-                  </a:txBody>
-                  <a:tcPr marL="9525" marR="9525" marT="9525" marB="0" anchor="ctr"/>
-                </a:tc>
-                <a:tc>
-                  <a:txBody>
-                    <a:bodyPr/>
-                    <a:lstStyle/>
-                    <a:p>
-                      <a:pPr algn="l" fontAlgn="ctr">
-                        <a:buNone/>
-                      </a:pPr>
-                      <a:r>
-                        <a:rPr lang="en-US" sz="1400" u="none" strike="noStrike">
-                          <a:effectLst/>
-                        </a:rPr>
-                        <a:t>Education level (unknown, secondary, primary, tertiary)</a:t>
-                      </a:r>
-                      <a:endParaRPr lang="en-US" sz="1400" b="0" i="0" u="none" strike="noStrike">
-                        <a:solidFill>
-                          <a:srgbClr val="000000"/>
-                        </a:solidFill>
-                        <a:effectLst/>
-                        <a:latin typeface="Aptos Narrow" panose="020B0004020202020204" pitchFamily="34" charset="0"/>
-                      </a:endParaRPr>
-                    </a:p>
-                  </a:txBody>
-                  <a:tcPr marL="9525" marR="9525" marT="9525" marB="0" anchor="ctr"/>
-                </a:tc>
-                <a:tc>
-                  <a:txBody>
-                    <a:bodyPr/>
-                    <a:lstStyle/>
-                    <a:p>
-                      <a:pPr algn="l" fontAlgn="ctr">
-                        <a:buNone/>
-                      </a:pPr>
-                      <a:r>
-                        <a:rPr lang="en-US" sz="1400" u="none" strike="noStrike">
-                          <a:effectLst/>
-                        </a:rPr>
-                        <a:t>Categorical</a:t>
-                      </a:r>
-                      <a:endParaRPr lang="en-US" sz="1400" b="0" i="0" u="none" strike="noStrike">
-                        <a:solidFill>
-                          <a:srgbClr val="000000"/>
-                        </a:solidFill>
-                        <a:effectLst/>
-                        <a:latin typeface="Aptos Narrow" panose="020B0004020202020204" pitchFamily="34" charset="0"/>
-                      </a:endParaRPr>
-                    </a:p>
-                  </a:txBody>
-                  <a:tcPr marL="9525" marR="9525" marT="9525" marB="0" anchor="ctr"/>
-                </a:tc>
-                <a:extLst>
-                  <a:ext uri="{0D108BD9-81ED-4DB2-BD59-A6C34878D82A}">
-                    <a16:rowId xmlns:a16="http://schemas.microsoft.com/office/drawing/2014/main" val="2037763401"/>
-                  </a:ext>
-                </a:extLst>
-              </a:tr>
-              <a:tr h="231832">
-                <a:tc vMerge="1">
-                  <a:txBody>
-                    <a:bodyPr/>
-                    <a:lstStyle/>
-                    <a:p>
-                      <a:endParaRPr/>
-                    </a:p>
-                  </a:txBody>
-                  <a:tcPr marL="9525" marR="9525" marT="9525" marB="0" anchor="ctr"/>
-                </a:tc>
-                <a:tc>
-                  <a:txBody>
-                    <a:bodyPr/>
-                    <a:lstStyle/>
-                    <a:p>
-                      <a:pPr algn="l" fontAlgn="ctr">
-                        <a:buNone/>
-                      </a:pPr>
-                      <a:r>
-                        <a:rPr lang="en-US" sz="1400" u="none" strike="noStrike">
-                          <a:effectLst/>
-                        </a:rPr>
-                        <a:t>default</a:t>
-                      </a:r>
-                      <a:endParaRPr lang="en-US" sz="1400" b="0" i="0" u="none" strike="noStrike">
-                        <a:solidFill>
-                          <a:srgbClr val="000000"/>
-                        </a:solidFill>
-                        <a:effectLst/>
-                        <a:latin typeface="Aptos Narrow" panose="020B0004020202020204" pitchFamily="34" charset="0"/>
-                      </a:endParaRPr>
-                    </a:p>
-                  </a:txBody>
-                  <a:tcPr marL="9525" marR="9525" marT="9525" marB="0" anchor="ctr"/>
-                </a:tc>
-                <a:tc>
-                  <a:txBody>
-                    <a:bodyPr/>
-                    <a:lstStyle/>
-                    <a:p>
-                      <a:pPr algn="l" fontAlgn="ctr">
-                        <a:buNone/>
-                      </a:pPr>
-                      <a:r>
-                        <a:rPr lang="en-US" sz="1400" u="none" strike="noStrike">
-                          <a:effectLst/>
-                        </a:rPr>
-                        <a:t>Has credit in default? (yes/no)</a:t>
-                      </a:r>
-                      <a:endParaRPr lang="en-US" sz="1400" b="0" i="0" u="none" strike="noStrike">
-                        <a:solidFill>
-                          <a:srgbClr val="000000"/>
-                        </a:solidFill>
-                        <a:effectLst/>
-                        <a:latin typeface="Aptos Narrow" panose="020B0004020202020204" pitchFamily="34" charset="0"/>
-                      </a:endParaRPr>
-                    </a:p>
-                  </a:txBody>
-                  <a:tcPr marL="9525" marR="9525" marT="9525" marB="0" anchor="ctr"/>
-                </a:tc>
-                <a:tc>
-                  <a:txBody>
-                    <a:bodyPr/>
-                    <a:lstStyle/>
-                    <a:p>
-                      <a:pPr algn="l" fontAlgn="ctr">
-                        <a:buNone/>
-                      </a:pPr>
-                      <a:r>
-                        <a:rPr lang="en-US" sz="1400" u="none" strike="noStrike" dirty="0">
-                          <a:solidFill>
-                            <a:srgbClr val="7030A0"/>
-                          </a:solidFill>
-                          <a:effectLst/>
-                        </a:rPr>
-                        <a:t>Binary</a:t>
-                      </a:r>
-                      <a:endParaRPr lang="en-US" sz="1400" b="0" i="0" u="none" strike="noStrike" dirty="0">
-                        <a:solidFill>
-                          <a:srgbClr val="7030A0"/>
-                        </a:solidFill>
-                        <a:effectLst/>
-                        <a:latin typeface="Aptos Narrow" panose="020B0004020202020204" pitchFamily="34" charset="0"/>
-                      </a:endParaRPr>
-                    </a:p>
-                  </a:txBody>
-                  <a:tcPr marL="9525" marR="9525" marT="9525" marB="0" anchor="ctr"/>
-                </a:tc>
-                <a:extLst>
-                  <a:ext uri="{0D108BD9-81ED-4DB2-BD59-A6C34878D82A}">
-                    <a16:rowId xmlns:a16="http://schemas.microsoft.com/office/drawing/2014/main" val="3136981745"/>
-                  </a:ext>
-                </a:extLst>
-              </a:tr>
-              <a:tr h="231832">
-                <a:tc vMerge="1">
-                  <a:txBody>
-                    <a:bodyPr/>
-                    <a:lstStyle/>
-                    <a:p>
-                      <a:endParaRPr/>
-                    </a:p>
-                  </a:txBody>
-                  <a:tcPr marL="9525" marR="9525" marT="9525" marB="0" anchor="ctr"/>
-                </a:tc>
-                <a:tc>
-                  <a:txBody>
-                    <a:bodyPr/>
-                    <a:lstStyle/>
-                    <a:p>
-                      <a:pPr algn="l" fontAlgn="ctr">
-                        <a:buNone/>
-                      </a:pPr>
-                      <a:r>
-                        <a:rPr lang="en-US" sz="1400" u="none" strike="noStrike">
-                          <a:effectLst/>
-                        </a:rPr>
-                        <a:t>balance</a:t>
-                      </a:r>
-                      <a:endParaRPr lang="en-US" sz="1400" b="0" i="0" u="none" strike="noStrike">
-                        <a:solidFill>
-                          <a:srgbClr val="000000"/>
-                        </a:solidFill>
-                        <a:effectLst/>
-                        <a:latin typeface="Aptos Narrow" panose="020B0004020202020204" pitchFamily="34" charset="0"/>
-                      </a:endParaRPr>
-                    </a:p>
-                  </a:txBody>
-                  <a:tcPr marL="9525" marR="9525" marT="9525" marB="0" anchor="ctr"/>
-                </a:tc>
-                <a:tc>
-                  <a:txBody>
-                    <a:bodyPr/>
-                    <a:lstStyle/>
-                    <a:p>
-                      <a:pPr algn="l" fontAlgn="ctr">
-                        <a:buNone/>
-                      </a:pPr>
-                      <a:r>
-                        <a:rPr lang="en-US" sz="1400" u="none" strike="noStrike">
-                          <a:effectLst/>
-                        </a:rPr>
-                        <a:t>Average yearly account balance (euros)</a:t>
-                      </a:r>
-                      <a:endParaRPr lang="en-US" sz="1400" b="0" i="0" u="none" strike="noStrike">
-                        <a:solidFill>
-                          <a:srgbClr val="000000"/>
-                        </a:solidFill>
-                        <a:effectLst/>
-                        <a:latin typeface="Aptos Narrow" panose="020B0004020202020204" pitchFamily="34" charset="0"/>
-                      </a:endParaRPr>
-                    </a:p>
-                  </a:txBody>
-                  <a:tcPr marL="9525" marR="9525" marT="9525" marB="0" anchor="ctr"/>
-                </a:tc>
-                <a:tc>
-                  <a:txBody>
-                    <a:bodyPr/>
-                    <a:lstStyle/>
-                    <a:p>
-                      <a:pPr algn="l" fontAlgn="ctr">
-                        <a:buNone/>
-                      </a:pPr>
-                      <a:r>
-                        <a:rPr lang="en-US" sz="1400" u="none" strike="noStrike">
-                          <a:effectLst/>
-                        </a:rPr>
-                        <a:t>Numeric</a:t>
-                      </a:r>
-                      <a:endParaRPr lang="en-US" sz="1400" b="0" i="0" u="none" strike="noStrike">
-                        <a:solidFill>
-                          <a:srgbClr val="000000"/>
-                        </a:solidFill>
-                        <a:effectLst/>
-                        <a:latin typeface="Aptos Narrow" panose="020B0004020202020204" pitchFamily="34" charset="0"/>
-                      </a:endParaRPr>
-                    </a:p>
-                  </a:txBody>
-                  <a:tcPr marL="9525" marR="9525" marT="9525" marB="0" anchor="ctr"/>
-                </a:tc>
-                <a:extLst>
-                  <a:ext uri="{0D108BD9-81ED-4DB2-BD59-A6C34878D82A}">
-                    <a16:rowId xmlns:a16="http://schemas.microsoft.com/office/drawing/2014/main" val="3237408028"/>
-                  </a:ext>
-                </a:extLst>
-              </a:tr>
-              <a:tr h="231832">
-                <a:tc vMerge="1">
-                  <a:txBody>
-                    <a:bodyPr/>
-                    <a:lstStyle/>
-                    <a:p>
-                      <a:endParaRPr/>
-                    </a:p>
-                  </a:txBody>
-                  <a:tcPr marL="9525" marR="9525" marT="9525" marB="0" anchor="ctr"/>
-                </a:tc>
-                <a:tc>
-                  <a:txBody>
-                    <a:bodyPr/>
-                    <a:lstStyle/>
-                    <a:p>
-                      <a:pPr algn="l" fontAlgn="ctr">
-                        <a:buNone/>
-                      </a:pPr>
-                      <a:r>
-                        <a:rPr lang="en-US" sz="1400" u="none" strike="noStrike">
-                          <a:effectLst/>
-                        </a:rPr>
-                        <a:t>housing</a:t>
-                      </a:r>
-                      <a:endParaRPr lang="en-US" sz="1400" b="0" i="0" u="none" strike="noStrike">
-                        <a:solidFill>
-                          <a:srgbClr val="000000"/>
-                        </a:solidFill>
-                        <a:effectLst/>
-                        <a:latin typeface="Aptos Narrow" panose="020B0004020202020204" pitchFamily="34" charset="0"/>
-                      </a:endParaRPr>
-                    </a:p>
-                  </a:txBody>
-                  <a:tcPr marL="9525" marR="9525" marT="9525" marB="0" anchor="ctr"/>
-                </a:tc>
-                <a:tc>
-                  <a:txBody>
-                    <a:bodyPr/>
-                    <a:lstStyle/>
-                    <a:p>
-                      <a:pPr algn="l" fontAlgn="ctr">
-                        <a:buNone/>
-                      </a:pPr>
-                      <a:r>
-                        <a:rPr lang="en-US" sz="1400" u="none" strike="noStrike" dirty="0">
-                          <a:effectLst/>
-                        </a:rPr>
-                        <a:t>Has housing loan? (yes/no)</a:t>
-                      </a:r>
-                      <a:endParaRPr lang="en-US" sz="1400" b="0" i="0" u="none" strike="noStrike" dirty="0">
-                        <a:solidFill>
-                          <a:srgbClr val="000000"/>
-                        </a:solidFill>
-                        <a:effectLst/>
-                        <a:latin typeface="Aptos Narrow" panose="020B0004020202020204" pitchFamily="34" charset="0"/>
-                      </a:endParaRPr>
-                    </a:p>
-                  </a:txBody>
-                  <a:tcPr marL="9525" marR="9525" marT="9525" marB="0" anchor="ctr"/>
-                </a:tc>
-                <a:tc>
-                  <a:txBody>
-                    <a:bodyPr/>
-                    <a:lstStyle/>
-                    <a:p>
-                      <a:pPr algn="l" fontAlgn="ctr">
-                        <a:buNone/>
-                      </a:pPr>
-                      <a:r>
-                        <a:rPr lang="en-US" sz="1400" u="none" strike="noStrike" dirty="0">
-                          <a:solidFill>
-                            <a:srgbClr val="7030A0"/>
-                          </a:solidFill>
-                          <a:effectLst/>
-                        </a:rPr>
-                        <a:t>Binary</a:t>
-                      </a:r>
-                      <a:endParaRPr lang="en-US" sz="1400" b="0" i="0" u="none" strike="noStrike" dirty="0">
-                        <a:solidFill>
-                          <a:srgbClr val="7030A0"/>
-                        </a:solidFill>
-                        <a:effectLst/>
-                        <a:latin typeface="Aptos Narrow" panose="020B0004020202020204" pitchFamily="34" charset="0"/>
-                      </a:endParaRPr>
-                    </a:p>
-                  </a:txBody>
-                  <a:tcPr marL="9525" marR="9525" marT="9525" marB="0" anchor="ctr"/>
-                </a:tc>
-                <a:extLst>
-                  <a:ext uri="{0D108BD9-81ED-4DB2-BD59-A6C34878D82A}">
-                    <a16:rowId xmlns:a16="http://schemas.microsoft.com/office/drawing/2014/main" val="2989735138"/>
-                  </a:ext>
-                </a:extLst>
-              </a:tr>
-              <a:tr h="243423">
-                <a:tc vMerge="1">
-                  <a:txBody>
-                    <a:bodyPr/>
-                    <a:lstStyle/>
-                    <a:p>
-                      <a:endParaRPr dirty="0"/>
-                    </a:p>
-                  </a:txBody>
-                  <a:tcPr marL="9525" marR="9525" marT="9525" marB="0" anchor="ctr"/>
-                </a:tc>
-                <a:tc>
-                  <a:txBody>
-                    <a:bodyPr/>
-                    <a:lstStyle/>
-                    <a:p>
-                      <a:pPr algn="l" fontAlgn="ctr">
-                        <a:buNone/>
-                      </a:pPr>
-                      <a:r>
-                        <a:rPr lang="en-US" sz="1400" u="none" strike="noStrike">
-                          <a:effectLst/>
-                        </a:rPr>
-                        <a:t>loan</a:t>
-                      </a:r>
-                      <a:endParaRPr lang="en-US" sz="1400" b="0" i="0" u="none" strike="noStrike">
-                        <a:solidFill>
-                          <a:srgbClr val="000000"/>
-                        </a:solidFill>
-                        <a:effectLst/>
-                        <a:latin typeface="Aptos Narrow" panose="020B0004020202020204" pitchFamily="34" charset="0"/>
-                      </a:endParaRPr>
-                    </a:p>
-                  </a:txBody>
-                  <a:tcPr marL="9525" marR="9525" marT="9525" marB="0" anchor="ctr"/>
-                </a:tc>
-                <a:tc>
-                  <a:txBody>
-                    <a:bodyPr/>
-                    <a:lstStyle/>
-                    <a:p>
-                      <a:pPr algn="l" fontAlgn="ctr">
-                        <a:buNone/>
-                      </a:pPr>
-                      <a:r>
-                        <a:rPr lang="en-US" sz="1400" u="none" strike="noStrike" dirty="0">
-                          <a:effectLst/>
-                        </a:rPr>
-                        <a:t>Has personal loan? (yes/no)</a:t>
-                      </a:r>
-                      <a:endParaRPr lang="en-US" sz="1400" b="0" i="0" u="none" strike="noStrike" dirty="0">
-                        <a:solidFill>
-                          <a:srgbClr val="000000"/>
-                        </a:solidFill>
-                        <a:effectLst/>
-                        <a:latin typeface="Aptos Narrow" panose="020B0004020202020204" pitchFamily="34" charset="0"/>
-                      </a:endParaRPr>
-                    </a:p>
-                  </a:txBody>
-                  <a:tcPr marL="9525" marR="9525" marT="9525" marB="0" anchor="ctr"/>
-                </a:tc>
-                <a:tc>
-                  <a:txBody>
-                    <a:bodyPr/>
-                    <a:lstStyle/>
-                    <a:p>
-                      <a:pPr algn="l" fontAlgn="ctr">
-                        <a:buNone/>
-                      </a:pPr>
-                      <a:r>
-                        <a:rPr lang="en-US" sz="1400" u="none" strike="noStrike" dirty="0">
-                          <a:solidFill>
-                            <a:srgbClr val="7030A0"/>
-                          </a:solidFill>
-                          <a:effectLst/>
-                        </a:rPr>
-                        <a:t>Binary</a:t>
-                      </a:r>
-                      <a:endParaRPr lang="en-US" sz="1400" b="0" i="0" u="none" strike="noStrike" dirty="0">
-                        <a:solidFill>
-                          <a:srgbClr val="7030A0"/>
-                        </a:solidFill>
-                        <a:effectLst/>
-                        <a:latin typeface="Aptos Narrow" panose="020B0004020202020204" pitchFamily="34" charset="0"/>
-                      </a:endParaRPr>
-                    </a:p>
-                  </a:txBody>
-                  <a:tcPr marL="9525" marR="9525" marT="9525" marB="0" anchor="ctr"/>
-                </a:tc>
-                <a:extLst>
-                  <a:ext uri="{0D108BD9-81ED-4DB2-BD59-A6C34878D82A}">
-                    <a16:rowId xmlns:a16="http://schemas.microsoft.com/office/drawing/2014/main" val="459163927"/>
-                  </a:ext>
-                </a:extLst>
-              </a:tr>
-              <a:tr h="231832">
-                <a:tc rowSpan="4">
-                  <a:txBody>
-                    <a:bodyPr/>
-                    <a:lstStyle/>
-                    <a:p>
-                      <a:pPr algn="l" fontAlgn="ctr">
-                        <a:buNone/>
-                      </a:pPr>
-                      <a:r>
-                        <a:rPr lang="en-US" sz="1400" b="1" u="none" strike="noStrike" dirty="0">
-                          <a:effectLst/>
-                        </a:rPr>
-                        <a:t>Last contact of current campaign</a:t>
-                      </a:r>
-                    </a:p>
-                    <a:p>
-                      <a:pPr algn="l" fontAlgn="ctr">
-                        <a:buNone/>
-                      </a:pPr>
-                      <a:r>
-                        <a:rPr lang="en-US" sz="1400" b="1" u="none" strike="noStrike" dirty="0">
-                          <a:effectLst/>
-                        </a:rPr>
-                        <a:t> </a:t>
-                      </a:r>
-                    </a:p>
-                    <a:p>
-                      <a:pPr algn="l" fontAlgn="ctr">
-                        <a:buNone/>
-                      </a:pPr>
-                      <a:r>
-                        <a:rPr lang="en-US" sz="1400" b="1" u="none" strike="noStrike" dirty="0">
-                          <a:effectLst/>
-                        </a:rPr>
-                        <a:t> </a:t>
-                      </a:r>
-                    </a:p>
-                    <a:p>
-                      <a:pPr algn="l" fontAlgn="ctr">
-                        <a:buNone/>
-                      </a:pPr>
-                      <a:r>
-                        <a:rPr lang="en-US" sz="1400" b="1" u="none" strike="noStrike" dirty="0">
-                          <a:effectLst/>
-                        </a:rPr>
-                        <a:t> </a:t>
-                      </a:r>
-                      <a:endParaRPr lang="en-US" sz="1400" b="1" i="0" u="none" strike="noStrike" dirty="0">
-                        <a:solidFill>
-                          <a:srgbClr val="000000"/>
-                        </a:solidFill>
-                        <a:effectLst/>
-                        <a:latin typeface="Aptos Narrow" panose="020B0004020202020204" pitchFamily="34" charset="0"/>
-                      </a:endParaRPr>
-                    </a:p>
-                  </a:txBody>
-                  <a:tcPr marL="9525" marR="9525" marT="9525" marB="0" anchor="ctr">
-                    <a:solidFill>
-                      <a:schemeClr val="bg1">
-                        <a:lumMod val="65000"/>
-                      </a:schemeClr>
-                    </a:solidFill>
-                  </a:tcPr>
-                </a:tc>
-                <a:tc>
-                  <a:txBody>
-                    <a:bodyPr/>
-                    <a:lstStyle/>
-                    <a:p>
-                      <a:pPr algn="l" fontAlgn="ctr">
-                        <a:buNone/>
-                      </a:pPr>
-                      <a:r>
-                        <a:rPr lang="en-US" sz="1400" u="none" strike="noStrike">
-                          <a:effectLst/>
-                        </a:rPr>
-                        <a:t>contact</a:t>
-                      </a:r>
-                      <a:endParaRPr lang="en-US" sz="1400" b="0" i="0" u="none" strike="noStrike">
-                        <a:solidFill>
-                          <a:srgbClr val="000000"/>
-                        </a:solidFill>
-                        <a:effectLst/>
-                        <a:latin typeface="Aptos Narrow" panose="020B0004020202020204" pitchFamily="34" charset="0"/>
-                      </a:endParaRPr>
-                    </a:p>
-                  </a:txBody>
-                  <a:tcPr marL="9525" marR="9525" marT="9525" marB="0" anchor="ctr">
-                    <a:solidFill>
-                      <a:schemeClr val="bg1">
-                        <a:lumMod val="65000"/>
-                      </a:schemeClr>
-                    </a:solidFill>
-                  </a:tcPr>
-                </a:tc>
-                <a:tc>
-                  <a:txBody>
-                    <a:bodyPr/>
-                    <a:lstStyle/>
-                    <a:p>
-                      <a:pPr algn="l" fontAlgn="ctr">
-                        <a:buNone/>
-                      </a:pPr>
-                      <a:r>
-                        <a:rPr lang="en-US" sz="1400" u="none" strike="noStrike" dirty="0">
-                          <a:effectLst/>
-                        </a:rPr>
-                        <a:t>Contact communication type (unknown, telephone, cellular)</a:t>
-                      </a:r>
-                      <a:endParaRPr lang="en-US" sz="1400" b="0" i="0" u="none" strike="noStrike" dirty="0">
-                        <a:solidFill>
-                          <a:srgbClr val="000000"/>
-                        </a:solidFill>
-                        <a:effectLst/>
-                        <a:latin typeface="Aptos Narrow" panose="020B0004020202020204" pitchFamily="34" charset="0"/>
-                      </a:endParaRPr>
-                    </a:p>
-                  </a:txBody>
-                  <a:tcPr marL="9525" marR="9525" marT="9525" marB="0" anchor="ctr">
-                    <a:solidFill>
-                      <a:schemeClr val="bg1">
-                        <a:lumMod val="65000"/>
-                      </a:schemeClr>
-                    </a:solidFill>
-                  </a:tcPr>
-                </a:tc>
-                <a:tc>
-                  <a:txBody>
-                    <a:bodyPr/>
-                    <a:lstStyle/>
-                    <a:p>
-                      <a:pPr algn="l" fontAlgn="ctr">
-                        <a:buNone/>
-                      </a:pPr>
-                      <a:r>
-                        <a:rPr lang="en-US" sz="1400" u="none" strike="noStrike">
-                          <a:effectLst/>
-                        </a:rPr>
-                        <a:t>Categorical</a:t>
-                      </a:r>
-                      <a:endParaRPr lang="en-US" sz="1400" b="0" i="0" u="none" strike="noStrike">
-                        <a:solidFill>
-                          <a:srgbClr val="000000"/>
-                        </a:solidFill>
-                        <a:effectLst/>
-                        <a:latin typeface="Aptos Narrow" panose="020B0004020202020204" pitchFamily="34" charset="0"/>
-                      </a:endParaRPr>
-                    </a:p>
-                  </a:txBody>
-                  <a:tcPr marL="9525" marR="9525" marT="9525" marB="0" anchor="ctr">
-                    <a:solidFill>
-                      <a:schemeClr val="bg1">
-                        <a:lumMod val="65000"/>
-                      </a:schemeClr>
-                    </a:solidFill>
-                  </a:tcPr>
-                </a:tc>
-                <a:extLst>
-                  <a:ext uri="{0D108BD9-81ED-4DB2-BD59-A6C34878D82A}">
-                    <a16:rowId xmlns:a16="http://schemas.microsoft.com/office/drawing/2014/main" val="4080698696"/>
-                  </a:ext>
-                </a:extLst>
-              </a:tr>
-              <a:tr h="231832">
-                <a:tc vMerge="1">
-                  <a:txBody>
-                    <a:bodyPr/>
-                    <a:lstStyle/>
-                    <a:p>
-                      <a:endParaRPr/>
-                    </a:p>
-                  </a:txBody>
-                  <a:tcPr marL="9525" marR="9525" marT="9525" marB="0" anchor="ctr"/>
-                </a:tc>
-                <a:tc>
-                  <a:txBody>
-                    <a:bodyPr/>
-                    <a:lstStyle/>
-                    <a:p>
-                      <a:pPr algn="l" fontAlgn="ctr">
-                        <a:buNone/>
-                      </a:pPr>
-                      <a:r>
-                        <a:rPr lang="en-US" sz="1400" u="none" strike="noStrike" dirty="0">
-                          <a:effectLst/>
-                        </a:rPr>
-                        <a:t>day</a:t>
-                      </a:r>
-                      <a:endParaRPr lang="en-US" sz="1400" b="0" i="0" u="none" strike="noStrike" dirty="0">
-                        <a:solidFill>
-                          <a:srgbClr val="000000"/>
-                        </a:solidFill>
-                        <a:effectLst/>
-                        <a:latin typeface="Aptos Narrow" panose="020B0004020202020204" pitchFamily="34" charset="0"/>
-                      </a:endParaRPr>
-                    </a:p>
-                  </a:txBody>
-                  <a:tcPr marL="9525" marR="9525" marT="9525" marB="0" anchor="ctr">
-                    <a:solidFill>
-                      <a:schemeClr val="bg1">
-                        <a:lumMod val="65000"/>
-                      </a:schemeClr>
-                    </a:solidFill>
-                  </a:tcPr>
-                </a:tc>
-                <a:tc>
-                  <a:txBody>
-                    <a:bodyPr/>
-                    <a:lstStyle/>
-                    <a:p>
-                      <a:pPr algn="l" fontAlgn="ctr">
-                        <a:buNone/>
-                      </a:pPr>
-                      <a:r>
-                        <a:rPr lang="en-US" sz="1400" u="none" strike="noStrike" dirty="0">
-                          <a:effectLst/>
-                        </a:rPr>
-                        <a:t>Last contact day of month</a:t>
-                      </a:r>
-                      <a:endParaRPr lang="en-US" sz="1400" b="0" i="0" u="none" strike="noStrike" dirty="0">
-                        <a:solidFill>
-                          <a:srgbClr val="000000"/>
-                        </a:solidFill>
-                        <a:effectLst/>
-                        <a:latin typeface="Aptos Narrow" panose="020B0004020202020204" pitchFamily="34" charset="0"/>
-                      </a:endParaRPr>
-                    </a:p>
-                  </a:txBody>
-                  <a:tcPr marL="9525" marR="9525" marT="9525" marB="0" anchor="ctr">
-                    <a:solidFill>
-                      <a:schemeClr val="bg1">
-                        <a:lumMod val="65000"/>
-                      </a:schemeClr>
-                    </a:solidFill>
-                  </a:tcPr>
-                </a:tc>
-                <a:tc>
-                  <a:txBody>
-                    <a:bodyPr/>
-                    <a:lstStyle/>
-                    <a:p>
-                      <a:pPr algn="l" fontAlgn="ctr">
-                        <a:buNone/>
-                      </a:pPr>
-                      <a:r>
-                        <a:rPr lang="en-US" sz="1400" u="none" strike="noStrike">
-                          <a:effectLst/>
-                        </a:rPr>
-                        <a:t>Numeric</a:t>
-                      </a:r>
-                      <a:endParaRPr lang="en-US" sz="1400" b="0" i="0" u="none" strike="noStrike">
-                        <a:solidFill>
-                          <a:srgbClr val="000000"/>
-                        </a:solidFill>
-                        <a:effectLst/>
-                        <a:latin typeface="Aptos Narrow" panose="020B0004020202020204" pitchFamily="34" charset="0"/>
-                      </a:endParaRPr>
-                    </a:p>
-                  </a:txBody>
-                  <a:tcPr marL="9525" marR="9525" marT="9525" marB="0" anchor="ctr">
-                    <a:solidFill>
-                      <a:schemeClr val="bg1">
-                        <a:lumMod val="65000"/>
-                      </a:schemeClr>
-                    </a:solidFill>
-                  </a:tcPr>
-                </a:tc>
-                <a:extLst>
-                  <a:ext uri="{0D108BD9-81ED-4DB2-BD59-A6C34878D82A}">
-                    <a16:rowId xmlns:a16="http://schemas.microsoft.com/office/drawing/2014/main" val="879216851"/>
-                  </a:ext>
-                </a:extLst>
-              </a:tr>
-              <a:tr h="231832">
-                <a:tc vMerge="1">
-                  <a:txBody>
-                    <a:bodyPr/>
-                    <a:lstStyle/>
-                    <a:p>
-                      <a:endParaRPr/>
-                    </a:p>
-                  </a:txBody>
-                  <a:tcPr marL="9525" marR="9525" marT="9525" marB="0" anchor="ctr"/>
-                </a:tc>
-                <a:tc>
-                  <a:txBody>
-                    <a:bodyPr/>
-                    <a:lstStyle/>
-                    <a:p>
-                      <a:pPr algn="l" fontAlgn="ctr">
-                        <a:buNone/>
-                      </a:pPr>
-                      <a:r>
-                        <a:rPr lang="en-US" sz="1400" u="none" strike="noStrike">
-                          <a:effectLst/>
-                        </a:rPr>
-                        <a:t>month</a:t>
-                      </a:r>
-                      <a:endParaRPr lang="en-US" sz="1400" b="0" i="0" u="none" strike="noStrike">
-                        <a:solidFill>
-                          <a:srgbClr val="000000"/>
-                        </a:solidFill>
-                        <a:effectLst/>
-                        <a:latin typeface="Aptos Narrow" panose="020B0004020202020204" pitchFamily="34" charset="0"/>
-                      </a:endParaRPr>
-                    </a:p>
-                  </a:txBody>
-                  <a:tcPr marL="9525" marR="9525" marT="9525" marB="0" anchor="ctr">
-                    <a:solidFill>
-                      <a:schemeClr val="bg1">
-                        <a:lumMod val="65000"/>
-                      </a:schemeClr>
-                    </a:solidFill>
-                  </a:tcPr>
-                </a:tc>
-                <a:tc>
-                  <a:txBody>
-                    <a:bodyPr/>
-                    <a:lstStyle/>
-                    <a:p>
-                      <a:pPr algn="l" fontAlgn="ctr">
-                        <a:buNone/>
-                      </a:pPr>
-                      <a:r>
-                        <a:rPr lang="en-US" sz="1400" u="none" strike="noStrike" dirty="0">
-                          <a:effectLst/>
-                        </a:rPr>
-                        <a:t>Last contact month (</a:t>
-                      </a:r>
-                      <a:r>
-                        <a:rPr lang="en-US" sz="1400" u="none" strike="noStrike" dirty="0" err="1">
-                          <a:effectLst/>
-                        </a:rPr>
-                        <a:t>jan</a:t>
-                      </a:r>
-                      <a:r>
-                        <a:rPr lang="en-US" sz="1400" u="none" strike="noStrike" dirty="0">
-                          <a:effectLst/>
-                        </a:rPr>
-                        <a:t>-dec)</a:t>
-                      </a:r>
-                      <a:endParaRPr lang="en-US" sz="1400" b="0" i="0" u="none" strike="noStrike" dirty="0">
-                        <a:solidFill>
-                          <a:srgbClr val="000000"/>
-                        </a:solidFill>
-                        <a:effectLst/>
-                        <a:latin typeface="Aptos Narrow" panose="020B0004020202020204" pitchFamily="34" charset="0"/>
-                      </a:endParaRPr>
-                    </a:p>
-                  </a:txBody>
-                  <a:tcPr marL="9525" marR="9525" marT="9525" marB="0" anchor="ctr">
-                    <a:solidFill>
-                      <a:schemeClr val="bg1">
-                        <a:lumMod val="65000"/>
-                      </a:schemeClr>
-                    </a:solidFill>
-                  </a:tcPr>
-                </a:tc>
-                <a:tc>
-                  <a:txBody>
-                    <a:bodyPr/>
-                    <a:lstStyle/>
-                    <a:p>
-                      <a:pPr algn="l" fontAlgn="ctr">
-                        <a:buNone/>
-                      </a:pPr>
-                      <a:r>
-                        <a:rPr lang="en-US" sz="1400" u="none" strike="noStrike">
-                          <a:effectLst/>
-                        </a:rPr>
-                        <a:t>Categorical</a:t>
-                      </a:r>
-                      <a:endParaRPr lang="en-US" sz="1400" b="0" i="0" u="none" strike="noStrike">
-                        <a:solidFill>
-                          <a:srgbClr val="000000"/>
-                        </a:solidFill>
-                        <a:effectLst/>
-                        <a:latin typeface="Aptos Narrow" panose="020B0004020202020204" pitchFamily="34" charset="0"/>
-                      </a:endParaRPr>
-                    </a:p>
-                  </a:txBody>
-                  <a:tcPr marL="9525" marR="9525" marT="9525" marB="0" anchor="ctr">
-                    <a:solidFill>
-                      <a:schemeClr val="bg1">
-                        <a:lumMod val="65000"/>
-                      </a:schemeClr>
-                    </a:solidFill>
-                  </a:tcPr>
-                </a:tc>
-                <a:extLst>
-                  <a:ext uri="{0D108BD9-81ED-4DB2-BD59-A6C34878D82A}">
-                    <a16:rowId xmlns:a16="http://schemas.microsoft.com/office/drawing/2014/main" val="3574023088"/>
-                  </a:ext>
-                </a:extLst>
-              </a:tr>
-              <a:tr h="243423">
-                <a:tc vMerge="1">
-                  <a:txBody>
-                    <a:bodyPr/>
-                    <a:lstStyle/>
-                    <a:p>
-                      <a:endParaRPr dirty="0"/>
-                    </a:p>
-                  </a:txBody>
-                  <a:tcPr marL="9525" marR="9525" marT="9525" marB="0" anchor="ctr"/>
-                </a:tc>
-                <a:tc>
-                  <a:txBody>
-                    <a:bodyPr/>
-                    <a:lstStyle/>
-                    <a:p>
-                      <a:pPr algn="l" fontAlgn="ctr">
-                        <a:buNone/>
-                      </a:pPr>
-                      <a:r>
-                        <a:rPr lang="en-US" sz="1400" u="none" strike="noStrike">
-                          <a:effectLst/>
-                        </a:rPr>
-                        <a:t>duration</a:t>
-                      </a:r>
-                      <a:endParaRPr lang="en-US" sz="1400" b="0" i="0" u="none" strike="noStrike">
-                        <a:solidFill>
-                          <a:srgbClr val="000000"/>
-                        </a:solidFill>
-                        <a:effectLst/>
-                        <a:latin typeface="Aptos Narrow" panose="020B0004020202020204" pitchFamily="34" charset="0"/>
-                      </a:endParaRPr>
-                    </a:p>
-                  </a:txBody>
-                  <a:tcPr marL="9525" marR="9525" marT="9525" marB="0" anchor="ctr">
-                    <a:solidFill>
-                      <a:schemeClr val="bg1">
-                        <a:lumMod val="65000"/>
-                      </a:schemeClr>
-                    </a:solidFill>
-                  </a:tcPr>
-                </a:tc>
-                <a:tc>
-                  <a:txBody>
-                    <a:bodyPr/>
-                    <a:lstStyle/>
-                    <a:p>
-                      <a:pPr algn="l" fontAlgn="ctr">
-                        <a:buNone/>
-                      </a:pPr>
-                      <a:r>
-                        <a:rPr lang="en-US" sz="1400" u="none" strike="noStrike" dirty="0">
-                          <a:effectLst/>
-                        </a:rPr>
-                        <a:t>Last contact duration (seconds)</a:t>
-                      </a:r>
-                      <a:endParaRPr lang="en-US" sz="1400" b="0" i="0" u="none" strike="noStrike" dirty="0">
-                        <a:solidFill>
-                          <a:srgbClr val="000000"/>
-                        </a:solidFill>
-                        <a:effectLst/>
-                        <a:latin typeface="Aptos Narrow" panose="020B0004020202020204" pitchFamily="34" charset="0"/>
-                      </a:endParaRPr>
-                    </a:p>
-                  </a:txBody>
-                  <a:tcPr marL="9525" marR="9525" marT="9525" marB="0" anchor="ctr">
-                    <a:solidFill>
-                      <a:schemeClr val="bg1">
-                        <a:lumMod val="65000"/>
-                      </a:schemeClr>
-                    </a:solidFill>
-                  </a:tcPr>
-                </a:tc>
-                <a:tc>
-                  <a:txBody>
-                    <a:bodyPr/>
-                    <a:lstStyle/>
-                    <a:p>
-                      <a:pPr algn="l" fontAlgn="ctr">
-                        <a:buNone/>
-                      </a:pPr>
-                      <a:r>
-                        <a:rPr lang="en-US" sz="1400" u="none" strike="noStrike">
-                          <a:effectLst/>
-                        </a:rPr>
-                        <a:t>Numeric</a:t>
-                      </a:r>
-                      <a:endParaRPr lang="en-US" sz="1400" b="0" i="0" u="none" strike="noStrike">
-                        <a:solidFill>
-                          <a:srgbClr val="000000"/>
-                        </a:solidFill>
-                        <a:effectLst/>
-                        <a:latin typeface="Aptos Narrow" panose="020B0004020202020204" pitchFamily="34" charset="0"/>
-                      </a:endParaRPr>
-                    </a:p>
-                  </a:txBody>
-                  <a:tcPr marL="9525" marR="9525" marT="9525" marB="0" anchor="ctr">
-                    <a:solidFill>
-                      <a:schemeClr val="bg1">
-                        <a:lumMod val="65000"/>
-                      </a:schemeClr>
-                    </a:solidFill>
-                  </a:tcPr>
-                </a:tc>
-                <a:extLst>
-                  <a:ext uri="{0D108BD9-81ED-4DB2-BD59-A6C34878D82A}">
-                    <a16:rowId xmlns:a16="http://schemas.microsoft.com/office/drawing/2014/main" val="3634693216"/>
-                  </a:ext>
-                </a:extLst>
-              </a:tr>
-              <a:tr h="231832">
-                <a:tc rowSpan="4">
-                  <a:txBody>
-                    <a:bodyPr/>
-                    <a:lstStyle/>
-                    <a:p>
-                      <a:pPr algn="l" fontAlgn="ctr">
-                        <a:buNone/>
-                      </a:pPr>
-                      <a:r>
-                        <a:rPr lang="en-US" sz="1400" b="1" u="none" strike="noStrike" dirty="0">
-                          <a:effectLst/>
-                        </a:rPr>
-                        <a:t>Other campaign attributes</a:t>
-                      </a:r>
-                    </a:p>
-                    <a:p>
-                      <a:pPr algn="l" fontAlgn="ctr">
-                        <a:buNone/>
-                      </a:pPr>
-                      <a:r>
-                        <a:rPr lang="en-US" sz="1400" b="1" u="none" strike="noStrike" dirty="0">
-                          <a:effectLst/>
-                        </a:rPr>
-                        <a:t> </a:t>
-                      </a:r>
-                    </a:p>
-                    <a:p>
-                      <a:pPr algn="l" fontAlgn="ctr">
-                        <a:buNone/>
-                      </a:pPr>
-                      <a:r>
-                        <a:rPr lang="en-US" sz="1400" b="1" u="none" strike="noStrike" dirty="0">
-                          <a:effectLst/>
-                        </a:rPr>
-                        <a:t> </a:t>
-                      </a:r>
-                    </a:p>
-                    <a:p>
-                      <a:pPr algn="l" fontAlgn="ctr">
-                        <a:buNone/>
-                      </a:pPr>
-                      <a:r>
-                        <a:rPr lang="en-US" sz="1400" b="1" u="none" strike="noStrike" dirty="0">
-                          <a:effectLst/>
-                        </a:rPr>
-                        <a:t> </a:t>
-                      </a:r>
-                      <a:endParaRPr lang="en-US" sz="1400" b="1" i="0" u="none" strike="noStrike" dirty="0">
-                        <a:solidFill>
-                          <a:srgbClr val="000000"/>
-                        </a:solidFill>
-                        <a:effectLst/>
-                        <a:latin typeface="Aptos Narrow" panose="020B0004020202020204" pitchFamily="34" charset="0"/>
-                      </a:endParaRPr>
-                    </a:p>
-                  </a:txBody>
-                  <a:tcPr marL="9525" marR="9525" marT="9525" marB="0" anchor="ctr">
-                    <a:solidFill>
-                      <a:schemeClr val="bg1">
-                        <a:lumMod val="65000"/>
-                      </a:schemeClr>
-                    </a:solidFill>
-                  </a:tcPr>
-                </a:tc>
-                <a:tc>
-                  <a:txBody>
-                    <a:bodyPr/>
-                    <a:lstStyle/>
-                    <a:p>
-                      <a:pPr algn="l" fontAlgn="ctr">
-                        <a:buNone/>
-                      </a:pPr>
-                      <a:r>
-                        <a:rPr lang="en-US" sz="1400" u="none" strike="noStrike">
-                          <a:effectLst/>
-                        </a:rPr>
-                        <a:t>campaign</a:t>
-                      </a:r>
-                      <a:endParaRPr lang="en-US" sz="1400" b="0" i="0" u="none" strike="noStrike">
-                        <a:solidFill>
-                          <a:srgbClr val="000000"/>
-                        </a:solidFill>
-                        <a:effectLst/>
-                        <a:latin typeface="Aptos Narrow" panose="020B0004020202020204" pitchFamily="34" charset="0"/>
-                      </a:endParaRPr>
-                    </a:p>
-                  </a:txBody>
-                  <a:tcPr marL="9525" marR="9525" marT="9525" marB="0" anchor="ctr">
-                    <a:solidFill>
-                      <a:schemeClr val="bg1">
-                        <a:lumMod val="65000"/>
-                      </a:schemeClr>
-                    </a:solidFill>
-                  </a:tcPr>
-                </a:tc>
-                <a:tc>
-                  <a:txBody>
-                    <a:bodyPr/>
-                    <a:lstStyle/>
-                    <a:p>
-                      <a:pPr algn="l" fontAlgn="ctr">
-                        <a:buNone/>
-                      </a:pPr>
-                      <a:r>
-                        <a:rPr lang="en-US" sz="1400" u="none" strike="noStrike" dirty="0">
-                          <a:effectLst/>
-                        </a:rPr>
-                        <a:t>Number of contacts during this campaign (including last contact)</a:t>
-                      </a:r>
-                      <a:endParaRPr lang="en-US" sz="1400" b="0" i="0" u="none" strike="noStrike" dirty="0">
-                        <a:solidFill>
-                          <a:srgbClr val="000000"/>
-                        </a:solidFill>
-                        <a:effectLst/>
-                        <a:latin typeface="Aptos Narrow" panose="020B0004020202020204" pitchFamily="34" charset="0"/>
-                      </a:endParaRPr>
-                    </a:p>
-                  </a:txBody>
-                  <a:tcPr marL="9525" marR="9525" marT="9525" marB="0" anchor="ctr">
-                    <a:solidFill>
-                      <a:schemeClr val="bg1">
-                        <a:lumMod val="65000"/>
-                      </a:schemeClr>
-                    </a:solidFill>
-                  </a:tcPr>
-                </a:tc>
-                <a:tc>
-                  <a:txBody>
-                    <a:bodyPr/>
-                    <a:lstStyle/>
-                    <a:p>
-                      <a:pPr algn="l" fontAlgn="ctr">
-                        <a:buNone/>
-                      </a:pPr>
-                      <a:r>
-                        <a:rPr lang="en-US" sz="1400" u="none" strike="noStrike">
-                          <a:effectLst/>
-                        </a:rPr>
-                        <a:t>Numeric</a:t>
-                      </a:r>
-                      <a:endParaRPr lang="en-US" sz="1400" b="0" i="0" u="none" strike="noStrike">
-                        <a:solidFill>
-                          <a:srgbClr val="000000"/>
-                        </a:solidFill>
-                        <a:effectLst/>
-                        <a:latin typeface="Aptos Narrow" panose="020B0004020202020204" pitchFamily="34" charset="0"/>
-                      </a:endParaRPr>
-                    </a:p>
-                  </a:txBody>
-                  <a:tcPr marL="9525" marR="9525" marT="9525" marB="0" anchor="ctr">
-                    <a:solidFill>
-                      <a:schemeClr val="bg1">
-                        <a:lumMod val="65000"/>
-                      </a:schemeClr>
-                    </a:solidFill>
-                  </a:tcPr>
-                </a:tc>
-                <a:extLst>
-                  <a:ext uri="{0D108BD9-81ED-4DB2-BD59-A6C34878D82A}">
-                    <a16:rowId xmlns:a16="http://schemas.microsoft.com/office/drawing/2014/main" val="2764756125"/>
-                  </a:ext>
-                </a:extLst>
-              </a:tr>
-              <a:tr h="463663">
-                <a:tc vMerge="1">
-                  <a:txBody>
-                    <a:bodyPr/>
-                    <a:lstStyle/>
-                    <a:p>
-                      <a:endParaRPr/>
-                    </a:p>
-                  </a:txBody>
-                  <a:tcPr marL="9525" marR="9525" marT="9525" marB="0" anchor="ctr"/>
-                </a:tc>
-                <a:tc>
-                  <a:txBody>
-                    <a:bodyPr/>
-                    <a:lstStyle/>
-                    <a:p>
-                      <a:pPr algn="l" fontAlgn="ctr">
-                        <a:buNone/>
-                      </a:pPr>
-                      <a:r>
-                        <a:rPr lang="en-US" sz="1400" u="none" strike="noStrike" dirty="0" err="1">
-                          <a:effectLst/>
-                        </a:rPr>
-                        <a:t>pdays</a:t>
-                      </a:r>
-                      <a:endParaRPr lang="en-US" sz="1400" b="0" i="0" u="none" strike="noStrike" dirty="0">
-                        <a:solidFill>
-                          <a:srgbClr val="000000"/>
-                        </a:solidFill>
-                        <a:effectLst/>
-                        <a:latin typeface="Aptos Narrow" panose="020B0004020202020204" pitchFamily="34" charset="0"/>
-                      </a:endParaRPr>
-                    </a:p>
-                  </a:txBody>
-                  <a:tcPr marL="9525" marR="9525" marT="9525" marB="0" anchor="ctr">
-                    <a:solidFill>
-                      <a:schemeClr val="bg1">
-                        <a:lumMod val="65000"/>
-                      </a:schemeClr>
-                    </a:solidFill>
-                  </a:tcPr>
-                </a:tc>
-                <a:tc>
-                  <a:txBody>
-                    <a:bodyPr/>
-                    <a:lstStyle/>
-                    <a:p>
-                      <a:pPr algn="l" fontAlgn="ctr">
-                        <a:buNone/>
-                      </a:pPr>
-                      <a:r>
-                        <a:rPr lang="en-US" sz="1400" u="none" strike="noStrike" dirty="0">
-                          <a:effectLst/>
-                        </a:rPr>
-                        <a:t>Days passed since client was last contacted from previous campaign (-1 means never contacted)</a:t>
-                      </a:r>
-                      <a:endParaRPr lang="en-US" sz="1400" b="0" i="0" u="none" strike="noStrike" dirty="0">
-                        <a:solidFill>
-                          <a:srgbClr val="000000"/>
-                        </a:solidFill>
-                        <a:effectLst/>
-                        <a:latin typeface="Aptos Narrow" panose="020B0004020202020204" pitchFamily="34" charset="0"/>
-                      </a:endParaRPr>
-                    </a:p>
-                  </a:txBody>
-                  <a:tcPr marL="9525" marR="9525" marT="9525" marB="0" anchor="ctr">
-                    <a:solidFill>
-                      <a:schemeClr val="bg1">
-                        <a:lumMod val="65000"/>
-                      </a:schemeClr>
-                    </a:solidFill>
-                  </a:tcPr>
-                </a:tc>
-                <a:tc>
-                  <a:txBody>
-                    <a:bodyPr/>
-                    <a:lstStyle/>
-                    <a:p>
-                      <a:pPr algn="l" fontAlgn="ctr">
-                        <a:buNone/>
-                      </a:pPr>
-                      <a:r>
-                        <a:rPr lang="en-US" sz="1400" u="none" strike="noStrike">
-                          <a:effectLst/>
-                        </a:rPr>
-                        <a:t>Numeric</a:t>
-                      </a:r>
-                      <a:endParaRPr lang="en-US" sz="1400" b="0" i="0" u="none" strike="noStrike">
-                        <a:solidFill>
-                          <a:srgbClr val="000000"/>
-                        </a:solidFill>
-                        <a:effectLst/>
-                        <a:latin typeface="Aptos Narrow" panose="020B0004020202020204" pitchFamily="34" charset="0"/>
-                      </a:endParaRPr>
-                    </a:p>
-                  </a:txBody>
-                  <a:tcPr marL="9525" marR="9525" marT="9525" marB="0" anchor="ctr">
-                    <a:solidFill>
-                      <a:schemeClr val="bg1">
-                        <a:lumMod val="65000"/>
-                      </a:schemeClr>
-                    </a:solidFill>
-                  </a:tcPr>
-                </a:tc>
-                <a:extLst>
-                  <a:ext uri="{0D108BD9-81ED-4DB2-BD59-A6C34878D82A}">
-                    <a16:rowId xmlns:a16="http://schemas.microsoft.com/office/drawing/2014/main" val="2359787280"/>
-                  </a:ext>
-                </a:extLst>
-              </a:tr>
-              <a:tr h="231832">
-                <a:tc vMerge="1">
-                  <a:txBody>
-                    <a:bodyPr/>
-                    <a:lstStyle/>
-                    <a:p>
-                      <a:endParaRPr/>
-                    </a:p>
-                  </a:txBody>
-                  <a:tcPr marL="9525" marR="9525" marT="9525" marB="0" anchor="ctr"/>
-                </a:tc>
-                <a:tc>
-                  <a:txBody>
-                    <a:bodyPr/>
-                    <a:lstStyle/>
-                    <a:p>
-                      <a:pPr algn="l" fontAlgn="ctr">
-                        <a:buNone/>
-                      </a:pPr>
-                      <a:r>
-                        <a:rPr lang="en-US" sz="1400" u="none" strike="noStrike">
-                          <a:effectLst/>
-                        </a:rPr>
-                        <a:t>previous</a:t>
-                      </a:r>
-                      <a:endParaRPr lang="en-US" sz="1400" b="0" i="0" u="none" strike="noStrike">
-                        <a:solidFill>
-                          <a:srgbClr val="000000"/>
-                        </a:solidFill>
-                        <a:effectLst/>
-                        <a:latin typeface="Aptos Narrow" panose="020B0004020202020204" pitchFamily="34" charset="0"/>
-                      </a:endParaRPr>
-                    </a:p>
-                  </a:txBody>
-                  <a:tcPr marL="9525" marR="9525" marT="9525" marB="0" anchor="ctr">
-                    <a:solidFill>
-                      <a:schemeClr val="bg1">
-                        <a:lumMod val="65000"/>
-                      </a:schemeClr>
-                    </a:solidFill>
-                  </a:tcPr>
-                </a:tc>
-                <a:tc>
-                  <a:txBody>
-                    <a:bodyPr/>
-                    <a:lstStyle/>
-                    <a:p>
-                      <a:pPr algn="l" fontAlgn="ctr">
-                        <a:buNone/>
-                      </a:pPr>
-                      <a:r>
-                        <a:rPr lang="en-US" sz="1400" u="none" strike="noStrike" dirty="0">
-                          <a:effectLst/>
-                        </a:rPr>
-                        <a:t>Number of contacts performed before this campaign</a:t>
-                      </a:r>
-                      <a:endParaRPr lang="en-US" sz="1400" b="0" i="0" u="none" strike="noStrike" dirty="0">
-                        <a:solidFill>
-                          <a:srgbClr val="000000"/>
-                        </a:solidFill>
-                        <a:effectLst/>
-                        <a:latin typeface="Aptos Narrow" panose="020B0004020202020204" pitchFamily="34" charset="0"/>
-                      </a:endParaRPr>
-                    </a:p>
-                  </a:txBody>
-                  <a:tcPr marL="9525" marR="9525" marT="9525" marB="0" anchor="ctr">
-                    <a:solidFill>
-                      <a:schemeClr val="bg1">
-                        <a:lumMod val="65000"/>
-                      </a:schemeClr>
-                    </a:solidFill>
-                  </a:tcPr>
-                </a:tc>
-                <a:tc>
-                  <a:txBody>
-                    <a:bodyPr/>
-                    <a:lstStyle/>
-                    <a:p>
-                      <a:pPr algn="l" fontAlgn="ctr">
-                        <a:buNone/>
-                      </a:pPr>
-                      <a:r>
-                        <a:rPr lang="en-US" sz="1400" u="none" strike="noStrike" dirty="0">
-                          <a:effectLst/>
-                        </a:rPr>
-                        <a:t>Numeric</a:t>
-                      </a:r>
-                      <a:endParaRPr lang="en-US" sz="1400" b="0" i="0" u="none" strike="noStrike" dirty="0">
-                        <a:solidFill>
-                          <a:srgbClr val="000000"/>
-                        </a:solidFill>
-                        <a:effectLst/>
-                        <a:latin typeface="Aptos Narrow" panose="020B0004020202020204" pitchFamily="34" charset="0"/>
-                      </a:endParaRPr>
-                    </a:p>
-                  </a:txBody>
-                  <a:tcPr marL="9525" marR="9525" marT="9525" marB="0" anchor="ctr">
-                    <a:solidFill>
-                      <a:schemeClr val="bg1">
-                        <a:lumMod val="65000"/>
-                      </a:schemeClr>
-                    </a:solidFill>
-                  </a:tcPr>
-                </a:tc>
-                <a:extLst>
-                  <a:ext uri="{0D108BD9-81ED-4DB2-BD59-A6C34878D82A}">
-                    <a16:rowId xmlns:a16="http://schemas.microsoft.com/office/drawing/2014/main" val="3841553539"/>
-                  </a:ext>
-                </a:extLst>
-              </a:tr>
-              <a:tr h="243423">
-                <a:tc vMerge="1">
-                  <a:txBody>
-                    <a:bodyPr/>
-                    <a:lstStyle/>
-                    <a:p>
-                      <a:endParaRPr dirty="0"/>
-                    </a:p>
-                  </a:txBody>
-                  <a:tcPr marL="9525" marR="9525" marT="9525" marB="0" anchor="ctr"/>
-                </a:tc>
-                <a:tc>
-                  <a:txBody>
-                    <a:bodyPr/>
-                    <a:lstStyle/>
-                    <a:p>
-                      <a:pPr algn="l" fontAlgn="ctr">
-                        <a:buNone/>
-                      </a:pPr>
-                      <a:r>
-                        <a:rPr lang="en-US" sz="1400" u="none" strike="noStrike">
-                          <a:effectLst/>
-                        </a:rPr>
-                        <a:t>poutcome</a:t>
-                      </a:r>
-                      <a:endParaRPr lang="en-US" sz="1400" b="0" i="0" u="none" strike="noStrike">
-                        <a:solidFill>
-                          <a:srgbClr val="000000"/>
-                        </a:solidFill>
-                        <a:effectLst/>
-                        <a:latin typeface="Aptos Narrow" panose="020B0004020202020204" pitchFamily="34" charset="0"/>
-                      </a:endParaRPr>
-                    </a:p>
-                  </a:txBody>
-                  <a:tcPr marL="9525" marR="9525" marT="9525" marB="0" anchor="ctr">
-                    <a:solidFill>
-                      <a:schemeClr val="bg1">
-                        <a:lumMod val="65000"/>
-                      </a:schemeClr>
-                    </a:solidFill>
-                  </a:tcPr>
-                </a:tc>
-                <a:tc>
-                  <a:txBody>
-                    <a:bodyPr/>
-                    <a:lstStyle/>
-                    <a:p>
-                      <a:pPr algn="l" fontAlgn="ctr">
-                        <a:buNone/>
-                      </a:pPr>
-                      <a:r>
-                        <a:rPr lang="en-US" sz="1400" u="none" strike="noStrike">
-                          <a:effectLst/>
-                        </a:rPr>
-                        <a:t>Outcome of the previous campaign (unknown, other, failure, success)</a:t>
-                      </a:r>
-                      <a:endParaRPr lang="en-US" sz="1400" b="0" i="0" u="none" strike="noStrike">
-                        <a:solidFill>
-                          <a:srgbClr val="000000"/>
-                        </a:solidFill>
-                        <a:effectLst/>
-                        <a:latin typeface="Aptos Narrow" panose="020B0004020202020204" pitchFamily="34" charset="0"/>
-                      </a:endParaRPr>
-                    </a:p>
-                  </a:txBody>
-                  <a:tcPr marL="9525" marR="9525" marT="9525" marB="0" anchor="ctr">
-                    <a:solidFill>
-                      <a:schemeClr val="bg1">
-                        <a:lumMod val="65000"/>
-                      </a:schemeClr>
-                    </a:solidFill>
-                  </a:tcPr>
-                </a:tc>
-                <a:tc>
-                  <a:txBody>
-                    <a:bodyPr/>
-                    <a:lstStyle/>
-                    <a:p>
-                      <a:pPr algn="l" fontAlgn="ctr">
-                        <a:buNone/>
-                      </a:pPr>
-                      <a:r>
-                        <a:rPr lang="en-US" sz="1400" u="none" strike="noStrike" dirty="0">
-                          <a:effectLst/>
-                        </a:rPr>
-                        <a:t>Categorical</a:t>
-                      </a:r>
-                      <a:endParaRPr lang="en-US" sz="1400" b="0" i="0" u="none" strike="noStrike" dirty="0">
-                        <a:solidFill>
-                          <a:srgbClr val="000000"/>
-                        </a:solidFill>
-                        <a:effectLst/>
-                        <a:latin typeface="Aptos Narrow" panose="020B0004020202020204" pitchFamily="34" charset="0"/>
-                      </a:endParaRPr>
-                    </a:p>
-                  </a:txBody>
-                  <a:tcPr marL="9525" marR="9525" marT="9525" marB="0" anchor="ctr">
-                    <a:solidFill>
-                      <a:schemeClr val="bg1">
-                        <a:lumMod val="65000"/>
-                      </a:schemeClr>
-                    </a:solidFill>
-                  </a:tcPr>
-                </a:tc>
-                <a:extLst>
-                  <a:ext uri="{0D108BD9-81ED-4DB2-BD59-A6C34878D82A}">
-                    <a16:rowId xmlns:a16="http://schemas.microsoft.com/office/drawing/2014/main" val="1158775598"/>
-                  </a:ext>
-                </a:extLst>
-              </a:tr>
-              <a:tr h="243423">
-                <a:tc>
-                  <a:txBody>
-                    <a:bodyPr/>
-                    <a:lstStyle/>
-                    <a:p>
-                      <a:pPr algn="l" fontAlgn="ctr">
-                        <a:buNone/>
-                      </a:pPr>
-                      <a:r>
-                        <a:rPr lang="en-US" sz="1400" b="1" u="none" strike="noStrike" dirty="0">
-                          <a:solidFill>
-                            <a:srgbClr val="7030A0"/>
-                          </a:solidFill>
-                          <a:effectLst/>
-                        </a:rPr>
-                        <a:t>Target variable</a:t>
-                      </a:r>
-                      <a:endParaRPr lang="en-US" sz="1400" b="1" i="0" u="none" strike="noStrike" dirty="0">
-                        <a:solidFill>
-                          <a:srgbClr val="7030A0"/>
-                        </a:solidFill>
-                        <a:effectLst/>
-                        <a:latin typeface="Aptos Narrow" panose="020B0004020202020204" pitchFamily="34" charset="0"/>
-                      </a:endParaRPr>
-                    </a:p>
-                  </a:txBody>
-                  <a:tcPr marL="9525" marR="9525" marT="9525" marB="0" anchor="ctr"/>
-                </a:tc>
-                <a:tc>
-                  <a:txBody>
-                    <a:bodyPr/>
-                    <a:lstStyle/>
-                    <a:p>
-                      <a:pPr algn="l" fontAlgn="ctr">
-                        <a:buNone/>
-                      </a:pPr>
-                      <a:r>
-                        <a:rPr lang="en-US" sz="1400" b="1" u="none" strike="noStrike" dirty="0">
-                          <a:solidFill>
-                            <a:srgbClr val="7030A0"/>
-                          </a:solidFill>
-                          <a:effectLst/>
-                        </a:rPr>
-                        <a:t>y</a:t>
-                      </a:r>
-                      <a:endParaRPr lang="en-US" sz="1400" b="1" i="0" u="none" strike="noStrike" dirty="0">
-                        <a:solidFill>
-                          <a:srgbClr val="7030A0"/>
-                        </a:solidFill>
-                        <a:effectLst/>
-                        <a:latin typeface="Aptos Narrow" panose="020B0004020202020204" pitchFamily="34" charset="0"/>
-                      </a:endParaRPr>
-                    </a:p>
-                  </a:txBody>
-                  <a:tcPr marL="9525" marR="9525" marT="9525" marB="0" anchor="ctr"/>
-                </a:tc>
-                <a:tc>
-                  <a:txBody>
-                    <a:bodyPr/>
-                    <a:lstStyle/>
-                    <a:p>
-                      <a:pPr algn="l" fontAlgn="ctr">
-                        <a:buNone/>
-                      </a:pPr>
-                      <a:r>
-                        <a:rPr lang="en-US" sz="1400" b="1" u="none" strike="noStrike" dirty="0">
-                          <a:solidFill>
-                            <a:srgbClr val="7030A0"/>
-                          </a:solidFill>
-                          <a:effectLst/>
-                        </a:rPr>
-                        <a:t>Has the client subscribed a term deposit? (yes/no)</a:t>
-                      </a:r>
-                      <a:endParaRPr lang="en-US" sz="1400" b="1" i="0" u="none" strike="noStrike" dirty="0">
-                        <a:solidFill>
-                          <a:srgbClr val="7030A0"/>
-                        </a:solidFill>
-                        <a:effectLst/>
-                        <a:latin typeface="Aptos Narrow" panose="020B0004020202020204" pitchFamily="34" charset="0"/>
-                      </a:endParaRPr>
-                    </a:p>
-                  </a:txBody>
-                  <a:tcPr marL="9525" marR="9525" marT="9525" marB="0" anchor="ctr"/>
-                </a:tc>
-                <a:tc>
-                  <a:txBody>
-                    <a:bodyPr/>
-                    <a:lstStyle/>
-                    <a:p>
-                      <a:pPr algn="l" fontAlgn="ctr">
-                        <a:buNone/>
-                      </a:pPr>
-                      <a:r>
-                        <a:rPr lang="en-US" sz="1400" b="1" u="none" strike="noStrike" dirty="0">
-                          <a:solidFill>
-                            <a:srgbClr val="7030A0"/>
-                          </a:solidFill>
-                          <a:effectLst/>
-                        </a:rPr>
-                        <a:t>Binary</a:t>
-                      </a:r>
-                      <a:endParaRPr lang="en-US" sz="1400" b="1" i="0" u="none" strike="noStrike" dirty="0">
-                        <a:solidFill>
-                          <a:srgbClr val="7030A0"/>
-                        </a:solidFill>
-                        <a:effectLst/>
-                        <a:latin typeface="Aptos Narrow" panose="020B0004020202020204" pitchFamily="34" charset="0"/>
-                      </a:endParaRPr>
-                    </a:p>
-                  </a:txBody>
-                  <a:tcPr marL="9525" marR="9525" marT="9525" marB="0" anchor="ctr"/>
-                </a:tc>
-                <a:extLst>
-                  <a:ext uri="{0D108BD9-81ED-4DB2-BD59-A6C34878D82A}">
-                    <a16:rowId xmlns:a16="http://schemas.microsoft.com/office/drawing/2014/main" val="4012345360"/>
-                  </a:ext>
-                </a:extLst>
-              </a:tr>
-            </a:tbl>
-          </a:graphicData>
-        </a:graphic>
-      </p:graphicFrame>
+              <a:rPr kumimoji="0" lang="fr-FR" altLang="fr-FR" sz="1800" b="0" i="0" u="none" strike="noStrike" cap="none" normalizeH="0" baseline="0" dirty="0">
+                <a:ln>
+                  <a:noFill/>
+                </a:ln>
+                <a:solidFill>
+                  <a:schemeClr val="tx1"/>
+                </a:solidFill>
+                <a:effectLst/>
+                <a:latin typeface="Arial" panose="020B0604020202020204" pitchFamily="34" charset="0"/>
+              </a:rPr>
+              <a:t>Valeurs manquantes : </a:t>
+            </a:r>
+            <a:r>
+              <a:rPr kumimoji="0" lang="fr-FR" altLang="fr-FR" sz="1000" b="0" i="0" u="none" strike="noStrike" cap="none" normalizeH="0" baseline="0" dirty="0" err="1">
+                <a:ln>
+                  <a:noFill/>
+                </a:ln>
+                <a:solidFill>
+                  <a:schemeClr val="tx1"/>
+                </a:solidFill>
+                <a:effectLst/>
+                <a:latin typeface="Arial Unicode MS"/>
+              </a:rPr>
+              <a:t>isnull</a:t>
+            </a:r>
+            <a:r>
+              <a:rPr kumimoji="0" lang="fr-FR" altLang="fr-FR" sz="1000" b="0" i="0" u="none" strike="noStrike" cap="none" normalizeH="0" baseline="0" dirty="0">
+                <a:ln>
+                  <a:noFill/>
+                </a:ln>
+                <a:solidFill>
+                  <a:schemeClr val="tx1"/>
+                </a:solidFill>
+                <a:effectLst/>
+                <a:latin typeface="Arial Unicode MS"/>
+              </a:rPr>
+              <a:t>().</a:t>
+            </a:r>
+            <a:r>
+              <a:rPr kumimoji="0" lang="fr-FR" altLang="fr-FR" sz="1000" b="0" i="0" u="none" strike="noStrike" cap="none" normalizeH="0" baseline="0" dirty="0" err="1">
+                <a:ln>
+                  <a:noFill/>
+                </a:ln>
+                <a:solidFill>
+                  <a:schemeClr val="tx1"/>
+                </a:solidFill>
+                <a:effectLst/>
+                <a:latin typeface="Arial Unicode MS"/>
+              </a:rPr>
+              <a:t>sum</a:t>
+            </a:r>
+            <a:r>
+              <a:rPr kumimoji="0" lang="fr-FR" altLang="fr-FR" sz="1000" b="0" i="0" u="none" strike="noStrike" cap="none" normalizeH="0" baseline="0" dirty="0">
+                <a:ln>
+                  <a:noFill/>
+                </a:ln>
+                <a:solidFill>
+                  <a:schemeClr val="tx1"/>
+                </a:solidFill>
+                <a:effectLst/>
+                <a:latin typeface="Arial Unicode MS"/>
+              </a:rPr>
+              <a:t>()</a:t>
+            </a:r>
+            <a:endParaRPr kumimoji="0" lang="fr-FR" altLang="fr-FR" sz="800" b="0" i="0" u="none" strike="noStrike" cap="none" normalizeH="0" baseline="0" dirty="0">
+              <a:ln>
+                <a:noFill/>
+              </a:ln>
+              <a:solidFill>
+                <a:schemeClr val="tx1"/>
+              </a:solidFill>
+              <a:effectLst/>
+            </a:endParaRPr>
+          </a:p>
+          <a:p>
+            <a:pPr marL="0" marR="0" lvl="0" indent="0" algn="l" defTabSz="914400" rtl="0" eaLnBrk="0" fontAlgn="base" latinLnBrk="0" hangingPunct="0">
+              <a:lnSpc>
+                <a:spcPct val="100000"/>
+              </a:lnSpc>
+              <a:spcBef>
+                <a:spcPct val="0"/>
+              </a:spcBef>
+              <a:spcAft>
+                <a:spcPct val="0"/>
+              </a:spcAft>
+              <a:buClrTx/>
+              <a:buSzTx/>
+              <a:buFontTx/>
+              <a:buChar char="•"/>
+              <a:tabLst/>
+            </a:pPr>
+            <a:r>
+              <a:rPr kumimoji="0" lang="fr-FR" altLang="fr-FR" sz="1800" b="0" i="0" u="none" strike="noStrike" cap="none" normalizeH="0" baseline="0" dirty="0">
+                <a:ln>
+                  <a:noFill/>
+                </a:ln>
+                <a:solidFill>
+                  <a:schemeClr val="tx1"/>
+                </a:solidFill>
+                <a:effectLst/>
+                <a:latin typeface="Arial" panose="020B0604020202020204" pitchFamily="34" charset="0"/>
+              </a:rPr>
+              <a:t>Catégories absurdes (par ex. âge &lt; 18)</a:t>
+            </a:r>
+          </a:p>
+          <a:p>
+            <a:pPr marL="0" marR="0" lvl="0" indent="0" algn="l" defTabSz="914400" rtl="0" eaLnBrk="0" fontAlgn="base" latinLnBrk="0" hangingPunct="0">
+              <a:lnSpc>
+                <a:spcPct val="100000"/>
+              </a:lnSpc>
+              <a:spcBef>
+                <a:spcPct val="0"/>
+              </a:spcBef>
+              <a:spcAft>
+                <a:spcPct val="0"/>
+              </a:spcAft>
+              <a:buClrTx/>
+              <a:buSzTx/>
+              <a:buFontTx/>
+              <a:buChar char="•"/>
+              <a:tabLst/>
+            </a:pPr>
+            <a:r>
+              <a:rPr kumimoji="0" lang="fr-FR" altLang="fr-FR" sz="1800" b="0" i="0" u="none" strike="noStrike" cap="none" normalizeH="0" baseline="0" dirty="0">
+                <a:ln>
+                  <a:noFill/>
+                </a:ln>
+                <a:solidFill>
+                  <a:schemeClr val="tx1"/>
+                </a:solidFill>
+                <a:effectLst/>
+                <a:latin typeface="Arial" panose="020B0604020202020204" pitchFamily="34" charset="0"/>
+              </a:rPr>
+              <a:t>Valeurs aberrantes (par ex. durée des appels &gt; 4000s)</a:t>
+            </a:r>
+          </a:p>
+        </p:txBody>
+      </p:sp>
     </p:spTree>
     <p:extLst>
       <p:ext uri="{BB962C8B-B14F-4D97-AF65-F5344CB8AC3E}">
-        <p14:creationId xmlns:p14="http://schemas.microsoft.com/office/powerpoint/2010/main" val="755021529"/>
+        <p14:creationId xmlns:p14="http://schemas.microsoft.com/office/powerpoint/2010/main" val="4207231282"/>
       </p:ext>
     </p:extLst>
   </p:cSld>
